--- a/Sprint1.pptx
+++ b/Sprint1.pptx
@@ -2,19 +2,23 @@
 <file path=ppt/presentation.xml><?xml version="1.0" encoding="utf-8"?>
 <p:presentation xmlns:a="http://schemas.openxmlformats.org/drawingml/2006/main" xmlns:r="http://schemas.openxmlformats.org/officeDocument/2006/relationships" xmlns:p="http://schemas.openxmlformats.org/presentationml/2006/main" saveSubsetFonts="1">
   <p:sldMasterIdLst>
-    <p:sldMasterId id="2147483648" r:id="rId1"/>
+    <p:sldMasterId id="2147483660" r:id="rId1"/>
   </p:sldMasterIdLst>
   <p:sldIdLst>
     <p:sldId id="256" r:id="rId2"/>
-    <p:sldId id="257" r:id="rId3"/>
-    <p:sldId id="266" r:id="rId4"/>
-    <p:sldId id="258" r:id="rId5"/>
-    <p:sldId id="259" r:id="rId6"/>
-    <p:sldId id="260" r:id="rId7"/>
-    <p:sldId id="261" r:id="rId8"/>
-    <p:sldId id="262" r:id="rId9"/>
-    <p:sldId id="263" r:id="rId10"/>
-    <p:sldId id="264" r:id="rId11"/>
+    <p:sldId id="267" r:id="rId3"/>
+    <p:sldId id="268" r:id="rId4"/>
+    <p:sldId id="269" r:id="rId5"/>
+    <p:sldId id="271" r:id="rId6"/>
+    <p:sldId id="266" r:id="rId7"/>
+    <p:sldId id="258" r:id="rId8"/>
+    <p:sldId id="259" r:id="rId9"/>
+    <p:sldId id="260" r:id="rId10"/>
+    <p:sldId id="261" r:id="rId11"/>
+    <p:sldId id="262" r:id="rId12"/>
+    <p:sldId id="263" r:id="rId13"/>
+    <p:sldId id="264" r:id="rId14"/>
+    <p:sldId id="270" r:id="rId15"/>
   </p:sldIdLst>
   <p:sldSz cx="12192000" cy="6858000"/>
   <p:notesSz cx="6858000" cy="9144000"/>
@@ -22,7 +26,7 @@
     <a:defPPr>
       <a:defRPr lang="en-US"/>
     </a:defPPr>
-    <a:lvl1pPr marL="0" algn="l" defTabSz="914400" rtl="0" eaLnBrk="1" latinLnBrk="0" hangingPunct="1">
+    <a:lvl1pPr marL="0" algn="l" defTabSz="457200" rtl="0" eaLnBrk="1" latinLnBrk="0" hangingPunct="1">
       <a:defRPr sz="1800" kern="1200">
         <a:solidFill>
           <a:schemeClr val="tx1"/>
@@ -32,7 +36,7 @@
         <a:cs typeface="+mn-cs"/>
       </a:defRPr>
     </a:lvl1pPr>
-    <a:lvl2pPr marL="457200" algn="l" defTabSz="914400" rtl="0" eaLnBrk="1" latinLnBrk="0" hangingPunct="1">
+    <a:lvl2pPr marL="457200" algn="l" defTabSz="457200" rtl="0" eaLnBrk="1" latinLnBrk="0" hangingPunct="1">
       <a:defRPr sz="1800" kern="1200">
         <a:solidFill>
           <a:schemeClr val="tx1"/>
@@ -42,7 +46,7 @@
         <a:cs typeface="+mn-cs"/>
       </a:defRPr>
     </a:lvl2pPr>
-    <a:lvl3pPr marL="914400" algn="l" defTabSz="914400" rtl="0" eaLnBrk="1" latinLnBrk="0" hangingPunct="1">
+    <a:lvl3pPr marL="914400" algn="l" defTabSz="457200" rtl="0" eaLnBrk="1" latinLnBrk="0" hangingPunct="1">
       <a:defRPr sz="1800" kern="1200">
         <a:solidFill>
           <a:schemeClr val="tx1"/>
@@ -52,7 +56,7 @@
         <a:cs typeface="+mn-cs"/>
       </a:defRPr>
     </a:lvl3pPr>
-    <a:lvl4pPr marL="1371600" algn="l" defTabSz="914400" rtl="0" eaLnBrk="1" latinLnBrk="0" hangingPunct="1">
+    <a:lvl4pPr marL="1371600" algn="l" defTabSz="457200" rtl="0" eaLnBrk="1" latinLnBrk="0" hangingPunct="1">
       <a:defRPr sz="1800" kern="1200">
         <a:solidFill>
           <a:schemeClr val="tx1"/>
@@ -62,7 +66,7 @@
         <a:cs typeface="+mn-cs"/>
       </a:defRPr>
     </a:lvl4pPr>
-    <a:lvl5pPr marL="1828800" algn="l" defTabSz="914400" rtl="0" eaLnBrk="1" latinLnBrk="0" hangingPunct="1">
+    <a:lvl5pPr marL="1828800" algn="l" defTabSz="457200" rtl="0" eaLnBrk="1" latinLnBrk="0" hangingPunct="1">
       <a:defRPr sz="1800" kern="1200">
         <a:solidFill>
           <a:schemeClr val="tx1"/>
@@ -72,7 +76,7 @@
         <a:cs typeface="+mn-cs"/>
       </a:defRPr>
     </a:lvl5pPr>
-    <a:lvl6pPr marL="2286000" algn="l" defTabSz="914400" rtl="0" eaLnBrk="1" latinLnBrk="0" hangingPunct="1">
+    <a:lvl6pPr marL="2286000" algn="l" defTabSz="457200" rtl="0" eaLnBrk="1" latinLnBrk="0" hangingPunct="1">
       <a:defRPr sz="1800" kern="1200">
         <a:solidFill>
           <a:schemeClr val="tx1"/>
@@ -82,7 +86,7 @@
         <a:cs typeface="+mn-cs"/>
       </a:defRPr>
     </a:lvl6pPr>
-    <a:lvl7pPr marL="2743200" algn="l" defTabSz="914400" rtl="0" eaLnBrk="1" latinLnBrk="0" hangingPunct="1">
+    <a:lvl7pPr marL="2743200" algn="l" defTabSz="457200" rtl="0" eaLnBrk="1" latinLnBrk="0" hangingPunct="1">
       <a:defRPr sz="1800" kern="1200">
         <a:solidFill>
           <a:schemeClr val="tx1"/>
@@ -92,7 +96,7 @@
         <a:cs typeface="+mn-cs"/>
       </a:defRPr>
     </a:lvl7pPr>
-    <a:lvl8pPr marL="3200400" algn="l" defTabSz="914400" rtl="0" eaLnBrk="1" latinLnBrk="0" hangingPunct="1">
+    <a:lvl8pPr marL="3200400" algn="l" defTabSz="457200" rtl="0" eaLnBrk="1" latinLnBrk="0" hangingPunct="1">
       <a:defRPr sz="1800" kern="1200">
         <a:solidFill>
           <a:schemeClr val="tx1"/>
@@ -102,7 +106,7 @@
         <a:cs typeface="+mn-cs"/>
       </a:defRPr>
     </a:lvl8pPr>
-    <a:lvl9pPr marL="3657600" algn="l" defTabSz="914400" rtl="0" eaLnBrk="1" latinLnBrk="0" hangingPunct="1">
+    <a:lvl9pPr marL="3657600" algn="l" defTabSz="457200" rtl="0" eaLnBrk="1" latinLnBrk="0" hangingPunct="1">
       <a:defRPr sz="1800" kern="1200">
         <a:solidFill>
           <a:schemeClr val="tx1"/>
@@ -113,6 +117,11 @@
       </a:defRPr>
     </a:lvl9pPr>
   </p:defaultTextStyle>
+  <p:extLst>
+    <p:ext uri="{EFAFB233-063F-42B5-8137-9DF3F51BA10A}">
+      <p15:sldGuideLst xmlns:p15="http://schemas.microsoft.com/office/powerpoint/2012/main"/>
+    </p:ext>
+  </p:extLst>
 </p:presentation>
 </file>
 
@@ -121,18 +130,18 @@
   <pc:docChgLst>
     <pc:chgData name="Vidyasagar Botcha" userId="240f3d197f7be7fa" providerId="LiveId" clId="{2C5D13EA-3EA3-4785-8643-B4951C5C8F4E}"/>
     <pc:docChg chg="undo custSel addSld delSld modSld">
-      <pc:chgData name="Vidyasagar Botcha" userId="240f3d197f7be7fa" providerId="LiveId" clId="{2C5D13EA-3EA3-4785-8643-B4951C5C8F4E}" dt="2023-11-23T12:12:07.339" v="928" actId="47"/>
+      <pc:chgData name="Vidyasagar Botcha" userId="240f3d197f7be7fa" providerId="LiveId" clId="{2C5D13EA-3EA3-4785-8643-B4951C5C8F4E}" dt="2023-11-23T12:58:02.306" v="2900" actId="20577"/>
       <pc:docMkLst>
         <pc:docMk/>
       </pc:docMkLst>
-      <pc:sldChg chg="modSp new mod">
-        <pc:chgData name="Vidyasagar Botcha" userId="240f3d197f7be7fa" providerId="LiveId" clId="{2C5D13EA-3EA3-4785-8643-B4951C5C8F4E}" dt="2023-11-23T11:43:56.143" v="90" actId="20577"/>
+      <pc:sldChg chg="addSp modSp new mod">
+        <pc:chgData name="Vidyasagar Botcha" userId="240f3d197f7be7fa" providerId="LiveId" clId="{2C5D13EA-3EA3-4785-8643-B4951C5C8F4E}" dt="2023-11-23T12:57:14.607" v="2835" actId="27636"/>
         <pc:sldMkLst>
           <pc:docMk/>
           <pc:sldMk cId="986521174" sldId="256"/>
         </pc:sldMkLst>
         <pc:spChg chg="mod">
-          <ac:chgData name="Vidyasagar Botcha" userId="240f3d197f7be7fa" providerId="LiveId" clId="{2C5D13EA-3EA3-4785-8643-B4951C5C8F4E}" dt="2023-11-23T11:43:06.261" v="41" actId="2711"/>
+          <ac:chgData name="Vidyasagar Botcha" userId="240f3d197f7be7fa" providerId="LiveId" clId="{2C5D13EA-3EA3-4785-8643-B4951C5C8F4E}" dt="2023-11-23T12:57:14.538" v="2834"/>
           <ac:spMkLst>
             <pc:docMk/>
             <pc:sldMk cId="986521174" sldId="256"/>
@@ -140,16 +149,24 @@
           </ac:spMkLst>
         </pc:spChg>
         <pc:spChg chg="mod">
-          <ac:chgData name="Vidyasagar Botcha" userId="240f3d197f7be7fa" providerId="LiveId" clId="{2C5D13EA-3EA3-4785-8643-B4951C5C8F4E}" dt="2023-11-23T11:43:56.143" v="90" actId="20577"/>
+          <ac:chgData name="Vidyasagar Botcha" userId="240f3d197f7be7fa" providerId="LiveId" clId="{2C5D13EA-3EA3-4785-8643-B4951C5C8F4E}" dt="2023-11-23T12:57:14.607" v="2835" actId="27636"/>
           <ac:spMkLst>
             <pc:docMk/>
             <pc:sldMk cId="986521174" sldId="256"/>
             <ac:spMk id="3" creationId="{66A4C6BC-C2F3-BB53-9596-AA00533168E0}"/>
           </ac:spMkLst>
         </pc:spChg>
+        <pc:picChg chg="add mod">
+          <ac:chgData name="Vidyasagar Botcha" userId="240f3d197f7be7fa" providerId="LiveId" clId="{2C5D13EA-3EA3-4785-8643-B4951C5C8F4E}" dt="2023-11-23T12:57:08.391" v="2833" actId="1076"/>
+          <ac:picMkLst>
+            <pc:docMk/>
+            <pc:sldMk cId="986521174" sldId="256"/>
+            <ac:picMk id="2050" creationId="{2134F33E-790E-DA83-81CE-BC5BAA97D6CE}"/>
+          </ac:picMkLst>
+        </pc:picChg>
       </pc:sldChg>
-      <pc:sldChg chg="addSp modSp new mod">
-        <pc:chgData name="Vidyasagar Botcha" userId="240f3d197f7be7fa" providerId="LiveId" clId="{2C5D13EA-3EA3-4785-8643-B4951C5C8F4E}" dt="2023-11-23T12:01:56.078" v="838" actId="20577"/>
+      <pc:sldChg chg="addSp modSp new del mod">
+        <pc:chgData name="Vidyasagar Botcha" userId="240f3d197f7be7fa" providerId="LiveId" clId="{2C5D13EA-3EA3-4785-8643-B4951C5C8F4E}" dt="2023-11-23T12:35:19.059" v="1773" actId="47"/>
         <pc:sldMkLst>
           <pc:docMk/>
           <pc:sldMk cId="409388110" sldId="257"/>
@@ -196,13 +213,13 @@
         </pc:picChg>
       </pc:sldChg>
       <pc:sldChg chg="addSp delSp modSp new mod">
-        <pc:chgData name="Vidyasagar Botcha" userId="240f3d197f7be7fa" providerId="LiveId" clId="{2C5D13EA-3EA3-4785-8643-B4951C5C8F4E}" dt="2023-11-23T11:55:36.065" v="481" actId="14100"/>
+        <pc:chgData name="Vidyasagar Botcha" userId="240f3d197f7be7fa" providerId="LiveId" clId="{2C5D13EA-3EA3-4785-8643-B4951C5C8F4E}" dt="2023-11-23T12:57:14.538" v="2834"/>
         <pc:sldMkLst>
           <pc:docMk/>
           <pc:sldMk cId="837679227" sldId="258"/>
         </pc:sldMkLst>
         <pc:spChg chg="mod">
-          <ac:chgData name="Vidyasagar Botcha" userId="240f3d197f7be7fa" providerId="LiveId" clId="{2C5D13EA-3EA3-4785-8643-B4951C5C8F4E}" dt="2023-11-23T11:53:42.194" v="381" actId="20577"/>
+          <ac:chgData name="Vidyasagar Botcha" userId="240f3d197f7be7fa" providerId="LiveId" clId="{2C5D13EA-3EA3-4785-8643-B4951C5C8F4E}" dt="2023-11-23T12:57:14.538" v="2834"/>
           <ac:spMkLst>
             <pc:docMk/>
             <pc:sldMk cId="837679227" sldId="258"/>
@@ -227,13 +244,13 @@
         </pc:picChg>
       </pc:sldChg>
       <pc:sldChg chg="addSp delSp modSp new mod">
-        <pc:chgData name="Vidyasagar Botcha" userId="240f3d197f7be7fa" providerId="LiveId" clId="{2C5D13EA-3EA3-4785-8643-B4951C5C8F4E}" dt="2023-11-23T11:55:24.728" v="479" actId="14100"/>
+        <pc:chgData name="Vidyasagar Botcha" userId="240f3d197f7be7fa" providerId="LiveId" clId="{2C5D13EA-3EA3-4785-8643-B4951C5C8F4E}" dt="2023-11-23T12:57:14.538" v="2834"/>
         <pc:sldMkLst>
           <pc:docMk/>
           <pc:sldMk cId="2792293541" sldId="259"/>
         </pc:sldMkLst>
         <pc:spChg chg="mod">
-          <ac:chgData name="Vidyasagar Botcha" userId="240f3d197f7be7fa" providerId="LiveId" clId="{2C5D13EA-3EA3-4785-8643-B4951C5C8F4E}" dt="2023-11-23T11:54:43.360" v="424" actId="20577"/>
+          <ac:chgData name="Vidyasagar Botcha" userId="240f3d197f7be7fa" providerId="LiveId" clId="{2C5D13EA-3EA3-4785-8643-B4951C5C8F4E}" dt="2023-11-23T12:57:14.538" v="2834"/>
           <ac:spMkLst>
             <pc:docMk/>
             <pc:sldMk cId="2792293541" sldId="259"/>
@@ -258,13 +275,13 @@
         </pc:picChg>
       </pc:sldChg>
       <pc:sldChg chg="addSp delSp modSp new mod">
-        <pc:chgData name="Vidyasagar Botcha" userId="240f3d197f7be7fa" providerId="LiveId" clId="{2C5D13EA-3EA3-4785-8643-B4951C5C8F4E}" dt="2023-11-23T11:55:20.640" v="478" actId="14100"/>
+        <pc:chgData name="Vidyasagar Botcha" userId="240f3d197f7be7fa" providerId="LiveId" clId="{2C5D13EA-3EA3-4785-8643-B4951C5C8F4E}" dt="2023-11-23T12:57:14.538" v="2834"/>
         <pc:sldMkLst>
           <pc:docMk/>
           <pc:sldMk cId="3419615912" sldId="260"/>
         </pc:sldMkLst>
         <pc:spChg chg="mod">
-          <ac:chgData name="Vidyasagar Botcha" userId="240f3d197f7be7fa" providerId="LiveId" clId="{2C5D13EA-3EA3-4785-8643-B4951C5C8F4E}" dt="2023-11-23T11:55:09.452" v="474" actId="20577"/>
+          <ac:chgData name="Vidyasagar Botcha" userId="240f3d197f7be7fa" providerId="LiveId" clId="{2C5D13EA-3EA3-4785-8643-B4951C5C8F4E}" dt="2023-11-23T12:57:14.538" v="2834"/>
           <ac:spMkLst>
             <pc:docMk/>
             <pc:sldMk cId="3419615912" sldId="260"/>
@@ -289,13 +306,13 @@
         </pc:picChg>
       </pc:sldChg>
       <pc:sldChg chg="addSp delSp modSp new mod">
-        <pc:chgData name="Vidyasagar Botcha" userId="240f3d197f7be7fa" providerId="LiveId" clId="{2C5D13EA-3EA3-4785-8643-B4951C5C8F4E}" dt="2023-11-23T11:56:35.734" v="538" actId="20577"/>
+        <pc:chgData name="Vidyasagar Botcha" userId="240f3d197f7be7fa" providerId="LiveId" clId="{2C5D13EA-3EA3-4785-8643-B4951C5C8F4E}" dt="2023-11-23T12:57:14.538" v="2834"/>
         <pc:sldMkLst>
           <pc:docMk/>
           <pc:sldMk cId="3073047658" sldId="261"/>
         </pc:sldMkLst>
         <pc:spChg chg="mod">
-          <ac:chgData name="Vidyasagar Botcha" userId="240f3d197f7be7fa" providerId="LiveId" clId="{2C5D13EA-3EA3-4785-8643-B4951C5C8F4E}" dt="2023-11-23T11:56:35.734" v="538" actId="20577"/>
+          <ac:chgData name="Vidyasagar Botcha" userId="240f3d197f7be7fa" providerId="LiveId" clId="{2C5D13EA-3EA3-4785-8643-B4951C5C8F4E}" dt="2023-11-23T12:57:14.538" v="2834"/>
           <ac:spMkLst>
             <pc:docMk/>
             <pc:sldMk cId="3073047658" sldId="261"/>
@@ -320,13 +337,13 @@
         </pc:picChg>
       </pc:sldChg>
       <pc:sldChg chg="addSp delSp modSp new mod">
-        <pc:chgData name="Vidyasagar Botcha" userId="240f3d197f7be7fa" providerId="LiveId" clId="{2C5D13EA-3EA3-4785-8643-B4951C5C8F4E}" dt="2023-11-23T11:59:12.470" v="718" actId="20577"/>
+        <pc:chgData name="Vidyasagar Botcha" userId="240f3d197f7be7fa" providerId="LiveId" clId="{2C5D13EA-3EA3-4785-8643-B4951C5C8F4E}" dt="2023-11-23T12:57:14.538" v="2834"/>
         <pc:sldMkLst>
           <pc:docMk/>
           <pc:sldMk cId="313009469" sldId="262"/>
         </pc:sldMkLst>
         <pc:spChg chg="mod">
-          <ac:chgData name="Vidyasagar Botcha" userId="240f3d197f7be7fa" providerId="LiveId" clId="{2C5D13EA-3EA3-4785-8643-B4951C5C8F4E}" dt="2023-11-23T11:59:12.470" v="718" actId="20577"/>
+          <ac:chgData name="Vidyasagar Botcha" userId="240f3d197f7be7fa" providerId="LiveId" clId="{2C5D13EA-3EA3-4785-8643-B4951C5C8F4E}" dt="2023-11-23T12:57:14.538" v="2834"/>
           <ac:spMkLst>
             <pc:docMk/>
             <pc:sldMk cId="313009469" sldId="262"/>
@@ -359,13 +376,13 @@
         </pc:picChg>
       </pc:sldChg>
       <pc:sldChg chg="addSp delSp modSp new mod">
-        <pc:chgData name="Vidyasagar Botcha" userId="240f3d197f7be7fa" providerId="LiveId" clId="{2C5D13EA-3EA3-4785-8643-B4951C5C8F4E}" dt="2023-11-23T11:58:51.838" v="692" actId="5793"/>
+        <pc:chgData name="Vidyasagar Botcha" userId="240f3d197f7be7fa" providerId="LiveId" clId="{2C5D13EA-3EA3-4785-8643-B4951C5C8F4E}" dt="2023-11-23T12:57:14.538" v="2834"/>
         <pc:sldMkLst>
           <pc:docMk/>
           <pc:sldMk cId="863771257" sldId="263"/>
         </pc:sldMkLst>
         <pc:spChg chg="mod">
-          <ac:chgData name="Vidyasagar Botcha" userId="240f3d197f7be7fa" providerId="LiveId" clId="{2C5D13EA-3EA3-4785-8643-B4951C5C8F4E}" dt="2023-11-23T11:58:51.838" v="692" actId="5793"/>
+          <ac:chgData name="Vidyasagar Botcha" userId="240f3d197f7be7fa" providerId="LiveId" clId="{2C5D13EA-3EA3-4785-8643-B4951C5C8F4E}" dt="2023-11-23T12:57:14.538" v="2834"/>
           <ac:spMkLst>
             <pc:docMk/>
             <pc:sldMk cId="863771257" sldId="263"/>
@@ -390,13 +407,13 @@
         </pc:picChg>
       </pc:sldChg>
       <pc:sldChg chg="addSp delSp modSp new mod">
-        <pc:chgData name="Vidyasagar Botcha" userId="240f3d197f7be7fa" providerId="LiveId" clId="{2C5D13EA-3EA3-4785-8643-B4951C5C8F4E}" dt="2023-11-23T12:00:16.975" v="776" actId="20577"/>
+        <pc:chgData name="Vidyasagar Botcha" userId="240f3d197f7be7fa" providerId="LiveId" clId="{2C5D13EA-3EA3-4785-8643-B4951C5C8F4E}" dt="2023-11-23T12:57:14.538" v="2834"/>
         <pc:sldMkLst>
           <pc:docMk/>
           <pc:sldMk cId="2751534878" sldId="264"/>
         </pc:sldMkLst>
         <pc:spChg chg="mod">
-          <ac:chgData name="Vidyasagar Botcha" userId="240f3d197f7be7fa" providerId="LiveId" clId="{2C5D13EA-3EA3-4785-8643-B4951C5C8F4E}" dt="2023-11-23T12:00:16.975" v="776" actId="20577"/>
+          <ac:chgData name="Vidyasagar Botcha" userId="240f3d197f7be7fa" providerId="LiveId" clId="{2C5D13EA-3EA3-4785-8643-B4951C5C8F4E}" dt="2023-11-23T12:57:14.538" v="2834"/>
           <ac:spMkLst>
             <pc:docMk/>
             <pc:sldMk cId="2751534878" sldId="264"/>
@@ -468,13 +485,13 @@
         </pc:graphicFrameChg>
       </pc:sldChg>
       <pc:sldChg chg="addSp delSp modSp new mod">
-        <pc:chgData name="Vidyasagar Botcha" userId="240f3d197f7be7fa" providerId="LiveId" clId="{2C5D13EA-3EA3-4785-8643-B4951C5C8F4E}" dt="2023-11-23T12:12:02.643" v="927" actId="20577"/>
+        <pc:chgData name="Vidyasagar Botcha" userId="240f3d197f7be7fa" providerId="LiveId" clId="{2C5D13EA-3EA3-4785-8643-B4951C5C8F4E}" dt="2023-11-23T12:57:14.538" v="2834"/>
         <pc:sldMkLst>
           <pc:docMk/>
           <pc:sldMk cId="1938680622" sldId="266"/>
         </pc:sldMkLst>
         <pc:spChg chg="mod">
-          <ac:chgData name="Vidyasagar Botcha" userId="240f3d197f7be7fa" providerId="LiveId" clId="{2C5D13EA-3EA3-4785-8643-B4951C5C8F4E}" dt="2023-11-23T12:12:02.643" v="927" actId="20577"/>
+          <ac:chgData name="Vidyasagar Botcha" userId="240f3d197f7be7fa" providerId="LiveId" clId="{2C5D13EA-3EA3-4785-8643-B4951C5C8F4E}" dt="2023-11-23T12:57:14.538" v="2834"/>
           <ac:spMkLst>
             <pc:docMk/>
             <pc:sldMk cId="1938680622" sldId="266"/>
@@ -498,7 +515,7 @@
           </ac:graphicFrameMkLst>
         </pc:graphicFrameChg>
         <pc:graphicFrameChg chg="add mod ord modGraphic">
-          <ac:chgData name="Vidyasagar Botcha" userId="240f3d197f7be7fa" providerId="LiveId" clId="{2C5D13EA-3EA3-4785-8643-B4951C5C8F4E}" dt="2023-11-23T12:11:53.282" v="900" actId="255"/>
+          <ac:chgData name="Vidyasagar Botcha" userId="240f3d197f7be7fa" providerId="LiveId" clId="{2C5D13EA-3EA3-4785-8643-B4951C5C8F4E}" dt="2023-11-23T12:57:14.538" v="2834"/>
           <ac:graphicFrameMkLst>
             <pc:docMk/>
             <pc:sldMk cId="1938680622" sldId="266"/>
@@ -514,13 +531,167 @@
           </ac:graphicFrameMkLst>
         </pc:graphicFrameChg>
       </pc:sldChg>
+      <pc:sldChg chg="modSp new mod">
+        <pc:chgData name="Vidyasagar Botcha" userId="240f3d197f7be7fa" providerId="LiveId" clId="{2C5D13EA-3EA3-4785-8643-B4951C5C8F4E}" dt="2023-11-23T12:57:14.538" v="2834"/>
+        <pc:sldMkLst>
+          <pc:docMk/>
+          <pc:sldMk cId="156826702" sldId="267"/>
+        </pc:sldMkLst>
+        <pc:spChg chg="mod">
+          <ac:chgData name="Vidyasagar Botcha" userId="240f3d197f7be7fa" providerId="LiveId" clId="{2C5D13EA-3EA3-4785-8643-B4951C5C8F4E}" dt="2023-11-23T12:57:14.538" v="2834"/>
+          <ac:spMkLst>
+            <pc:docMk/>
+            <pc:sldMk cId="156826702" sldId="267"/>
+            <ac:spMk id="2" creationId="{F0BDCE90-C946-EF18-5271-0301CCAAA9C4}"/>
+          </ac:spMkLst>
+        </pc:spChg>
+        <pc:spChg chg="mod">
+          <ac:chgData name="Vidyasagar Botcha" userId="240f3d197f7be7fa" providerId="LiveId" clId="{2C5D13EA-3EA3-4785-8643-B4951C5C8F4E}" dt="2023-11-23T12:57:14.538" v="2834"/>
+          <ac:spMkLst>
+            <pc:docMk/>
+            <pc:sldMk cId="156826702" sldId="267"/>
+            <ac:spMk id="3" creationId="{81CC03BF-5C2E-D271-A4D6-ABD0531F2215}"/>
+          </ac:spMkLst>
+        </pc:spChg>
+      </pc:sldChg>
+      <pc:sldChg chg="modSp new mod">
+        <pc:chgData name="Vidyasagar Botcha" userId="240f3d197f7be7fa" providerId="LiveId" clId="{2C5D13EA-3EA3-4785-8643-B4951C5C8F4E}" dt="2023-11-23T12:57:14.538" v="2834"/>
+        <pc:sldMkLst>
+          <pc:docMk/>
+          <pc:sldMk cId="4067673262" sldId="268"/>
+        </pc:sldMkLst>
+        <pc:spChg chg="mod">
+          <ac:chgData name="Vidyasagar Botcha" userId="240f3d197f7be7fa" providerId="LiveId" clId="{2C5D13EA-3EA3-4785-8643-B4951C5C8F4E}" dt="2023-11-23T12:57:14.538" v="2834"/>
+          <ac:spMkLst>
+            <pc:docMk/>
+            <pc:sldMk cId="4067673262" sldId="268"/>
+            <ac:spMk id="2" creationId="{D049A627-BB2B-B5C1-C84C-E77ECB97CD60}"/>
+          </ac:spMkLst>
+        </pc:spChg>
+        <pc:spChg chg="mod">
+          <ac:chgData name="Vidyasagar Botcha" userId="240f3d197f7be7fa" providerId="LiveId" clId="{2C5D13EA-3EA3-4785-8643-B4951C5C8F4E}" dt="2023-11-23T12:57:14.538" v="2834"/>
+          <ac:spMkLst>
+            <pc:docMk/>
+            <pc:sldMk cId="4067673262" sldId="268"/>
+            <ac:spMk id="3" creationId="{7BEB10E7-7850-A53D-99A4-FE53DC754A71}"/>
+          </ac:spMkLst>
+        </pc:spChg>
+      </pc:sldChg>
+      <pc:sldChg chg="modSp new mod">
+        <pc:chgData name="Vidyasagar Botcha" userId="240f3d197f7be7fa" providerId="LiveId" clId="{2C5D13EA-3EA3-4785-8643-B4951C5C8F4E}" dt="2023-11-23T12:57:14.538" v="2834"/>
+        <pc:sldMkLst>
+          <pc:docMk/>
+          <pc:sldMk cId="725847832" sldId="269"/>
+        </pc:sldMkLst>
+        <pc:spChg chg="mod">
+          <ac:chgData name="Vidyasagar Botcha" userId="240f3d197f7be7fa" providerId="LiveId" clId="{2C5D13EA-3EA3-4785-8643-B4951C5C8F4E}" dt="2023-11-23T12:57:14.538" v="2834"/>
+          <ac:spMkLst>
+            <pc:docMk/>
+            <pc:sldMk cId="725847832" sldId="269"/>
+            <ac:spMk id="2" creationId="{67A65C11-8459-4EA2-008A-D0AAAB5642AB}"/>
+          </ac:spMkLst>
+        </pc:spChg>
+        <pc:spChg chg="mod">
+          <ac:chgData name="Vidyasagar Botcha" userId="240f3d197f7be7fa" providerId="LiveId" clId="{2C5D13EA-3EA3-4785-8643-B4951C5C8F4E}" dt="2023-11-23T12:57:14.538" v="2834"/>
+          <ac:spMkLst>
+            <pc:docMk/>
+            <pc:sldMk cId="725847832" sldId="269"/>
+            <ac:spMk id="3" creationId="{20F01185-8683-A772-1368-F16CD19B4D20}"/>
+          </ac:spMkLst>
+        </pc:spChg>
+      </pc:sldChg>
+      <pc:sldChg chg="modSp new del mod">
+        <pc:chgData name="Vidyasagar Botcha" userId="240f3d197f7be7fa" providerId="LiveId" clId="{2C5D13EA-3EA3-4785-8643-B4951C5C8F4E}" dt="2023-11-23T12:42:59.752" v="2037" actId="47"/>
+        <pc:sldMkLst>
+          <pc:docMk/>
+          <pc:sldMk cId="1651284100" sldId="270"/>
+        </pc:sldMkLst>
+        <pc:spChg chg="mod">
+          <ac:chgData name="Vidyasagar Botcha" userId="240f3d197f7be7fa" providerId="LiveId" clId="{2C5D13EA-3EA3-4785-8643-B4951C5C8F4E}" dt="2023-11-23T12:41:00.974" v="1969" actId="20577"/>
+          <ac:spMkLst>
+            <pc:docMk/>
+            <pc:sldMk cId="1651284100" sldId="270"/>
+            <ac:spMk id="2" creationId="{C22AC121-118B-FD87-4A16-317801B8BDB0}"/>
+          </ac:spMkLst>
+        </pc:spChg>
+        <pc:spChg chg="mod">
+          <ac:chgData name="Vidyasagar Botcha" userId="240f3d197f7be7fa" providerId="LiveId" clId="{2C5D13EA-3EA3-4785-8643-B4951C5C8F4E}" dt="2023-11-23T12:42:40.586" v="2036" actId="20577"/>
+          <ac:spMkLst>
+            <pc:docMk/>
+            <pc:sldMk cId="1651284100" sldId="270"/>
+            <ac:spMk id="3" creationId="{CA0BE989-6950-E654-2CE1-FC7836A26660}"/>
+          </ac:spMkLst>
+        </pc:spChg>
+      </pc:sldChg>
+      <pc:sldChg chg="modSp new mod">
+        <pc:chgData name="Vidyasagar Botcha" userId="240f3d197f7be7fa" providerId="LiveId" clId="{2C5D13EA-3EA3-4785-8643-B4951C5C8F4E}" dt="2023-11-23T12:58:02.306" v="2900" actId="20577"/>
+        <pc:sldMkLst>
+          <pc:docMk/>
+          <pc:sldMk cId="1658086816" sldId="270"/>
+        </pc:sldMkLst>
+        <pc:spChg chg="mod">
+          <ac:chgData name="Vidyasagar Botcha" userId="240f3d197f7be7fa" providerId="LiveId" clId="{2C5D13EA-3EA3-4785-8643-B4951C5C8F4E}" dt="2023-11-23T12:57:14.538" v="2834"/>
+          <ac:spMkLst>
+            <pc:docMk/>
+            <pc:sldMk cId="1658086816" sldId="270"/>
+            <ac:spMk id="2" creationId="{B489B45A-4E23-6DB1-283C-6D9A1469558D}"/>
+          </ac:spMkLst>
+        </pc:spChg>
+        <pc:spChg chg="mod">
+          <ac:chgData name="Vidyasagar Botcha" userId="240f3d197f7be7fa" providerId="LiveId" clId="{2C5D13EA-3EA3-4785-8643-B4951C5C8F4E}" dt="2023-11-23T12:58:02.306" v="2900" actId="20577"/>
+          <ac:spMkLst>
+            <pc:docMk/>
+            <pc:sldMk cId="1658086816" sldId="270"/>
+            <ac:spMk id="3" creationId="{9BAA6CAE-567F-3D5B-8F99-FA9866643441}"/>
+          </ac:spMkLst>
+        </pc:spChg>
+      </pc:sldChg>
+      <pc:sldChg chg="addSp delSp modSp new mod">
+        <pc:chgData name="Vidyasagar Botcha" userId="240f3d197f7be7fa" providerId="LiveId" clId="{2C5D13EA-3EA3-4785-8643-B4951C5C8F4E}" dt="2023-11-23T12:57:14.538" v="2834"/>
+        <pc:sldMkLst>
+          <pc:docMk/>
+          <pc:sldMk cId="266860753" sldId="271"/>
+        </pc:sldMkLst>
+        <pc:spChg chg="mod">
+          <ac:chgData name="Vidyasagar Botcha" userId="240f3d197f7be7fa" providerId="LiveId" clId="{2C5D13EA-3EA3-4785-8643-B4951C5C8F4E}" dt="2023-11-23T12:57:14.538" v="2834"/>
+          <ac:spMkLst>
+            <pc:docMk/>
+            <pc:sldMk cId="266860753" sldId="271"/>
+            <ac:spMk id="2" creationId="{F03EFA40-9BA7-0D5D-EF10-E8BC4BEB163C}"/>
+          </ac:spMkLst>
+        </pc:spChg>
+        <pc:spChg chg="mod">
+          <ac:chgData name="Vidyasagar Botcha" userId="240f3d197f7be7fa" providerId="LiveId" clId="{2C5D13EA-3EA3-4785-8643-B4951C5C8F4E}" dt="2023-11-23T12:57:14.538" v="2834"/>
+          <ac:spMkLst>
+            <pc:docMk/>
+            <pc:sldMk cId="266860753" sldId="271"/>
+            <ac:spMk id="3" creationId="{5AA94CC7-6656-CF46-7F12-A85ACAA532CE}"/>
+          </ac:spMkLst>
+        </pc:spChg>
+        <pc:picChg chg="add del mod">
+          <ac:chgData name="Vidyasagar Botcha" userId="240f3d197f7be7fa" providerId="LiveId" clId="{2C5D13EA-3EA3-4785-8643-B4951C5C8F4E}" dt="2023-11-23T12:53:47.598" v="2553"/>
+          <ac:picMkLst>
+            <pc:docMk/>
+            <pc:sldMk cId="266860753" sldId="271"/>
+            <ac:picMk id="1026" creationId="{D0931393-A13C-F71F-0B7B-FB4073D6DBF5}"/>
+          </ac:picMkLst>
+        </pc:picChg>
+        <pc:picChg chg="add mod">
+          <ac:chgData name="Vidyasagar Botcha" userId="240f3d197f7be7fa" providerId="LiveId" clId="{2C5D13EA-3EA3-4785-8643-B4951C5C8F4E}" dt="2023-11-23T12:54:02.785" v="2557" actId="14100"/>
+          <ac:picMkLst>
+            <pc:docMk/>
+            <pc:sldMk cId="266860753" sldId="271"/>
+            <ac:picMk id="1028" creationId="{9F48F2A9-3897-EA31-B5EB-9CFDAD7611E0}"/>
+          </ac:picMkLst>
+        </pc:picChg>
+      </pc:sldChg>
     </pc:docChg>
   </pc:docChgLst>
 </pc:chgInfo>
 </file>
 
 <file path=ppt/slideLayouts/slideLayout1.xml><?xml version="1.0" encoding="utf-8"?>
-<p:sldLayout xmlns:a="http://schemas.openxmlformats.org/drawingml/2006/main" xmlns:r="http://schemas.openxmlformats.org/officeDocument/2006/relationships" xmlns:p="http://schemas.openxmlformats.org/presentationml/2006/main" type="title" preserve="1">
+<p:sldLayout xmlns:a="http://schemas.openxmlformats.org/drawingml/2006/main" xmlns:r="http://schemas.openxmlformats.org/officeDocument/2006/relationships" xmlns:p="http://schemas.openxmlformats.org/presentationml/2006/main" showMasterSp="0" type="title" preserve="1">
   <p:cSld name="Title Slide">
     <p:spTree>
       <p:nvGrpSpPr>
@@ -536,15 +707,539 @@
           <a:chExt cx="0" cy="0"/>
         </a:xfrm>
       </p:grpSpPr>
-      <p:sp>
-        <p:nvSpPr>
-          <p:cNvPr id="2" name="Title 1">
-            <a:extLst>
-              <a:ext uri="{FF2B5EF4-FFF2-40B4-BE49-F238E27FC236}">
-                <a16:creationId xmlns:a16="http://schemas.microsoft.com/office/drawing/2014/main" id="{FB831797-5815-04DA-1EC4-D8BE71BCED79}"/>
-              </a:ext>
-            </a:extLst>
-          </p:cNvPr>
+      <p:grpSp>
+        <p:nvGrpSpPr>
+          <p:cNvPr id="7" name="Group 6"/>
+          <p:cNvGrpSpPr/>
+          <p:nvPr/>
+        </p:nvGrpSpPr>
+        <p:grpSpPr>
+          <a:xfrm>
+            <a:off x="0" y="-8467"/>
+            <a:ext cx="12192000" cy="6866467"/>
+            <a:chOff x="0" y="-8467"/>
+            <a:chExt cx="12192000" cy="6866467"/>
+          </a:xfrm>
+        </p:grpSpPr>
+        <p:cxnSp>
+          <p:nvCxnSpPr>
+            <p:cNvPr id="32" name="Straight Connector 31"/>
+            <p:cNvCxnSpPr/>
+            <p:nvPr/>
+          </p:nvCxnSpPr>
+          <p:spPr>
+            <a:xfrm>
+              <a:off x="9371012" y="0"/>
+              <a:ext cx="1219200" cy="6858000"/>
+            </a:xfrm>
+            <a:prstGeom prst="line">
+              <a:avLst/>
+            </a:prstGeom>
+            <a:ln w="9525">
+              <a:solidFill>
+                <a:schemeClr val="bg1">
+                  <a:lumMod val="75000"/>
+                </a:schemeClr>
+              </a:solidFill>
+            </a:ln>
+          </p:spPr>
+          <p:style>
+            <a:lnRef idx="2">
+              <a:schemeClr val="accent1"/>
+            </a:lnRef>
+            <a:fillRef idx="0">
+              <a:schemeClr val="accent1"/>
+            </a:fillRef>
+            <a:effectRef idx="1">
+              <a:schemeClr val="accent1"/>
+            </a:effectRef>
+            <a:fontRef idx="minor">
+              <a:schemeClr val="tx1"/>
+            </a:fontRef>
+          </p:style>
+        </p:cxnSp>
+        <p:cxnSp>
+          <p:nvCxnSpPr>
+            <p:cNvPr id="21" name="Straight Connector 20"/>
+            <p:cNvCxnSpPr/>
+            <p:nvPr/>
+          </p:nvCxnSpPr>
+          <p:spPr>
+            <a:xfrm flipH="1">
+              <a:off x="7425267" y="3681413"/>
+              <a:ext cx="4763558" cy="3176587"/>
+            </a:xfrm>
+            <a:prstGeom prst="line">
+              <a:avLst/>
+            </a:prstGeom>
+            <a:ln w="9525">
+              <a:solidFill>
+                <a:schemeClr val="bg1">
+                  <a:lumMod val="85000"/>
+                </a:schemeClr>
+              </a:solidFill>
+            </a:ln>
+          </p:spPr>
+          <p:style>
+            <a:lnRef idx="2">
+              <a:schemeClr val="accent1"/>
+            </a:lnRef>
+            <a:fillRef idx="0">
+              <a:schemeClr val="accent1"/>
+            </a:fillRef>
+            <a:effectRef idx="1">
+              <a:schemeClr val="accent1"/>
+            </a:effectRef>
+            <a:fontRef idx="minor">
+              <a:schemeClr val="tx1"/>
+            </a:fontRef>
+          </p:style>
+        </p:cxnSp>
+        <p:sp>
+          <p:nvSpPr>
+            <p:cNvPr id="24" name="Rectangle 23"/>
+            <p:cNvSpPr/>
+            <p:nvPr/>
+          </p:nvSpPr>
+          <p:spPr>
+            <a:xfrm>
+              <a:off x="9181476" y="-8467"/>
+              <a:ext cx="3007349" cy="6866467"/>
+            </a:xfrm>
+            <a:custGeom>
+              <a:avLst/>
+              <a:gdLst/>
+              <a:ahLst/>
+              <a:cxnLst/>
+              <a:rect l="l" t="t" r="r" b="b"/>
+              <a:pathLst>
+                <a:path w="3007349" h="6866467">
+                  <a:moveTo>
+                    <a:pt x="2045532" y="0"/>
+                  </a:moveTo>
+                  <a:lnTo>
+                    <a:pt x="3007349" y="0"/>
+                  </a:lnTo>
+                  <a:lnTo>
+                    <a:pt x="3007349" y="6866467"/>
+                  </a:lnTo>
+                  <a:lnTo>
+                    <a:pt x="0" y="6866467"/>
+                  </a:lnTo>
+                  <a:lnTo>
+                    <a:pt x="2045532" y="0"/>
+                  </a:lnTo>
+                  <a:close/>
+                </a:path>
+              </a:pathLst>
+            </a:custGeom>
+            <a:solidFill>
+              <a:schemeClr val="accent1">
+                <a:alpha val="30000"/>
+              </a:schemeClr>
+            </a:solidFill>
+            <a:ln>
+              <a:noFill/>
+            </a:ln>
+            <a:effectLst/>
+          </p:spPr>
+          <p:style>
+            <a:lnRef idx="1">
+              <a:schemeClr val="accent1"/>
+            </a:lnRef>
+            <a:fillRef idx="3">
+              <a:schemeClr val="accent1"/>
+            </a:fillRef>
+            <a:effectRef idx="2">
+              <a:schemeClr val="accent1"/>
+            </a:effectRef>
+            <a:fontRef idx="minor">
+              <a:schemeClr val="lt1"/>
+            </a:fontRef>
+          </p:style>
+        </p:sp>
+        <p:sp>
+          <p:nvSpPr>
+            <p:cNvPr id="26" name="Rectangle 25"/>
+            <p:cNvSpPr/>
+            <p:nvPr/>
+          </p:nvSpPr>
+          <p:spPr>
+            <a:xfrm>
+              <a:off x="9603442" y="-8467"/>
+              <a:ext cx="2588558" cy="6866467"/>
+            </a:xfrm>
+            <a:custGeom>
+              <a:avLst/>
+              <a:gdLst/>
+              <a:ahLst/>
+              <a:cxnLst/>
+              <a:rect l="l" t="t" r="r" b="b"/>
+              <a:pathLst>
+                <a:path w="2573311" h="6866467">
+                  <a:moveTo>
+                    <a:pt x="0" y="0"/>
+                  </a:moveTo>
+                  <a:lnTo>
+                    <a:pt x="2573311" y="0"/>
+                  </a:lnTo>
+                  <a:lnTo>
+                    <a:pt x="2573311" y="6866467"/>
+                  </a:lnTo>
+                  <a:lnTo>
+                    <a:pt x="1202336" y="6866467"/>
+                  </a:lnTo>
+                  <a:lnTo>
+                    <a:pt x="0" y="0"/>
+                  </a:lnTo>
+                  <a:close/>
+                </a:path>
+              </a:pathLst>
+            </a:custGeom>
+            <a:solidFill>
+              <a:schemeClr val="accent1">
+                <a:alpha val="20000"/>
+              </a:schemeClr>
+            </a:solidFill>
+            <a:ln>
+              <a:noFill/>
+            </a:ln>
+            <a:effectLst/>
+          </p:spPr>
+          <p:style>
+            <a:lnRef idx="1">
+              <a:schemeClr val="accent1"/>
+            </a:lnRef>
+            <a:fillRef idx="3">
+              <a:schemeClr val="accent1"/>
+            </a:fillRef>
+            <a:effectRef idx="2">
+              <a:schemeClr val="accent1"/>
+            </a:effectRef>
+            <a:fontRef idx="minor">
+              <a:schemeClr val="lt1"/>
+            </a:fontRef>
+          </p:style>
+        </p:sp>
+        <p:sp>
+          <p:nvSpPr>
+            <p:cNvPr id="27" name="Isosceles Triangle 26"/>
+            <p:cNvSpPr/>
+            <p:nvPr/>
+          </p:nvSpPr>
+          <p:spPr>
+            <a:xfrm>
+              <a:off x="8932333" y="3048000"/>
+              <a:ext cx="3259667" cy="3810000"/>
+            </a:xfrm>
+            <a:prstGeom prst="triangle">
+              <a:avLst>
+                <a:gd name="adj" fmla="val 100000"/>
+              </a:avLst>
+            </a:prstGeom>
+            <a:solidFill>
+              <a:schemeClr val="accent2">
+                <a:alpha val="72000"/>
+              </a:schemeClr>
+            </a:solidFill>
+            <a:ln>
+              <a:noFill/>
+            </a:ln>
+            <a:effectLst/>
+          </p:spPr>
+          <p:style>
+            <a:lnRef idx="1">
+              <a:schemeClr val="accent1"/>
+            </a:lnRef>
+            <a:fillRef idx="3">
+              <a:schemeClr val="accent1"/>
+            </a:fillRef>
+            <a:effectRef idx="2">
+              <a:schemeClr val="accent1"/>
+            </a:effectRef>
+            <a:fontRef idx="minor">
+              <a:schemeClr val="lt1"/>
+            </a:fontRef>
+          </p:style>
+        </p:sp>
+        <p:sp>
+          <p:nvSpPr>
+            <p:cNvPr id="28" name="Rectangle 27"/>
+            <p:cNvSpPr/>
+            <p:nvPr/>
+          </p:nvSpPr>
+          <p:spPr>
+            <a:xfrm>
+              <a:off x="9334500" y="-8467"/>
+              <a:ext cx="2854326" cy="6866467"/>
+            </a:xfrm>
+            <a:custGeom>
+              <a:avLst/>
+              <a:gdLst/>
+              <a:ahLst/>
+              <a:cxnLst/>
+              <a:rect l="l" t="t" r="r" b="b"/>
+              <a:pathLst>
+                <a:path w="2858013" h="6866467">
+                  <a:moveTo>
+                    <a:pt x="0" y="0"/>
+                  </a:moveTo>
+                  <a:lnTo>
+                    <a:pt x="2858013" y="0"/>
+                  </a:lnTo>
+                  <a:lnTo>
+                    <a:pt x="2858013" y="6866467"/>
+                  </a:lnTo>
+                  <a:lnTo>
+                    <a:pt x="2473942" y="6866467"/>
+                  </a:lnTo>
+                  <a:lnTo>
+                    <a:pt x="0" y="0"/>
+                  </a:lnTo>
+                  <a:close/>
+                </a:path>
+              </a:pathLst>
+            </a:custGeom>
+            <a:solidFill>
+              <a:schemeClr val="accent2">
+                <a:lumMod val="75000"/>
+                <a:alpha val="70000"/>
+              </a:schemeClr>
+            </a:solidFill>
+            <a:ln>
+              <a:noFill/>
+            </a:ln>
+            <a:effectLst/>
+          </p:spPr>
+          <p:style>
+            <a:lnRef idx="1">
+              <a:schemeClr val="accent1"/>
+            </a:lnRef>
+            <a:fillRef idx="3">
+              <a:schemeClr val="accent1"/>
+            </a:fillRef>
+            <a:effectRef idx="2">
+              <a:schemeClr val="accent1"/>
+            </a:effectRef>
+            <a:fontRef idx="minor">
+              <a:schemeClr val="lt1"/>
+            </a:fontRef>
+          </p:style>
+        </p:sp>
+        <p:sp>
+          <p:nvSpPr>
+            <p:cNvPr id="29" name="Rectangle 28"/>
+            <p:cNvSpPr/>
+            <p:nvPr/>
+          </p:nvSpPr>
+          <p:spPr>
+            <a:xfrm>
+              <a:off x="10898730" y="-8467"/>
+              <a:ext cx="1290094" cy="6866467"/>
+            </a:xfrm>
+            <a:custGeom>
+              <a:avLst/>
+              <a:gdLst/>
+              <a:ahLst/>
+              <a:cxnLst/>
+              <a:rect l="l" t="t" r="r" b="b"/>
+              <a:pathLst>
+                <a:path w="1290094" h="6858000">
+                  <a:moveTo>
+                    <a:pt x="1019735" y="0"/>
+                  </a:moveTo>
+                  <a:lnTo>
+                    <a:pt x="1290094" y="0"/>
+                  </a:lnTo>
+                  <a:lnTo>
+                    <a:pt x="1290094" y="6858000"/>
+                  </a:lnTo>
+                  <a:lnTo>
+                    <a:pt x="0" y="6858000"/>
+                  </a:lnTo>
+                  <a:lnTo>
+                    <a:pt x="1019735" y="0"/>
+                  </a:lnTo>
+                  <a:close/>
+                </a:path>
+              </a:pathLst>
+            </a:custGeom>
+            <a:solidFill>
+              <a:schemeClr val="accent1">
+                <a:lumMod val="60000"/>
+                <a:lumOff val="40000"/>
+                <a:alpha val="70000"/>
+              </a:schemeClr>
+            </a:solidFill>
+            <a:ln>
+              <a:noFill/>
+            </a:ln>
+            <a:effectLst/>
+          </p:spPr>
+          <p:style>
+            <a:lnRef idx="1">
+              <a:schemeClr val="accent1"/>
+            </a:lnRef>
+            <a:fillRef idx="3">
+              <a:schemeClr val="accent1"/>
+            </a:fillRef>
+            <a:effectRef idx="2">
+              <a:schemeClr val="accent1"/>
+            </a:effectRef>
+            <a:fontRef idx="minor">
+              <a:schemeClr val="lt1"/>
+            </a:fontRef>
+          </p:style>
+        </p:sp>
+        <p:sp>
+          <p:nvSpPr>
+            <p:cNvPr id="30" name="Rectangle 29"/>
+            <p:cNvSpPr/>
+            <p:nvPr/>
+          </p:nvSpPr>
+          <p:spPr>
+            <a:xfrm>
+              <a:off x="10938999" y="-8467"/>
+              <a:ext cx="1249825" cy="6866467"/>
+            </a:xfrm>
+            <a:custGeom>
+              <a:avLst/>
+              <a:gdLst/>
+              <a:ahLst/>
+              <a:cxnLst/>
+              <a:rect l="l" t="t" r="r" b="b"/>
+              <a:pathLst>
+                <a:path w="1249825" h="6858000">
+                  <a:moveTo>
+                    <a:pt x="0" y="0"/>
+                  </a:moveTo>
+                  <a:lnTo>
+                    <a:pt x="1249825" y="0"/>
+                  </a:lnTo>
+                  <a:lnTo>
+                    <a:pt x="1249825" y="6858000"/>
+                  </a:lnTo>
+                  <a:lnTo>
+                    <a:pt x="1109382" y="6858000"/>
+                  </a:lnTo>
+                  <a:lnTo>
+                    <a:pt x="0" y="0"/>
+                  </a:lnTo>
+                  <a:close/>
+                </a:path>
+              </a:pathLst>
+            </a:custGeom>
+            <a:solidFill>
+              <a:schemeClr val="accent1">
+                <a:alpha val="65000"/>
+              </a:schemeClr>
+            </a:solidFill>
+            <a:ln>
+              <a:noFill/>
+            </a:ln>
+            <a:effectLst/>
+          </p:spPr>
+          <p:style>
+            <a:lnRef idx="1">
+              <a:schemeClr val="accent1"/>
+            </a:lnRef>
+            <a:fillRef idx="3">
+              <a:schemeClr val="accent1"/>
+            </a:fillRef>
+            <a:effectRef idx="2">
+              <a:schemeClr val="accent1"/>
+            </a:effectRef>
+            <a:fontRef idx="minor">
+              <a:schemeClr val="lt1"/>
+            </a:fontRef>
+          </p:style>
+        </p:sp>
+        <p:sp>
+          <p:nvSpPr>
+            <p:cNvPr id="31" name="Isosceles Triangle 30"/>
+            <p:cNvSpPr/>
+            <p:nvPr/>
+          </p:nvSpPr>
+          <p:spPr>
+            <a:xfrm>
+              <a:off x="10371666" y="3589867"/>
+              <a:ext cx="1817159" cy="3268133"/>
+            </a:xfrm>
+            <a:prstGeom prst="triangle">
+              <a:avLst>
+                <a:gd name="adj" fmla="val 100000"/>
+              </a:avLst>
+            </a:prstGeom>
+            <a:solidFill>
+              <a:schemeClr val="accent1">
+                <a:alpha val="80000"/>
+              </a:schemeClr>
+            </a:solidFill>
+            <a:ln>
+              <a:noFill/>
+            </a:ln>
+            <a:effectLst/>
+          </p:spPr>
+          <p:style>
+            <a:lnRef idx="1">
+              <a:schemeClr val="accent1"/>
+            </a:lnRef>
+            <a:fillRef idx="3">
+              <a:schemeClr val="accent1"/>
+            </a:fillRef>
+            <a:effectRef idx="2">
+              <a:schemeClr val="accent1"/>
+            </a:effectRef>
+            <a:fontRef idx="minor">
+              <a:schemeClr val="lt1"/>
+            </a:fontRef>
+          </p:style>
+        </p:sp>
+        <p:sp>
+          <p:nvSpPr>
+            <p:cNvPr id="19" name="Isosceles Triangle 18"/>
+            <p:cNvSpPr/>
+            <p:nvPr/>
+          </p:nvSpPr>
+          <p:spPr>
+            <a:xfrm rot="10800000">
+              <a:off x="0" y="0"/>
+              <a:ext cx="842596" cy="5666154"/>
+            </a:xfrm>
+            <a:prstGeom prst="triangle">
+              <a:avLst>
+                <a:gd name="adj" fmla="val 100000"/>
+              </a:avLst>
+            </a:prstGeom>
+            <a:solidFill>
+              <a:schemeClr val="accent1">
+                <a:alpha val="85000"/>
+              </a:schemeClr>
+            </a:solidFill>
+            <a:ln>
+              <a:noFill/>
+            </a:ln>
+            <a:effectLst/>
+          </p:spPr>
+          <p:style>
+            <a:lnRef idx="1">
+              <a:schemeClr val="accent1"/>
+            </a:lnRef>
+            <a:fillRef idx="3">
+              <a:schemeClr val="accent1"/>
+            </a:fillRef>
+            <a:effectRef idx="2">
+              <a:schemeClr val="accent1"/>
+            </a:effectRef>
+            <a:fontRef idx="minor">
+              <a:schemeClr val="lt1"/>
+            </a:fontRef>
+          </p:style>
+        </p:sp>
+      </p:grpSp>
+      <p:sp>
+        <p:nvSpPr>
+          <p:cNvPr id="2" name="Title 1"/>
           <p:cNvSpPr>
             <a:spLocks noGrp="1"/>
           </p:cNvSpPr>
@@ -554,15 +1249,21 @@
         </p:nvSpPr>
         <p:spPr>
           <a:xfrm>
-            <a:off x="1524000" y="1122363"/>
-            <a:ext cx="9144000" cy="2387600"/>
+            <a:off x="1507067" y="2404534"/>
+            <a:ext cx="7766936" cy="1646302"/>
           </a:xfrm>
         </p:spPr>
         <p:txBody>
-          <a:bodyPr anchor="b"/>
+          <a:bodyPr anchor="b">
+            <a:noAutofit/>
+          </a:bodyPr>
           <a:lstStyle>
-            <a:lvl1pPr algn="ctr">
-              <a:defRPr sz="6000"/>
+            <a:lvl1pPr algn="r">
+              <a:defRPr sz="5400">
+                <a:solidFill>
+                  <a:schemeClr val="accent1"/>
+                </a:solidFill>
+              </a:defRPr>
             </a:lvl1pPr>
           </a:lstStyle>
           <a:p>
@@ -570,19 +1271,13 @@
               <a:rPr lang="en-US"/>
               <a:t>Click to edit Master title style</a:t>
             </a:r>
-            <a:endParaRPr lang="en-GB"/>
-          </a:p>
-        </p:txBody>
-      </p:sp>
-      <p:sp>
-        <p:nvSpPr>
-          <p:cNvPr id="3" name="Subtitle 2">
-            <a:extLst>
-              <a:ext uri="{FF2B5EF4-FFF2-40B4-BE49-F238E27FC236}">
-                <a16:creationId xmlns:a16="http://schemas.microsoft.com/office/drawing/2014/main" id="{0C117841-6E5A-0FFE-7EFF-04E67E0FB44B}"/>
-              </a:ext>
-            </a:extLst>
-          </p:cNvPr>
+            <a:endParaRPr lang="en-US" dirty="0"/>
+          </a:p>
+        </p:txBody>
+      </p:sp>
+      <p:sp>
+        <p:nvSpPr>
+          <p:cNvPr id="3" name="Subtitle 2"/>
           <p:cNvSpPr>
             <a:spLocks noGrp="1"/>
           </p:cNvSpPr>
@@ -592,48 +1287,103 @@
         </p:nvSpPr>
         <p:spPr>
           <a:xfrm>
-            <a:off x="1524000" y="3602038"/>
-            <a:ext cx="9144000" cy="1655762"/>
+            <a:off x="1507067" y="4050833"/>
+            <a:ext cx="7766936" cy="1096899"/>
           </a:xfrm>
         </p:spPr>
         <p:txBody>
-          <a:bodyPr/>
+          <a:bodyPr anchor="t"/>
           <a:lstStyle>
-            <a:lvl1pPr marL="0" indent="0" algn="ctr">
-              <a:buNone/>
-              <a:defRPr sz="2400"/>
+            <a:lvl1pPr marL="0" indent="0" algn="r">
+              <a:buNone/>
+              <a:defRPr>
+                <a:solidFill>
+                  <a:schemeClr val="tx1">
+                    <a:lumMod val="50000"/>
+                    <a:lumOff val="50000"/>
+                  </a:schemeClr>
+                </a:solidFill>
+              </a:defRPr>
             </a:lvl1pPr>
             <a:lvl2pPr marL="457200" indent="0" algn="ctr">
               <a:buNone/>
-              <a:defRPr sz="2000"/>
+              <a:defRPr>
+                <a:solidFill>
+                  <a:schemeClr val="tx1">
+                    <a:tint val="75000"/>
+                  </a:schemeClr>
+                </a:solidFill>
+              </a:defRPr>
             </a:lvl2pPr>
             <a:lvl3pPr marL="914400" indent="0" algn="ctr">
               <a:buNone/>
-              <a:defRPr sz="1800"/>
+              <a:defRPr>
+                <a:solidFill>
+                  <a:schemeClr val="tx1">
+                    <a:tint val="75000"/>
+                  </a:schemeClr>
+                </a:solidFill>
+              </a:defRPr>
             </a:lvl3pPr>
             <a:lvl4pPr marL="1371600" indent="0" algn="ctr">
               <a:buNone/>
-              <a:defRPr sz="1600"/>
+              <a:defRPr>
+                <a:solidFill>
+                  <a:schemeClr val="tx1">
+                    <a:tint val="75000"/>
+                  </a:schemeClr>
+                </a:solidFill>
+              </a:defRPr>
             </a:lvl4pPr>
             <a:lvl5pPr marL="1828800" indent="0" algn="ctr">
               <a:buNone/>
-              <a:defRPr sz="1600"/>
+              <a:defRPr>
+                <a:solidFill>
+                  <a:schemeClr val="tx1">
+                    <a:tint val="75000"/>
+                  </a:schemeClr>
+                </a:solidFill>
+              </a:defRPr>
             </a:lvl5pPr>
             <a:lvl6pPr marL="2286000" indent="0" algn="ctr">
               <a:buNone/>
-              <a:defRPr sz="1600"/>
+              <a:defRPr>
+                <a:solidFill>
+                  <a:schemeClr val="tx1">
+                    <a:tint val="75000"/>
+                  </a:schemeClr>
+                </a:solidFill>
+              </a:defRPr>
             </a:lvl6pPr>
             <a:lvl7pPr marL="2743200" indent="0" algn="ctr">
               <a:buNone/>
-              <a:defRPr sz="1600"/>
+              <a:defRPr>
+                <a:solidFill>
+                  <a:schemeClr val="tx1">
+                    <a:tint val="75000"/>
+                  </a:schemeClr>
+                </a:solidFill>
+              </a:defRPr>
             </a:lvl7pPr>
             <a:lvl8pPr marL="3200400" indent="0" algn="ctr">
               <a:buNone/>
-              <a:defRPr sz="1600"/>
+              <a:defRPr>
+                <a:solidFill>
+                  <a:schemeClr val="tx1">
+                    <a:tint val="75000"/>
+                  </a:schemeClr>
+                </a:solidFill>
+              </a:defRPr>
             </a:lvl8pPr>
             <a:lvl9pPr marL="3657600" indent="0" algn="ctr">
               <a:buNone/>
-              <a:defRPr sz="1600"/>
+              <a:defRPr>
+                <a:solidFill>
+                  <a:schemeClr val="tx1">
+                    <a:tint val="75000"/>
+                  </a:schemeClr>
+                </a:solidFill>
+              </a:defRPr>
             </a:lvl9pPr>
           </a:lstStyle>
           <a:p>
@@ -641,19 +1391,13 @@
               <a:rPr lang="en-US"/>
               <a:t>Click to edit Master subtitle style</a:t>
             </a:r>
-            <a:endParaRPr lang="en-GB"/>
-          </a:p>
-        </p:txBody>
-      </p:sp>
-      <p:sp>
-        <p:nvSpPr>
-          <p:cNvPr id="4" name="Date Placeholder 3">
-            <a:extLst>
-              <a:ext uri="{FF2B5EF4-FFF2-40B4-BE49-F238E27FC236}">
-                <a16:creationId xmlns:a16="http://schemas.microsoft.com/office/drawing/2014/main" id="{91D99129-DE1F-7F97-A1EA-6E70CF584F96}"/>
-              </a:ext>
-            </a:extLst>
-          </p:cNvPr>
+            <a:endParaRPr lang="en-US" dirty="0"/>
+          </a:p>
+        </p:txBody>
+      </p:sp>
+      <p:sp>
+        <p:nvSpPr>
+          <p:cNvPr id="4" name="Date Placeholder 3"/>
           <p:cNvSpPr>
             <a:spLocks noGrp="1"/>
           </p:cNvSpPr>
@@ -676,13 +1420,7 @@
       </p:sp>
       <p:sp>
         <p:nvSpPr>
-          <p:cNvPr id="5" name="Footer Placeholder 4">
-            <a:extLst>
-              <a:ext uri="{FF2B5EF4-FFF2-40B4-BE49-F238E27FC236}">
-                <a16:creationId xmlns:a16="http://schemas.microsoft.com/office/drawing/2014/main" id="{38A73BAC-1DC0-8215-A1AA-D18D576BD9A4}"/>
-              </a:ext>
-            </a:extLst>
-          </p:cNvPr>
+          <p:cNvPr id="5" name="Footer Placeholder 4"/>
           <p:cNvSpPr>
             <a:spLocks noGrp="1"/>
           </p:cNvSpPr>
@@ -701,13 +1439,7 @@
       </p:sp>
       <p:sp>
         <p:nvSpPr>
-          <p:cNvPr id="6" name="Slide Number Placeholder 5">
-            <a:extLst>
-              <a:ext uri="{FF2B5EF4-FFF2-40B4-BE49-F238E27FC236}">
-                <a16:creationId xmlns:a16="http://schemas.microsoft.com/office/drawing/2014/main" id="{6B4223FC-D2EE-5D57-3A4B-E16C3114B764}"/>
-              </a:ext>
-            </a:extLst>
-          </p:cNvPr>
+          <p:cNvPr id="6" name="Slide Number Placeholder 5"/>
           <p:cNvSpPr>
             <a:spLocks noGrp="1"/>
           </p:cNvSpPr>
@@ -731,7 +1463,7 @@
     </p:spTree>
     <p:extLst>
       <p:ext uri="{BB962C8B-B14F-4D97-AF65-F5344CB8AC3E}">
-        <p14:creationId xmlns:p14="http://schemas.microsoft.com/office/powerpoint/2010/main" val="2831750205"/>
+        <p14:creationId xmlns:p14="http://schemas.microsoft.com/office/powerpoint/2010/main" val="91944023"/>
       </p:ext>
     </p:extLst>
   </p:cSld>
@@ -742,6 +1474,1619 @@
 </file>
 
 <file path=ppt/slideLayouts/slideLayout10.xml><?xml version="1.0" encoding="utf-8"?>
+<p:sldLayout xmlns:a="http://schemas.openxmlformats.org/drawingml/2006/main" xmlns:r="http://schemas.openxmlformats.org/officeDocument/2006/relationships" xmlns:p="http://schemas.openxmlformats.org/presentationml/2006/main" preserve="1">
+  <p:cSld name="Title and Caption">
+    <p:spTree>
+      <p:nvGrpSpPr>
+        <p:cNvPr id="1" name=""/>
+        <p:cNvGrpSpPr/>
+        <p:nvPr/>
+      </p:nvGrpSpPr>
+      <p:grpSpPr>
+        <a:xfrm>
+          <a:off x="0" y="0"/>
+          <a:ext cx="0" cy="0"/>
+          <a:chOff x="0" y="0"/>
+          <a:chExt cx="0" cy="0"/>
+        </a:xfrm>
+      </p:grpSpPr>
+      <p:sp>
+        <p:nvSpPr>
+          <p:cNvPr id="2" name="Title 1"/>
+          <p:cNvSpPr>
+            <a:spLocks noGrp="1"/>
+          </p:cNvSpPr>
+          <p:nvPr>
+            <p:ph type="title"/>
+          </p:nvPr>
+        </p:nvSpPr>
+        <p:spPr>
+          <a:xfrm>
+            <a:off x="677335" y="609600"/>
+            <a:ext cx="8596668" cy="3403600"/>
+          </a:xfrm>
+        </p:spPr>
+        <p:txBody>
+          <a:bodyPr anchor="ctr">
+            <a:normAutofit/>
+          </a:bodyPr>
+          <a:lstStyle>
+            <a:lvl1pPr algn="l">
+              <a:defRPr sz="4400" b="0" cap="none"/>
+            </a:lvl1pPr>
+          </a:lstStyle>
+          <a:p>
+            <a:r>
+              <a:rPr lang="en-US"/>
+              <a:t>Click to edit Master title style</a:t>
+            </a:r>
+            <a:endParaRPr lang="en-US" dirty="0"/>
+          </a:p>
+        </p:txBody>
+      </p:sp>
+      <p:sp>
+        <p:nvSpPr>
+          <p:cNvPr id="3" name="Text Placeholder 2"/>
+          <p:cNvSpPr>
+            <a:spLocks noGrp="1"/>
+          </p:cNvSpPr>
+          <p:nvPr>
+            <p:ph type="body" idx="1"/>
+          </p:nvPr>
+        </p:nvSpPr>
+        <p:spPr>
+          <a:xfrm>
+            <a:off x="677335" y="4470400"/>
+            <a:ext cx="8596668" cy="1570962"/>
+          </a:xfrm>
+        </p:spPr>
+        <p:txBody>
+          <a:bodyPr anchor="ctr">
+            <a:normAutofit/>
+          </a:bodyPr>
+          <a:lstStyle>
+            <a:lvl1pPr marL="0" indent="0" algn="l">
+              <a:buNone/>
+              <a:defRPr sz="1800">
+                <a:solidFill>
+                  <a:schemeClr val="tx1">
+                    <a:lumMod val="75000"/>
+                    <a:lumOff val="25000"/>
+                  </a:schemeClr>
+                </a:solidFill>
+              </a:defRPr>
+            </a:lvl1pPr>
+            <a:lvl2pPr marL="457200" indent="0">
+              <a:buNone/>
+              <a:defRPr sz="1800">
+                <a:solidFill>
+                  <a:schemeClr val="tx1">
+                    <a:tint val="75000"/>
+                  </a:schemeClr>
+                </a:solidFill>
+              </a:defRPr>
+            </a:lvl2pPr>
+            <a:lvl3pPr marL="914400" indent="0">
+              <a:buNone/>
+              <a:defRPr sz="1600">
+                <a:solidFill>
+                  <a:schemeClr val="tx1">
+                    <a:tint val="75000"/>
+                  </a:schemeClr>
+                </a:solidFill>
+              </a:defRPr>
+            </a:lvl3pPr>
+            <a:lvl4pPr marL="1371600" indent="0">
+              <a:buNone/>
+              <a:defRPr sz="1400">
+                <a:solidFill>
+                  <a:schemeClr val="tx1">
+                    <a:tint val="75000"/>
+                  </a:schemeClr>
+                </a:solidFill>
+              </a:defRPr>
+            </a:lvl4pPr>
+            <a:lvl5pPr marL="1828800" indent="0">
+              <a:buNone/>
+              <a:defRPr sz="1400">
+                <a:solidFill>
+                  <a:schemeClr val="tx1">
+                    <a:tint val="75000"/>
+                  </a:schemeClr>
+                </a:solidFill>
+              </a:defRPr>
+            </a:lvl5pPr>
+            <a:lvl6pPr marL="2286000" indent="0">
+              <a:buNone/>
+              <a:defRPr sz="1400">
+                <a:solidFill>
+                  <a:schemeClr val="tx1">
+                    <a:tint val="75000"/>
+                  </a:schemeClr>
+                </a:solidFill>
+              </a:defRPr>
+            </a:lvl6pPr>
+            <a:lvl7pPr marL="2743200" indent="0">
+              <a:buNone/>
+              <a:defRPr sz="1400">
+                <a:solidFill>
+                  <a:schemeClr val="tx1">
+                    <a:tint val="75000"/>
+                  </a:schemeClr>
+                </a:solidFill>
+              </a:defRPr>
+            </a:lvl7pPr>
+            <a:lvl8pPr marL="3200400" indent="0">
+              <a:buNone/>
+              <a:defRPr sz="1400">
+                <a:solidFill>
+                  <a:schemeClr val="tx1">
+                    <a:tint val="75000"/>
+                  </a:schemeClr>
+                </a:solidFill>
+              </a:defRPr>
+            </a:lvl8pPr>
+            <a:lvl9pPr marL="3657600" indent="0">
+              <a:buNone/>
+              <a:defRPr sz="1400">
+                <a:solidFill>
+                  <a:schemeClr val="tx1">
+                    <a:tint val="75000"/>
+                  </a:schemeClr>
+                </a:solidFill>
+              </a:defRPr>
+            </a:lvl9pPr>
+          </a:lstStyle>
+          <a:p>
+            <a:pPr lvl="0"/>
+            <a:r>
+              <a:rPr lang="en-US"/>
+              <a:t>Click to edit Master text styles</a:t>
+            </a:r>
+          </a:p>
+        </p:txBody>
+      </p:sp>
+      <p:sp>
+        <p:nvSpPr>
+          <p:cNvPr id="4" name="Date Placeholder 3"/>
+          <p:cNvSpPr>
+            <a:spLocks noGrp="1"/>
+          </p:cNvSpPr>
+          <p:nvPr>
+            <p:ph type="dt" sz="half" idx="10"/>
+          </p:nvPr>
+        </p:nvSpPr>
+        <p:spPr/>
+        <p:txBody>
+          <a:bodyPr/>
+          <a:lstStyle/>
+          <a:p>
+            <a:fld id="{4C85C6B4-8F7B-4FA9-BDAA-7F02421F6AD7}" type="datetimeFigureOut">
+              <a:rPr lang="en-GB" smtClean="0"/>
+              <a:t>23/11/2023</a:t>
+            </a:fld>
+            <a:endParaRPr lang="en-GB"/>
+          </a:p>
+        </p:txBody>
+      </p:sp>
+      <p:sp>
+        <p:nvSpPr>
+          <p:cNvPr id="5" name="Footer Placeholder 4"/>
+          <p:cNvSpPr>
+            <a:spLocks noGrp="1"/>
+          </p:cNvSpPr>
+          <p:nvPr>
+            <p:ph type="ftr" sz="quarter" idx="11"/>
+          </p:nvPr>
+        </p:nvSpPr>
+        <p:spPr/>
+        <p:txBody>
+          <a:bodyPr/>
+          <a:lstStyle/>
+          <a:p>
+            <a:endParaRPr lang="en-GB"/>
+          </a:p>
+        </p:txBody>
+      </p:sp>
+      <p:sp>
+        <p:nvSpPr>
+          <p:cNvPr id="6" name="Slide Number Placeholder 5"/>
+          <p:cNvSpPr>
+            <a:spLocks noGrp="1"/>
+          </p:cNvSpPr>
+          <p:nvPr>
+            <p:ph type="sldNum" sz="quarter" idx="12"/>
+          </p:nvPr>
+        </p:nvSpPr>
+        <p:spPr/>
+        <p:txBody>
+          <a:bodyPr/>
+          <a:lstStyle/>
+          <a:p>
+            <a:fld id="{26CBCA37-CD32-4B78-A972-09E646ACE085}" type="slidenum">
+              <a:rPr lang="en-GB" smtClean="0"/>
+              <a:t>‹#›</a:t>
+            </a:fld>
+            <a:endParaRPr lang="en-GB"/>
+          </a:p>
+        </p:txBody>
+      </p:sp>
+    </p:spTree>
+    <p:extLst>
+      <p:ext uri="{BB962C8B-B14F-4D97-AF65-F5344CB8AC3E}">
+        <p14:creationId xmlns:p14="http://schemas.microsoft.com/office/powerpoint/2010/main" val="1440000403"/>
+      </p:ext>
+    </p:extLst>
+  </p:cSld>
+  <p:clrMapOvr>
+    <a:masterClrMapping/>
+  </p:clrMapOvr>
+</p:sldLayout>
+</file>
+
+<file path=ppt/slideLayouts/slideLayout11.xml><?xml version="1.0" encoding="utf-8"?>
+<p:sldLayout xmlns:a="http://schemas.openxmlformats.org/drawingml/2006/main" xmlns:r="http://schemas.openxmlformats.org/officeDocument/2006/relationships" xmlns:p="http://schemas.openxmlformats.org/presentationml/2006/main" preserve="1">
+  <p:cSld name="Quote with Caption">
+    <p:spTree>
+      <p:nvGrpSpPr>
+        <p:cNvPr id="1" name=""/>
+        <p:cNvGrpSpPr/>
+        <p:nvPr/>
+      </p:nvGrpSpPr>
+      <p:grpSpPr>
+        <a:xfrm>
+          <a:off x="0" y="0"/>
+          <a:ext cx="0" cy="0"/>
+          <a:chOff x="0" y="0"/>
+          <a:chExt cx="0" cy="0"/>
+        </a:xfrm>
+      </p:grpSpPr>
+      <p:sp>
+        <p:nvSpPr>
+          <p:cNvPr id="2" name="Title 1"/>
+          <p:cNvSpPr>
+            <a:spLocks noGrp="1"/>
+          </p:cNvSpPr>
+          <p:nvPr>
+            <p:ph type="title"/>
+          </p:nvPr>
+        </p:nvSpPr>
+        <p:spPr>
+          <a:xfrm>
+            <a:off x="931334" y="609600"/>
+            <a:ext cx="8094134" cy="3022600"/>
+          </a:xfrm>
+        </p:spPr>
+        <p:txBody>
+          <a:bodyPr anchor="ctr">
+            <a:normAutofit/>
+          </a:bodyPr>
+          <a:lstStyle>
+            <a:lvl1pPr algn="l">
+              <a:defRPr sz="4400" b="0" cap="none"/>
+            </a:lvl1pPr>
+          </a:lstStyle>
+          <a:p>
+            <a:r>
+              <a:rPr lang="en-US"/>
+              <a:t>Click to edit Master title style</a:t>
+            </a:r>
+            <a:endParaRPr lang="en-US" dirty="0"/>
+          </a:p>
+        </p:txBody>
+      </p:sp>
+      <p:sp>
+        <p:nvSpPr>
+          <p:cNvPr id="23" name="Text Placeholder 9"/>
+          <p:cNvSpPr>
+            <a:spLocks noGrp="1"/>
+          </p:cNvSpPr>
+          <p:nvPr>
+            <p:ph type="body" sz="quarter" idx="13"/>
+          </p:nvPr>
+        </p:nvSpPr>
+        <p:spPr>
+          <a:xfrm>
+            <a:off x="1366139" y="3632200"/>
+            <a:ext cx="7224524" cy="381000"/>
+          </a:xfrm>
+        </p:spPr>
+        <p:txBody>
+          <a:bodyPr anchor="ctr">
+            <a:noAutofit/>
+          </a:bodyPr>
+          <a:lstStyle>
+            <a:lvl1pPr marL="0" indent="0">
+              <a:buFontTx/>
+              <a:buNone/>
+              <a:defRPr sz="1600">
+                <a:solidFill>
+                  <a:schemeClr val="tx1">
+                    <a:lumMod val="50000"/>
+                    <a:lumOff val="50000"/>
+                  </a:schemeClr>
+                </a:solidFill>
+              </a:defRPr>
+            </a:lvl1pPr>
+            <a:lvl2pPr marL="457200" indent="0">
+              <a:buFontTx/>
+              <a:buNone/>
+              <a:defRPr/>
+            </a:lvl2pPr>
+            <a:lvl3pPr marL="914400" indent="0">
+              <a:buFontTx/>
+              <a:buNone/>
+              <a:defRPr/>
+            </a:lvl3pPr>
+            <a:lvl4pPr marL="1371600" indent="0">
+              <a:buFontTx/>
+              <a:buNone/>
+              <a:defRPr/>
+            </a:lvl4pPr>
+            <a:lvl5pPr marL="1828800" indent="0">
+              <a:buFontTx/>
+              <a:buNone/>
+              <a:defRPr/>
+            </a:lvl5pPr>
+          </a:lstStyle>
+          <a:p>
+            <a:pPr lvl="0"/>
+            <a:r>
+              <a:rPr lang="en-US"/>
+              <a:t>Click to edit Master text styles</a:t>
+            </a:r>
+          </a:p>
+        </p:txBody>
+      </p:sp>
+      <p:sp>
+        <p:nvSpPr>
+          <p:cNvPr id="3" name="Text Placeholder 2"/>
+          <p:cNvSpPr>
+            <a:spLocks noGrp="1"/>
+          </p:cNvSpPr>
+          <p:nvPr>
+            <p:ph type="body" idx="1"/>
+          </p:nvPr>
+        </p:nvSpPr>
+        <p:spPr>
+          <a:xfrm>
+            <a:off x="677335" y="4470400"/>
+            <a:ext cx="8596668" cy="1570962"/>
+          </a:xfrm>
+        </p:spPr>
+        <p:txBody>
+          <a:bodyPr anchor="ctr">
+            <a:normAutofit/>
+          </a:bodyPr>
+          <a:lstStyle>
+            <a:lvl1pPr marL="0" indent="0" algn="l">
+              <a:buNone/>
+              <a:defRPr sz="1800">
+                <a:solidFill>
+                  <a:schemeClr val="tx1">
+                    <a:lumMod val="75000"/>
+                    <a:lumOff val="25000"/>
+                  </a:schemeClr>
+                </a:solidFill>
+              </a:defRPr>
+            </a:lvl1pPr>
+            <a:lvl2pPr marL="457200" indent="0">
+              <a:buNone/>
+              <a:defRPr sz="1800">
+                <a:solidFill>
+                  <a:schemeClr val="tx1">
+                    <a:tint val="75000"/>
+                  </a:schemeClr>
+                </a:solidFill>
+              </a:defRPr>
+            </a:lvl2pPr>
+            <a:lvl3pPr marL="914400" indent="0">
+              <a:buNone/>
+              <a:defRPr sz="1600">
+                <a:solidFill>
+                  <a:schemeClr val="tx1">
+                    <a:tint val="75000"/>
+                  </a:schemeClr>
+                </a:solidFill>
+              </a:defRPr>
+            </a:lvl3pPr>
+            <a:lvl4pPr marL="1371600" indent="0">
+              <a:buNone/>
+              <a:defRPr sz="1400">
+                <a:solidFill>
+                  <a:schemeClr val="tx1">
+                    <a:tint val="75000"/>
+                  </a:schemeClr>
+                </a:solidFill>
+              </a:defRPr>
+            </a:lvl4pPr>
+            <a:lvl5pPr marL="1828800" indent="0">
+              <a:buNone/>
+              <a:defRPr sz="1400">
+                <a:solidFill>
+                  <a:schemeClr val="tx1">
+                    <a:tint val="75000"/>
+                  </a:schemeClr>
+                </a:solidFill>
+              </a:defRPr>
+            </a:lvl5pPr>
+            <a:lvl6pPr marL="2286000" indent="0">
+              <a:buNone/>
+              <a:defRPr sz="1400">
+                <a:solidFill>
+                  <a:schemeClr val="tx1">
+                    <a:tint val="75000"/>
+                  </a:schemeClr>
+                </a:solidFill>
+              </a:defRPr>
+            </a:lvl6pPr>
+            <a:lvl7pPr marL="2743200" indent="0">
+              <a:buNone/>
+              <a:defRPr sz="1400">
+                <a:solidFill>
+                  <a:schemeClr val="tx1">
+                    <a:tint val="75000"/>
+                  </a:schemeClr>
+                </a:solidFill>
+              </a:defRPr>
+            </a:lvl7pPr>
+            <a:lvl8pPr marL="3200400" indent="0">
+              <a:buNone/>
+              <a:defRPr sz="1400">
+                <a:solidFill>
+                  <a:schemeClr val="tx1">
+                    <a:tint val="75000"/>
+                  </a:schemeClr>
+                </a:solidFill>
+              </a:defRPr>
+            </a:lvl8pPr>
+            <a:lvl9pPr marL="3657600" indent="0">
+              <a:buNone/>
+              <a:defRPr sz="1400">
+                <a:solidFill>
+                  <a:schemeClr val="tx1">
+                    <a:tint val="75000"/>
+                  </a:schemeClr>
+                </a:solidFill>
+              </a:defRPr>
+            </a:lvl9pPr>
+          </a:lstStyle>
+          <a:p>
+            <a:pPr lvl="0"/>
+            <a:r>
+              <a:rPr lang="en-US"/>
+              <a:t>Click to edit Master text styles</a:t>
+            </a:r>
+          </a:p>
+        </p:txBody>
+      </p:sp>
+      <p:sp>
+        <p:nvSpPr>
+          <p:cNvPr id="4" name="Date Placeholder 3"/>
+          <p:cNvSpPr>
+            <a:spLocks noGrp="1"/>
+          </p:cNvSpPr>
+          <p:nvPr>
+            <p:ph type="dt" sz="half" idx="10"/>
+          </p:nvPr>
+        </p:nvSpPr>
+        <p:spPr/>
+        <p:txBody>
+          <a:bodyPr/>
+          <a:lstStyle/>
+          <a:p>
+            <a:fld id="{4C85C6B4-8F7B-4FA9-BDAA-7F02421F6AD7}" type="datetimeFigureOut">
+              <a:rPr lang="en-GB" smtClean="0"/>
+              <a:t>23/11/2023</a:t>
+            </a:fld>
+            <a:endParaRPr lang="en-GB"/>
+          </a:p>
+        </p:txBody>
+      </p:sp>
+      <p:sp>
+        <p:nvSpPr>
+          <p:cNvPr id="5" name="Footer Placeholder 4"/>
+          <p:cNvSpPr>
+            <a:spLocks noGrp="1"/>
+          </p:cNvSpPr>
+          <p:nvPr>
+            <p:ph type="ftr" sz="quarter" idx="11"/>
+          </p:nvPr>
+        </p:nvSpPr>
+        <p:spPr/>
+        <p:txBody>
+          <a:bodyPr/>
+          <a:lstStyle/>
+          <a:p>
+            <a:endParaRPr lang="en-GB"/>
+          </a:p>
+        </p:txBody>
+      </p:sp>
+      <p:sp>
+        <p:nvSpPr>
+          <p:cNvPr id="6" name="Slide Number Placeholder 5"/>
+          <p:cNvSpPr>
+            <a:spLocks noGrp="1"/>
+          </p:cNvSpPr>
+          <p:nvPr>
+            <p:ph type="sldNum" sz="quarter" idx="12"/>
+          </p:nvPr>
+        </p:nvSpPr>
+        <p:spPr/>
+        <p:txBody>
+          <a:bodyPr/>
+          <a:lstStyle/>
+          <a:p>
+            <a:fld id="{26CBCA37-CD32-4B78-A972-09E646ACE085}" type="slidenum">
+              <a:rPr lang="en-GB" smtClean="0"/>
+              <a:t>‹#›</a:t>
+            </a:fld>
+            <a:endParaRPr lang="en-GB"/>
+          </a:p>
+        </p:txBody>
+      </p:sp>
+      <p:sp>
+        <p:nvSpPr>
+          <p:cNvPr id="20" name="TextBox 19"/>
+          <p:cNvSpPr txBox="1"/>
+          <p:nvPr/>
+        </p:nvSpPr>
+        <p:spPr>
+          <a:xfrm>
+            <a:off x="541870" y="790378"/>
+            <a:ext cx="609600" cy="584776"/>
+          </a:xfrm>
+          <a:prstGeom prst="rect">
+            <a:avLst/>
+          </a:prstGeom>
+        </p:spPr>
+        <p:txBody>
+          <a:bodyPr vert="horz" lIns="91440" tIns="45720" rIns="91440" bIns="45720" rtlCol="0" anchor="ctr">
+            <a:noAutofit/>
+          </a:bodyPr>
+          <a:lstStyle/>
+          <a:p>
+            <a:pPr lvl="0"/>
+            <a:r>
+              <a:rPr lang="en-US" sz="8000" baseline="0" dirty="0">
+                <a:ln w="3175" cmpd="sng">
+                  <a:noFill/>
+                </a:ln>
+                <a:solidFill>
+                  <a:schemeClr val="accent1">
+                    <a:lumMod val="60000"/>
+                    <a:lumOff val="40000"/>
+                  </a:schemeClr>
+                </a:solidFill>
+                <a:effectLst/>
+                <a:latin typeface="Arial"/>
+              </a:rPr>
+              <a:t>“</a:t>
+            </a:r>
+          </a:p>
+        </p:txBody>
+      </p:sp>
+      <p:sp>
+        <p:nvSpPr>
+          <p:cNvPr id="22" name="TextBox 21"/>
+          <p:cNvSpPr txBox="1"/>
+          <p:nvPr/>
+        </p:nvSpPr>
+        <p:spPr>
+          <a:xfrm>
+            <a:off x="8893011" y="2886556"/>
+            <a:ext cx="609600" cy="584776"/>
+          </a:xfrm>
+          <a:prstGeom prst="rect">
+            <a:avLst/>
+          </a:prstGeom>
+        </p:spPr>
+        <p:txBody>
+          <a:bodyPr vert="horz" lIns="91440" tIns="45720" rIns="91440" bIns="45720" rtlCol="0" anchor="ctr">
+            <a:noAutofit/>
+          </a:bodyPr>
+          <a:lstStyle/>
+          <a:p>
+            <a:pPr lvl="0"/>
+            <a:r>
+              <a:rPr lang="en-US" sz="8000" baseline="0" dirty="0">
+                <a:ln w="3175" cmpd="sng">
+                  <a:noFill/>
+                </a:ln>
+                <a:solidFill>
+                  <a:schemeClr val="accent1">
+                    <a:lumMod val="60000"/>
+                    <a:lumOff val="40000"/>
+                  </a:schemeClr>
+                </a:solidFill>
+                <a:latin typeface="Arial"/>
+              </a:rPr>
+              <a:t>”</a:t>
+            </a:r>
+            <a:endParaRPr lang="en-US" dirty="0">
+              <a:solidFill>
+                <a:schemeClr val="accent1">
+                  <a:lumMod val="60000"/>
+                  <a:lumOff val="40000"/>
+                </a:schemeClr>
+              </a:solidFill>
+              <a:latin typeface="Arial"/>
+            </a:endParaRPr>
+          </a:p>
+        </p:txBody>
+      </p:sp>
+    </p:spTree>
+    <p:extLst>
+      <p:ext uri="{BB962C8B-B14F-4D97-AF65-F5344CB8AC3E}">
+        <p14:creationId xmlns:p14="http://schemas.microsoft.com/office/powerpoint/2010/main" val="173860916"/>
+      </p:ext>
+    </p:extLst>
+  </p:cSld>
+  <p:clrMapOvr>
+    <a:masterClrMapping/>
+  </p:clrMapOvr>
+</p:sldLayout>
+</file>
+
+<file path=ppt/slideLayouts/slideLayout12.xml><?xml version="1.0" encoding="utf-8"?>
+<p:sldLayout xmlns:a="http://schemas.openxmlformats.org/drawingml/2006/main" xmlns:r="http://schemas.openxmlformats.org/officeDocument/2006/relationships" xmlns:p="http://schemas.openxmlformats.org/presentationml/2006/main" preserve="1">
+  <p:cSld name="Name Card">
+    <p:spTree>
+      <p:nvGrpSpPr>
+        <p:cNvPr id="1" name=""/>
+        <p:cNvGrpSpPr/>
+        <p:nvPr/>
+      </p:nvGrpSpPr>
+      <p:grpSpPr>
+        <a:xfrm>
+          <a:off x="0" y="0"/>
+          <a:ext cx="0" cy="0"/>
+          <a:chOff x="0" y="0"/>
+          <a:chExt cx="0" cy="0"/>
+        </a:xfrm>
+      </p:grpSpPr>
+      <p:sp>
+        <p:nvSpPr>
+          <p:cNvPr id="2" name="Title 1"/>
+          <p:cNvSpPr>
+            <a:spLocks noGrp="1"/>
+          </p:cNvSpPr>
+          <p:nvPr>
+            <p:ph type="title"/>
+          </p:nvPr>
+        </p:nvSpPr>
+        <p:spPr>
+          <a:xfrm>
+            <a:off x="677335" y="1931988"/>
+            <a:ext cx="8596668" cy="2595460"/>
+          </a:xfrm>
+        </p:spPr>
+        <p:txBody>
+          <a:bodyPr anchor="b">
+            <a:normAutofit/>
+          </a:bodyPr>
+          <a:lstStyle>
+            <a:lvl1pPr algn="l">
+              <a:defRPr sz="4400" b="0" cap="none"/>
+            </a:lvl1pPr>
+          </a:lstStyle>
+          <a:p>
+            <a:r>
+              <a:rPr lang="en-US"/>
+              <a:t>Click to edit Master title style</a:t>
+            </a:r>
+            <a:endParaRPr lang="en-US" dirty="0"/>
+          </a:p>
+        </p:txBody>
+      </p:sp>
+      <p:sp>
+        <p:nvSpPr>
+          <p:cNvPr id="3" name="Text Placeholder 2"/>
+          <p:cNvSpPr>
+            <a:spLocks noGrp="1"/>
+          </p:cNvSpPr>
+          <p:nvPr>
+            <p:ph type="body" idx="1"/>
+          </p:nvPr>
+        </p:nvSpPr>
+        <p:spPr>
+          <a:xfrm>
+            <a:off x="677335" y="4527448"/>
+            <a:ext cx="8596668" cy="1513914"/>
+          </a:xfrm>
+        </p:spPr>
+        <p:txBody>
+          <a:bodyPr anchor="t">
+            <a:normAutofit/>
+          </a:bodyPr>
+          <a:lstStyle>
+            <a:lvl1pPr marL="0" indent="0" algn="l">
+              <a:buNone/>
+              <a:defRPr sz="1800">
+                <a:solidFill>
+                  <a:schemeClr val="tx1">
+                    <a:lumMod val="75000"/>
+                    <a:lumOff val="25000"/>
+                  </a:schemeClr>
+                </a:solidFill>
+              </a:defRPr>
+            </a:lvl1pPr>
+            <a:lvl2pPr marL="457200" indent="0">
+              <a:buNone/>
+              <a:defRPr sz="1800">
+                <a:solidFill>
+                  <a:schemeClr val="tx1">
+                    <a:tint val="75000"/>
+                  </a:schemeClr>
+                </a:solidFill>
+              </a:defRPr>
+            </a:lvl2pPr>
+            <a:lvl3pPr marL="914400" indent="0">
+              <a:buNone/>
+              <a:defRPr sz="1600">
+                <a:solidFill>
+                  <a:schemeClr val="tx1">
+                    <a:tint val="75000"/>
+                  </a:schemeClr>
+                </a:solidFill>
+              </a:defRPr>
+            </a:lvl3pPr>
+            <a:lvl4pPr marL="1371600" indent="0">
+              <a:buNone/>
+              <a:defRPr sz="1400">
+                <a:solidFill>
+                  <a:schemeClr val="tx1">
+                    <a:tint val="75000"/>
+                  </a:schemeClr>
+                </a:solidFill>
+              </a:defRPr>
+            </a:lvl4pPr>
+            <a:lvl5pPr marL="1828800" indent="0">
+              <a:buNone/>
+              <a:defRPr sz="1400">
+                <a:solidFill>
+                  <a:schemeClr val="tx1">
+                    <a:tint val="75000"/>
+                  </a:schemeClr>
+                </a:solidFill>
+              </a:defRPr>
+            </a:lvl5pPr>
+            <a:lvl6pPr marL="2286000" indent="0">
+              <a:buNone/>
+              <a:defRPr sz="1400">
+                <a:solidFill>
+                  <a:schemeClr val="tx1">
+                    <a:tint val="75000"/>
+                  </a:schemeClr>
+                </a:solidFill>
+              </a:defRPr>
+            </a:lvl6pPr>
+            <a:lvl7pPr marL="2743200" indent="0">
+              <a:buNone/>
+              <a:defRPr sz="1400">
+                <a:solidFill>
+                  <a:schemeClr val="tx1">
+                    <a:tint val="75000"/>
+                  </a:schemeClr>
+                </a:solidFill>
+              </a:defRPr>
+            </a:lvl7pPr>
+            <a:lvl8pPr marL="3200400" indent="0">
+              <a:buNone/>
+              <a:defRPr sz="1400">
+                <a:solidFill>
+                  <a:schemeClr val="tx1">
+                    <a:tint val="75000"/>
+                  </a:schemeClr>
+                </a:solidFill>
+              </a:defRPr>
+            </a:lvl8pPr>
+            <a:lvl9pPr marL="3657600" indent="0">
+              <a:buNone/>
+              <a:defRPr sz="1400">
+                <a:solidFill>
+                  <a:schemeClr val="tx1">
+                    <a:tint val="75000"/>
+                  </a:schemeClr>
+                </a:solidFill>
+              </a:defRPr>
+            </a:lvl9pPr>
+          </a:lstStyle>
+          <a:p>
+            <a:pPr lvl="0"/>
+            <a:r>
+              <a:rPr lang="en-US"/>
+              <a:t>Click to edit Master text styles</a:t>
+            </a:r>
+          </a:p>
+        </p:txBody>
+      </p:sp>
+      <p:sp>
+        <p:nvSpPr>
+          <p:cNvPr id="4" name="Date Placeholder 3"/>
+          <p:cNvSpPr>
+            <a:spLocks noGrp="1"/>
+          </p:cNvSpPr>
+          <p:nvPr>
+            <p:ph type="dt" sz="half" idx="10"/>
+          </p:nvPr>
+        </p:nvSpPr>
+        <p:spPr/>
+        <p:txBody>
+          <a:bodyPr/>
+          <a:lstStyle/>
+          <a:p>
+            <a:fld id="{4C85C6B4-8F7B-4FA9-BDAA-7F02421F6AD7}" type="datetimeFigureOut">
+              <a:rPr lang="en-GB" smtClean="0"/>
+              <a:t>23/11/2023</a:t>
+            </a:fld>
+            <a:endParaRPr lang="en-GB"/>
+          </a:p>
+        </p:txBody>
+      </p:sp>
+      <p:sp>
+        <p:nvSpPr>
+          <p:cNvPr id="5" name="Footer Placeholder 4"/>
+          <p:cNvSpPr>
+            <a:spLocks noGrp="1"/>
+          </p:cNvSpPr>
+          <p:nvPr>
+            <p:ph type="ftr" sz="quarter" idx="11"/>
+          </p:nvPr>
+        </p:nvSpPr>
+        <p:spPr/>
+        <p:txBody>
+          <a:bodyPr/>
+          <a:lstStyle/>
+          <a:p>
+            <a:endParaRPr lang="en-GB"/>
+          </a:p>
+        </p:txBody>
+      </p:sp>
+      <p:sp>
+        <p:nvSpPr>
+          <p:cNvPr id="6" name="Slide Number Placeholder 5"/>
+          <p:cNvSpPr>
+            <a:spLocks noGrp="1"/>
+          </p:cNvSpPr>
+          <p:nvPr>
+            <p:ph type="sldNum" sz="quarter" idx="12"/>
+          </p:nvPr>
+        </p:nvSpPr>
+        <p:spPr/>
+        <p:txBody>
+          <a:bodyPr/>
+          <a:lstStyle/>
+          <a:p>
+            <a:fld id="{26CBCA37-CD32-4B78-A972-09E646ACE085}" type="slidenum">
+              <a:rPr lang="en-GB" smtClean="0"/>
+              <a:t>‹#›</a:t>
+            </a:fld>
+            <a:endParaRPr lang="en-GB"/>
+          </a:p>
+        </p:txBody>
+      </p:sp>
+    </p:spTree>
+    <p:extLst>
+      <p:ext uri="{BB962C8B-B14F-4D97-AF65-F5344CB8AC3E}">
+        <p14:creationId xmlns:p14="http://schemas.microsoft.com/office/powerpoint/2010/main" val="2354532901"/>
+      </p:ext>
+    </p:extLst>
+  </p:cSld>
+  <p:clrMapOvr>
+    <a:masterClrMapping/>
+  </p:clrMapOvr>
+</p:sldLayout>
+</file>
+
+<file path=ppt/slideLayouts/slideLayout13.xml><?xml version="1.0" encoding="utf-8"?>
+<p:sldLayout xmlns:a="http://schemas.openxmlformats.org/drawingml/2006/main" xmlns:r="http://schemas.openxmlformats.org/officeDocument/2006/relationships" xmlns:p="http://schemas.openxmlformats.org/presentationml/2006/main" preserve="1">
+  <p:cSld name="Quote Name Card">
+    <p:spTree>
+      <p:nvGrpSpPr>
+        <p:cNvPr id="1" name=""/>
+        <p:cNvGrpSpPr/>
+        <p:nvPr/>
+      </p:nvGrpSpPr>
+      <p:grpSpPr>
+        <a:xfrm>
+          <a:off x="0" y="0"/>
+          <a:ext cx="0" cy="0"/>
+          <a:chOff x="0" y="0"/>
+          <a:chExt cx="0" cy="0"/>
+        </a:xfrm>
+      </p:grpSpPr>
+      <p:sp>
+        <p:nvSpPr>
+          <p:cNvPr id="2" name="Title 1"/>
+          <p:cNvSpPr>
+            <a:spLocks noGrp="1"/>
+          </p:cNvSpPr>
+          <p:nvPr>
+            <p:ph type="title"/>
+          </p:nvPr>
+        </p:nvSpPr>
+        <p:spPr>
+          <a:xfrm>
+            <a:off x="931334" y="609600"/>
+            <a:ext cx="8094134" cy="3022600"/>
+          </a:xfrm>
+        </p:spPr>
+        <p:txBody>
+          <a:bodyPr anchor="ctr">
+            <a:normAutofit/>
+          </a:bodyPr>
+          <a:lstStyle>
+            <a:lvl1pPr algn="l">
+              <a:defRPr sz="4400" b="0" cap="none"/>
+            </a:lvl1pPr>
+          </a:lstStyle>
+          <a:p>
+            <a:r>
+              <a:rPr lang="en-US"/>
+              <a:t>Click to edit Master title style</a:t>
+            </a:r>
+            <a:endParaRPr lang="en-US" dirty="0"/>
+          </a:p>
+        </p:txBody>
+      </p:sp>
+      <p:sp>
+        <p:nvSpPr>
+          <p:cNvPr id="23" name="Text Placeholder 9"/>
+          <p:cNvSpPr>
+            <a:spLocks noGrp="1"/>
+          </p:cNvSpPr>
+          <p:nvPr>
+            <p:ph type="body" sz="quarter" idx="13"/>
+          </p:nvPr>
+        </p:nvSpPr>
+        <p:spPr>
+          <a:xfrm>
+            <a:off x="677332" y="4013200"/>
+            <a:ext cx="8596669" cy="514248"/>
+          </a:xfrm>
+        </p:spPr>
+        <p:txBody>
+          <a:bodyPr anchor="b">
+            <a:noAutofit/>
+          </a:bodyPr>
+          <a:lstStyle>
+            <a:lvl1pPr marL="0" indent="0">
+              <a:buFontTx/>
+              <a:buNone/>
+              <a:defRPr sz="2400">
+                <a:solidFill>
+                  <a:schemeClr val="tx1">
+                    <a:lumMod val="75000"/>
+                    <a:lumOff val="25000"/>
+                  </a:schemeClr>
+                </a:solidFill>
+              </a:defRPr>
+            </a:lvl1pPr>
+            <a:lvl2pPr marL="457200" indent="0">
+              <a:buFontTx/>
+              <a:buNone/>
+              <a:defRPr/>
+            </a:lvl2pPr>
+            <a:lvl3pPr marL="914400" indent="0">
+              <a:buFontTx/>
+              <a:buNone/>
+              <a:defRPr/>
+            </a:lvl3pPr>
+            <a:lvl4pPr marL="1371600" indent="0">
+              <a:buFontTx/>
+              <a:buNone/>
+              <a:defRPr/>
+            </a:lvl4pPr>
+            <a:lvl5pPr marL="1828800" indent="0">
+              <a:buFontTx/>
+              <a:buNone/>
+              <a:defRPr/>
+            </a:lvl5pPr>
+          </a:lstStyle>
+          <a:p>
+            <a:pPr lvl="0"/>
+            <a:r>
+              <a:rPr lang="en-US"/>
+              <a:t>Click to edit Master text styles</a:t>
+            </a:r>
+          </a:p>
+        </p:txBody>
+      </p:sp>
+      <p:sp>
+        <p:nvSpPr>
+          <p:cNvPr id="3" name="Text Placeholder 2"/>
+          <p:cNvSpPr>
+            <a:spLocks noGrp="1"/>
+          </p:cNvSpPr>
+          <p:nvPr>
+            <p:ph type="body" idx="1"/>
+          </p:nvPr>
+        </p:nvSpPr>
+        <p:spPr>
+          <a:xfrm>
+            <a:off x="677335" y="4527448"/>
+            <a:ext cx="8596668" cy="1513914"/>
+          </a:xfrm>
+        </p:spPr>
+        <p:txBody>
+          <a:bodyPr anchor="t">
+            <a:normAutofit/>
+          </a:bodyPr>
+          <a:lstStyle>
+            <a:lvl1pPr marL="0" indent="0" algn="l">
+              <a:buNone/>
+              <a:defRPr sz="1800">
+                <a:solidFill>
+                  <a:schemeClr val="tx1">
+                    <a:lumMod val="50000"/>
+                    <a:lumOff val="50000"/>
+                  </a:schemeClr>
+                </a:solidFill>
+              </a:defRPr>
+            </a:lvl1pPr>
+            <a:lvl2pPr marL="457200" indent="0">
+              <a:buNone/>
+              <a:defRPr sz="1800">
+                <a:solidFill>
+                  <a:schemeClr val="tx1">
+                    <a:tint val="75000"/>
+                  </a:schemeClr>
+                </a:solidFill>
+              </a:defRPr>
+            </a:lvl2pPr>
+            <a:lvl3pPr marL="914400" indent="0">
+              <a:buNone/>
+              <a:defRPr sz="1600">
+                <a:solidFill>
+                  <a:schemeClr val="tx1">
+                    <a:tint val="75000"/>
+                  </a:schemeClr>
+                </a:solidFill>
+              </a:defRPr>
+            </a:lvl3pPr>
+            <a:lvl4pPr marL="1371600" indent="0">
+              <a:buNone/>
+              <a:defRPr sz="1400">
+                <a:solidFill>
+                  <a:schemeClr val="tx1">
+                    <a:tint val="75000"/>
+                  </a:schemeClr>
+                </a:solidFill>
+              </a:defRPr>
+            </a:lvl4pPr>
+            <a:lvl5pPr marL="1828800" indent="0">
+              <a:buNone/>
+              <a:defRPr sz="1400">
+                <a:solidFill>
+                  <a:schemeClr val="tx1">
+                    <a:tint val="75000"/>
+                  </a:schemeClr>
+                </a:solidFill>
+              </a:defRPr>
+            </a:lvl5pPr>
+            <a:lvl6pPr marL="2286000" indent="0">
+              <a:buNone/>
+              <a:defRPr sz="1400">
+                <a:solidFill>
+                  <a:schemeClr val="tx1">
+                    <a:tint val="75000"/>
+                  </a:schemeClr>
+                </a:solidFill>
+              </a:defRPr>
+            </a:lvl6pPr>
+            <a:lvl7pPr marL="2743200" indent="0">
+              <a:buNone/>
+              <a:defRPr sz="1400">
+                <a:solidFill>
+                  <a:schemeClr val="tx1">
+                    <a:tint val="75000"/>
+                  </a:schemeClr>
+                </a:solidFill>
+              </a:defRPr>
+            </a:lvl7pPr>
+            <a:lvl8pPr marL="3200400" indent="0">
+              <a:buNone/>
+              <a:defRPr sz="1400">
+                <a:solidFill>
+                  <a:schemeClr val="tx1">
+                    <a:tint val="75000"/>
+                  </a:schemeClr>
+                </a:solidFill>
+              </a:defRPr>
+            </a:lvl8pPr>
+            <a:lvl9pPr marL="3657600" indent="0">
+              <a:buNone/>
+              <a:defRPr sz="1400">
+                <a:solidFill>
+                  <a:schemeClr val="tx1">
+                    <a:tint val="75000"/>
+                  </a:schemeClr>
+                </a:solidFill>
+              </a:defRPr>
+            </a:lvl9pPr>
+          </a:lstStyle>
+          <a:p>
+            <a:pPr lvl="0"/>
+            <a:r>
+              <a:rPr lang="en-US"/>
+              <a:t>Click to edit Master text styles</a:t>
+            </a:r>
+          </a:p>
+        </p:txBody>
+      </p:sp>
+      <p:sp>
+        <p:nvSpPr>
+          <p:cNvPr id="4" name="Date Placeholder 3"/>
+          <p:cNvSpPr>
+            <a:spLocks noGrp="1"/>
+          </p:cNvSpPr>
+          <p:nvPr>
+            <p:ph type="dt" sz="half" idx="10"/>
+          </p:nvPr>
+        </p:nvSpPr>
+        <p:spPr/>
+        <p:txBody>
+          <a:bodyPr/>
+          <a:lstStyle/>
+          <a:p>
+            <a:fld id="{4C85C6B4-8F7B-4FA9-BDAA-7F02421F6AD7}" type="datetimeFigureOut">
+              <a:rPr lang="en-GB" smtClean="0"/>
+              <a:t>23/11/2023</a:t>
+            </a:fld>
+            <a:endParaRPr lang="en-GB"/>
+          </a:p>
+        </p:txBody>
+      </p:sp>
+      <p:sp>
+        <p:nvSpPr>
+          <p:cNvPr id="5" name="Footer Placeholder 4"/>
+          <p:cNvSpPr>
+            <a:spLocks noGrp="1"/>
+          </p:cNvSpPr>
+          <p:nvPr>
+            <p:ph type="ftr" sz="quarter" idx="11"/>
+          </p:nvPr>
+        </p:nvSpPr>
+        <p:spPr/>
+        <p:txBody>
+          <a:bodyPr/>
+          <a:lstStyle/>
+          <a:p>
+            <a:endParaRPr lang="en-GB"/>
+          </a:p>
+        </p:txBody>
+      </p:sp>
+      <p:sp>
+        <p:nvSpPr>
+          <p:cNvPr id="6" name="Slide Number Placeholder 5"/>
+          <p:cNvSpPr>
+            <a:spLocks noGrp="1"/>
+          </p:cNvSpPr>
+          <p:nvPr>
+            <p:ph type="sldNum" sz="quarter" idx="12"/>
+          </p:nvPr>
+        </p:nvSpPr>
+        <p:spPr/>
+        <p:txBody>
+          <a:bodyPr/>
+          <a:lstStyle/>
+          <a:p>
+            <a:fld id="{26CBCA37-CD32-4B78-A972-09E646ACE085}" type="slidenum">
+              <a:rPr lang="en-GB" smtClean="0"/>
+              <a:t>‹#›</a:t>
+            </a:fld>
+            <a:endParaRPr lang="en-GB"/>
+          </a:p>
+        </p:txBody>
+      </p:sp>
+      <p:sp>
+        <p:nvSpPr>
+          <p:cNvPr id="24" name="TextBox 23"/>
+          <p:cNvSpPr txBox="1"/>
+          <p:nvPr/>
+        </p:nvSpPr>
+        <p:spPr>
+          <a:xfrm>
+            <a:off x="541870" y="790378"/>
+            <a:ext cx="609600" cy="584776"/>
+          </a:xfrm>
+          <a:prstGeom prst="rect">
+            <a:avLst/>
+          </a:prstGeom>
+        </p:spPr>
+        <p:txBody>
+          <a:bodyPr vert="horz" lIns="91440" tIns="45720" rIns="91440" bIns="45720" rtlCol="0" anchor="ctr">
+            <a:noAutofit/>
+          </a:bodyPr>
+          <a:lstStyle/>
+          <a:p>
+            <a:pPr lvl="0"/>
+            <a:r>
+              <a:rPr lang="en-US" sz="8000" baseline="0" dirty="0">
+                <a:ln w="3175" cmpd="sng">
+                  <a:noFill/>
+                </a:ln>
+                <a:solidFill>
+                  <a:schemeClr val="accent1">
+                    <a:lumMod val="60000"/>
+                    <a:lumOff val="40000"/>
+                  </a:schemeClr>
+                </a:solidFill>
+                <a:effectLst/>
+                <a:latin typeface="Arial"/>
+              </a:rPr>
+              <a:t>“</a:t>
+            </a:r>
+          </a:p>
+        </p:txBody>
+      </p:sp>
+      <p:sp>
+        <p:nvSpPr>
+          <p:cNvPr id="25" name="TextBox 24"/>
+          <p:cNvSpPr txBox="1"/>
+          <p:nvPr/>
+        </p:nvSpPr>
+        <p:spPr>
+          <a:xfrm>
+            <a:off x="8893011" y="2886556"/>
+            <a:ext cx="609600" cy="584776"/>
+          </a:xfrm>
+          <a:prstGeom prst="rect">
+            <a:avLst/>
+          </a:prstGeom>
+        </p:spPr>
+        <p:txBody>
+          <a:bodyPr vert="horz" lIns="91440" tIns="45720" rIns="91440" bIns="45720" rtlCol="0" anchor="ctr">
+            <a:noAutofit/>
+          </a:bodyPr>
+          <a:lstStyle/>
+          <a:p>
+            <a:pPr lvl="0"/>
+            <a:r>
+              <a:rPr lang="en-US" sz="8000" baseline="0" dirty="0">
+                <a:ln w="3175" cmpd="sng">
+                  <a:noFill/>
+                </a:ln>
+                <a:solidFill>
+                  <a:schemeClr val="accent1">
+                    <a:lumMod val="60000"/>
+                    <a:lumOff val="40000"/>
+                  </a:schemeClr>
+                </a:solidFill>
+                <a:effectLst/>
+                <a:latin typeface="Arial"/>
+              </a:rPr>
+              <a:t>”</a:t>
+            </a:r>
+          </a:p>
+        </p:txBody>
+      </p:sp>
+    </p:spTree>
+    <p:extLst>
+      <p:ext uri="{BB962C8B-B14F-4D97-AF65-F5344CB8AC3E}">
+        <p14:creationId xmlns:p14="http://schemas.microsoft.com/office/powerpoint/2010/main" val="3124716876"/>
+      </p:ext>
+    </p:extLst>
+  </p:cSld>
+  <p:clrMapOvr>
+    <a:masterClrMapping/>
+  </p:clrMapOvr>
+</p:sldLayout>
+</file>
+
+<file path=ppt/slideLayouts/slideLayout14.xml><?xml version="1.0" encoding="utf-8"?>
+<p:sldLayout xmlns:a="http://schemas.openxmlformats.org/drawingml/2006/main" xmlns:r="http://schemas.openxmlformats.org/officeDocument/2006/relationships" xmlns:p="http://schemas.openxmlformats.org/presentationml/2006/main" preserve="1">
+  <p:cSld name="True or False">
+    <p:spTree>
+      <p:nvGrpSpPr>
+        <p:cNvPr id="1" name=""/>
+        <p:cNvGrpSpPr/>
+        <p:nvPr/>
+      </p:nvGrpSpPr>
+      <p:grpSpPr>
+        <a:xfrm>
+          <a:off x="0" y="0"/>
+          <a:ext cx="0" cy="0"/>
+          <a:chOff x="0" y="0"/>
+          <a:chExt cx="0" cy="0"/>
+        </a:xfrm>
+      </p:grpSpPr>
+      <p:sp>
+        <p:nvSpPr>
+          <p:cNvPr id="2" name="Title 1"/>
+          <p:cNvSpPr>
+            <a:spLocks noGrp="1"/>
+          </p:cNvSpPr>
+          <p:nvPr>
+            <p:ph type="title"/>
+          </p:nvPr>
+        </p:nvSpPr>
+        <p:spPr>
+          <a:xfrm>
+            <a:off x="685799" y="609600"/>
+            <a:ext cx="8588203" cy="3022600"/>
+          </a:xfrm>
+        </p:spPr>
+        <p:txBody>
+          <a:bodyPr anchor="ctr">
+            <a:normAutofit/>
+          </a:bodyPr>
+          <a:lstStyle>
+            <a:lvl1pPr algn="l">
+              <a:defRPr sz="4400" b="0" cap="none"/>
+            </a:lvl1pPr>
+          </a:lstStyle>
+          <a:p>
+            <a:r>
+              <a:rPr lang="en-US"/>
+              <a:t>Click to edit Master title style</a:t>
+            </a:r>
+            <a:endParaRPr lang="en-US" dirty="0"/>
+          </a:p>
+        </p:txBody>
+      </p:sp>
+      <p:sp>
+        <p:nvSpPr>
+          <p:cNvPr id="23" name="Text Placeholder 9"/>
+          <p:cNvSpPr>
+            <a:spLocks noGrp="1"/>
+          </p:cNvSpPr>
+          <p:nvPr>
+            <p:ph type="body" sz="quarter" idx="13"/>
+          </p:nvPr>
+        </p:nvSpPr>
+        <p:spPr>
+          <a:xfrm>
+            <a:off x="677332" y="4013200"/>
+            <a:ext cx="8596669" cy="514248"/>
+          </a:xfrm>
+        </p:spPr>
+        <p:txBody>
+          <a:bodyPr anchor="b">
+            <a:noAutofit/>
+          </a:bodyPr>
+          <a:lstStyle>
+            <a:lvl1pPr marL="0" indent="0">
+              <a:buFontTx/>
+              <a:buNone/>
+              <a:defRPr sz="2400">
+                <a:solidFill>
+                  <a:schemeClr val="accent1"/>
+                </a:solidFill>
+              </a:defRPr>
+            </a:lvl1pPr>
+            <a:lvl2pPr marL="457200" indent="0">
+              <a:buFontTx/>
+              <a:buNone/>
+              <a:defRPr/>
+            </a:lvl2pPr>
+            <a:lvl3pPr marL="914400" indent="0">
+              <a:buFontTx/>
+              <a:buNone/>
+              <a:defRPr/>
+            </a:lvl3pPr>
+            <a:lvl4pPr marL="1371600" indent="0">
+              <a:buFontTx/>
+              <a:buNone/>
+              <a:defRPr/>
+            </a:lvl4pPr>
+            <a:lvl5pPr marL="1828800" indent="0">
+              <a:buFontTx/>
+              <a:buNone/>
+              <a:defRPr/>
+            </a:lvl5pPr>
+          </a:lstStyle>
+          <a:p>
+            <a:pPr lvl="0"/>
+            <a:r>
+              <a:rPr lang="en-US"/>
+              <a:t>Click to edit Master text styles</a:t>
+            </a:r>
+          </a:p>
+        </p:txBody>
+      </p:sp>
+      <p:sp>
+        <p:nvSpPr>
+          <p:cNvPr id="3" name="Text Placeholder 2"/>
+          <p:cNvSpPr>
+            <a:spLocks noGrp="1"/>
+          </p:cNvSpPr>
+          <p:nvPr>
+            <p:ph type="body" idx="1"/>
+          </p:nvPr>
+        </p:nvSpPr>
+        <p:spPr>
+          <a:xfrm>
+            <a:off x="677335" y="4527448"/>
+            <a:ext cx="8596668" cy="1513914"/>
+          </a:xfrm>
+        </p:spPr>
+        <p:txBody>
+          <a:bodyPr anchor="t">
+            <a:normAutofit/>
+          </a:bodyPr>
+          <a:lstStyle>
+            <a:lvl1pPr marL="0" indent="0" algn="l">
+              <a:buNone/>
+              <a:defRPr sz="1800">
+                <a:solidFill>
+                  <a:schemeClr val="tx1">
+                    <a:lumMod val="50000"/>
+                    <a:lumOff val="50000"/>
+                  </a:schemeClr>
+                </a:solidFill>
+              </a:defRPr>
+            </a:lvl1pPr>
+            <a:lvl2pPr marL="457200" indent="0">
+              <a:buNone/>
+              <a:defRPr sz="1800">
+                <a:solidFill>
+                  <a:schemeClr val="tx1">
+                    <a:tint val="75000"/>
+                  </a:schemeClr>
+                </a:solidFill>
+              </a:defRPr>
+            </a:lvl2pPr>
+            <a:lvl3pPr marL="914400" indent="0">
+              <a:buNone/>
+              <a:defRPr sz="1600">
+                <a:solidFill>
+                  <a:schemeClr val="tx1">
+                    <a:tint val="75000"/>
+                  </a:schemeClr>
+                </a:solidFill>
+              </a:defRPr>
+            </a:lvl3pPr>
+            <a:lvl4pPr marL="1371600" indent="0">
+              <a:buNone/>
+              <a:defRPr sz="1400">
+                <a:solidFill>
+                  <a:schemeClr val="tx1">
+                    <a:tint val="75000"/>
+                  </a:schemeClr>
+                </a:solidFill>
+              </a:defRPr>
+            </a:lvl4pPr>
+            <a:lvl5pPr marL="1828800" indent="0">
+              <a:buNone/>
+              <a:defRPr sz="1400">
+                <a:solidFill>
+                  <a:schemeClr val="tx1">
+                    <a:tint val="75000"/>
+                  </a:schemeClr>
+                </a:solidFill>
+              </a:defRPr>
+            </a:lvl5pPr>
+            <a:lvl6pPr marL="2286000" indent="0">
+              <a:buNone/>
+              <a:defRPr sz="1400">
+                <a:solidFill>
+                  <a:schemeClr val="tx1">
+                    <a:tint val="75000"/>
+                  </a:schemeClr>
+                </a:solidFill>
+              </a:defRPr>
+            </a:lvl6pPr>
+            <a:lvl7pPr marL="2743200" indent="0">
+              <a:buNone/>
+              <a:defRPr sz="1400">
+                <a:solidFill>
+                  <a:schemeClr val="tx1">
+                    <a:tint val="75000"/>
+                  </a:schemeClr>
+                </a:solidFill>
+              </a:defRPr>
+            </a:lvl7pPr>
+            <a:lvl8pPr marL="3200400" indent="0">
+              <a:buNone/>
+              <a:defRPr sz="1400">
+                <a:solidFill>
+                  <a:schemeClr val="tx1">
+                    <a:tint val="75000"/>
+                  </a:schemeClr>
+                </a:solidFill>
+              </a:defRPr>
+            </a:lvl8pPr>
+            <a:lvl9pPr marL="3657600" indent="0">
+              <a:buNone/>
+              <a:defRPr sz="1400">
+                <a:solidFill>
+                  <a:schemeClr val="tx1">
+                    <a:tint val="75000"/>
+                  </a:schemeClr>
+                </a:solidFill>
+              </a:defRPr>
+            </a:lvl9pPr>
+          </a:lstStyle>
+          <a:p>
+            <a:pPr lvl="0"/>
+            <a:r>
+              <a:rPr lang="en-US"/>
+              <a:t>Click to edit Master text styles</a:t>
+            </a:r>
+          </a:p>
+        </p:txBody>
+      </p:sp>
+      <p:sp>
+        <p:nvSpPr>
+          <p:cNvPr id="4" name="Date Placeholder 3"/>
+          <p:cNvSpPr>
+            <a:spLocks noGrp="1"/>
+          </p:cNvSpPr>
+          <p:nvPr>
+            <p:ph type="dt" sz="half" idx="10"/>
+          </p:nvPr>
+        </p:nvSpPr>
+        <p:spPr/>
+        <p:txBody>
+          <a:bodyPr/>
+          <a:lstStyle/>
+          <a:p>
+            <a:fld id="{4C85C6B4-8F7B-4FA9-BDAA-7F02421F6AD7}" type="datetimeFigureOut">
+              <a:rPr lang="en-GB" smtClean="0"/>
+              <a:t>23/11/2023</a:t>
+            </a:fld>
+            <a:endParaRPr lang="en-GB"/>
+          </a:p>
+        </p:txBody>
+      </p:sp>
+      <p:sp>
+        <p:nvSpPr>
+          <p:cNvPr id="5" name="Footer Placeholder 4"/>
+          <p:cNvSpPr>
+            <a:spLocks noGrp="1"/>
+          </p:cNvSpPr>
+          <p:nvPr>
+            <p:ph type="ftr" sz="quarter" idx="11"/>
+          </p:nvPr>
+        </p:nvSpPr>
+        <p:spPr/>
+        <p:txBody>
+          <a:bodyPr/>
+          <a:lstStyle/>
+          <a:p>
+            <a:endParaRPr lang="en-GB"/>
+          </a:p>
+        </p:txBody>
+      </p:sp>
+      <p:sp>
+        <p:nvSpPr>
+          <p:cNvPr id="6" name="Slide Number Placeholder 5"/>
+          <p:cNvSpPr>
+            <a:spLocks noGrp="1"/>
+          </p:cNvSpPr>
+          <p:nvPr>
+            <p:ph type="sldNum" sz="quarter" idx="12"/>
+          </p:nvPr>
+        </p:nvSpPr>
+        <p:spPr/>
+        <p:txBody>
+          <a:bodyPr/>
+          <a:lstStyle/>
+          <a:p>
+            <a:fld id="{26CBCA37-CD32-4B78-A972-09E646ACE085}" type="slidenum">
+              <a:rPr lang="en-GB" smtClean="0"/>
+              <a:t>‹#›</a:t>
+            </a:fld>
+            <a:endParaRPr lang="en-GB"/>
+          </a:p>
+        </p:txBody>
+      </p:sp>
+    </p:spTree>
+    <p:extLst>
+      <p:ext uri="{BB962C8B-B14F-4D97-AF65-F5344CB8AC3E}">
+        <p14:creationId xmlns:p14="http://schemas.microsoft.com/office/powerpoint/2010/main" val="1017045388"/>
+      </p:ext>
+    </p:extLst>
+  </p:cSld>
+  <p:clrMapOvr>
+    <a:masterClrMapping/>
+  </p:clrMapOvr>
+</p:sldLayout>
+</file>
+
+<file path=ppt/slideLayouts/slideLayout15.xml><?xml version="1.0" encoding="utf-8"?>
 <p:sldLayout xmlns:a="http://schemas.openxmlformats.org/drawingml/2006/main" xmlns:r="http://schemas.openxmlformats.org/officeDocument/2006/relationships" xmlns:p="http://schemas.openxmlformats.org/presentationml/2006/main" type="vertTx" preserve="1">
   <p:cSld name="Title and Vertical Text">
     <p:spTree>
@@ -760,13 +3105,7 @@
       </p:grpSpPr>
       <p:sp>
         <p:nvSpPr>
-          <p:cNvPr id="2" name="Title 1">
-            <a:extLst>
-              <a:ext uri="{FF2B5EF4-FFF2-40B4-BE49-F238E27FC236}">
-                <a16:creationId xmlns:a16="http://schemas.microsoft.com/office/drawing/2014/main" id="{1777F66E-DF38-2CEE-715C-4A88BCC704A9}"/>
-              </a:ext>
-            </a:extLst>
-          </p:cNvPr>
+          <p:cNvPr id="2" name="Title 1"/>
           <p:cNvSpPr>
             <a:spLocks noGrp="1"/>
           </p:cNvSpPr>
@@ -783,19 +3122,13 @@
               <a:rPr lang="en-US"/>
               <a:t>Click to edit Master title style</a:t>
             </a:r>
-            <a:endParaRPr lang="en-GB"/>
-          </a:p>
-        </p:txBody>
-      </p:sp>
-      <p:sp>
-        <p:nvSpPr>
-          <p:cNvPr id="3" name="Vertical Text Placeholder 2">
-            <a:extLst>
-              <a:ext uri="{FF2B5EF4-FFF2-40B4-BE49-F238E27FC236}">
-                <a16:creationId xmlns:a16="http://schemas.microsoft.com/office/drawing/2014/main" id="{5DF8D5E6-1B67-6B6D-7BB1-BF8D66362052}"/>
-              </a:ext>
-            </a:extLst>
-          </p:cNvPr>
+            <a:endParaRPr lang="en-US" dirty="0"/>
+          </a:p>
+        </p:txBody>
+      </p:sp>
+      <p:sp>
+        <p:nvSpPr>
+          <p:cNvPr id="3" name="Vertical Text Placeholder 2"/>
           <p:cNvSpPr>
             <a:spLocks noGrp="1"/>
           </p:cNvSpPr>
@@ -841,19 +3174,13 @@
               <a:rPr lang="en-US"/>
               <a:t>Fifth level</a:t>
             </a:r>
-            <a:endParaRPr lang="en-GB"/>
-          </a:p>
-        </p:txBody>
-      </p:sp>
-      <p:sp>
-        <p:nvSpPr>
-          <p:cNvPr id="4" name="Date Placeholder 3">
-            <a:extLst>
-              <a:ext uri="{FF2B5EF4-FFF2-40B4-BE49-F238E27FC236}">
-                <a16:creationId xmlns:a16="http://schemas.microsoft.com/office/drawing/2014/main" id="{9ECF4B75-F40D-7369-DB3F-C5DE298A7AE4}"/>
-              </a:ext>
-            </a:extLst>
-          </p:cNvPr>
+            <a:endParaRPr lang="en-US" dirty="0"/>
+          </a:p>
+        </p:txBody>
+      </p:sp>
+      <p:sp>
+        <p:nvSpPr>
+          <p:cNvPr id="4" name="Date Placeholder 3"/>
           <p:cNvSpPr>
             <a:spLocks noGrp="1"/>
           </p:cNvSpPr>
@@ -876,13 +3203,7 @@
       </p:sp>
       <p:sp>
         <p:nvSpPr>
-          <p:cNvPr id="5" name="Footer Placeholder 4">
-            <a:extLst>
-              <a:ext uri="{FF2B5EF4-FFF2-40B4-BE49-F238E27FC236}">
-                <a16:creationId xmlns:a16="http://schemas.microsoft.com/office/drawing/2014/main" id="{01B064A1-3FAE-BEAD-110E-B9F83A86B43D}"/>
-              </a:ext>
-            </a:extLst>
-          </p:cNvPr>
+          <p:cNvPr id="5" name="Footer Placeholder 4"/>
           <p:cNvSpPr>
             <a:spLocks noGrp="1"/>
           </p:cNvSpPr>
@@ -901,13 +3222,7 @@
       </p:sp>
       <p:sp>
         <p:nvSpPr>
-          <p:cNvPr id="6" name="Slide Number Placeholder 5">
-            <a:extLst>
-              <a:ext uri="{FF2B5EF4-FFF2-40B4-BE49-F238E27FC236}">
-                <a16:creationId xmlns:a16="http://schemas.microsoft.com/office/drawing/2014/main" id="{66952DD2-E84C-18F1-312F-F038DA721E3C}"/>
-              </a:ext>
-            </a:extLst>
-          </p:cNvPr>
+          <p:cNvPr id="6" name="Slide Number Placeholder 5"/>
           <p:cNvSpPr>
             <a:spLocks noGrp="1"/>
           </p:cNvSpPr>
@@ -931,7 +3246,7 @@
     </p:spTree>
     <p:extLst>
       <p:ext uri="{BB962C8B-B14F-4D97-AF65-F5344CB8AC3E}">
-        <p14:creationId xmlns:p14="http://schemas.microsoft.com/office/powerpoint/2010/main" val="2170865450"/>
+        <p14:creationId xmlns:p14="http://schemas.microsoft.com/office/powerpoint/2010/main" val="2418022988"/>
       </p:ext>
     </p:extLst>
   </p:cSld>
@@ -941,7 +3256,7 @@
 </p:sldLayout>
 </file>
 
-<file path=ppt/slideLayouts/slideLayout11.xml><?xml version="1.0" encoding="utf-8"?>
+<file path=ppt/slideLayouts/slideLayout16.xml><?xml version="1.0" encoding="utf-8"?>
 <p:sldLayout xmlns:a="http://schemas.openxmlformats.org/drawingml/2006/main" xmlns:r="http://schemas.openxmlformats.org/officeDocument/2006/relationships" xmlns:p="http://schemas.openxmlformats.org/presentationml/2006/main" type="vertTitleAndTx" preserve="1">
   <p:cSld name="Vertical Title and Text">
     <p:spTree>
@@ -960,13 +3275,7 @@
       </p:grpSpPr>
       <p:sp>
         <p:nvSpPr>
-          <p:cNvPr id="2" name="Vertical Title 1">
-            <a:extLst>
-              <a:ext uri="{FF2B5EF4-FFF2-40B4-BE49-F238E27FC236}">
-                <a16:creationId xmlns:a16="http://schemas.microsoft.com/office/drawing/2014/main" id="{8F955F83-A0B2-2655-BCAD-42AAA521042C}"/>
-              </a:ext>
-            </a:extLst>
-          </p:cNvPr>
+          <p:cNvPr id="2" name="Vertical Title 1"/>
           <p:cNvSpPr>
             <a:spLocks noGrp="1"/>
           </p:cNvSpPr>
@@ -976,48 +3285,42 @@
         </p:nvSpPr>
         <p:spPr>
           <a:xfrm>
-            <a:off x="8724900" y="365125"/>
-            <a:ext cx="2628900" cy="5811838"/>
+            <a:off x="7967673" y="609599"/>
+            <a:ext cx="1304743" cy="5251451"/>
           </a:xfrm>
         </p:spPr>
         <p:txBody>
+          <a:bodyPr vert="eaVert" anchor="ctr"/>
+          <a:lstStyle/>
+          <a:p>
+            <a:r>
+              <a:rPr lang="en-US"/>
+              <a:t>Click to edit Master title style</a:t>
+            </a:r>
+            <a:endParaRPr lang="en-US" dirty="0"/>
+          </a:p>
+        </p:txBody>
+      </p:sp>
+      <p:sp>
+        <p:nvSpPr>
+          <p:cNvPr id="3" name="Vertical Text Placeholder 2"/>
+          <p:cNvSpPr>
+            <a:spLocks noGrp="1"/>
+          </p:cNvSpPr>
+          <p:nvPr>
+            <p:ph type="body" orient="vert" idx="1"/>
+          </p:nvPr>
+        </p:nvSpPr>
+        <p:spPr>
+          <a:xfrm>
+            <a:off x="677335" y="609600"/>
+            <a:ext cx="7060150" cy="5251450"/>
+          </a:xfrm>
+        </p:spPr>
+        <p:txBody>
           <a:bodyPr vert="eaVert"/>
           <a:lstStyle/>
           <a:p>
-            <a:r>
-              <a:rPr lang="en-US"/>
-              <a:t>Click to edit Master title style</a:t>
-            </a:r>
-            <a:endParaRPr lang="en-GB"/>
-          </a:p>
-        </p:txBody>
-      </p:sp>
-      <p:sp>
-        <p:nvSpPr>
-          <p:cNvPr id="3" name="Vertical Text Placeholder 2">
-            <a:extLst>
-              <a:ext uri="{FF2B5EF4-FFF2-40B4-BE49-F238E27FC236}">
-                <a16:creationId xmlns:a16="http://schemas.microsoft.com/office/drawing/2014/main" id="{18779988-F6D1-8E2A-2F32-473D7B6D69C7}"/>
-              </a:ext>
-            </a:extLst>
-          </p:cNvPr>
-          <p:cNvSpPr>
-            <a:spLocks noGrp="1"/>
-          </p:cNvSpPr>
-          <p:nvPr>
-            <p:ph type="body" orient="vert" idx="1"/>
-          </p:nvPr>
-        </p:nvSpPr>
-        <p:spPr>
-          <a:xfrm>
-            <a:off x="838200" y="365125"/>
-            <a:ext cx="7734300" cy="5811838"/>
-          </a:xfrm>
-        </p:spPr>
-        <p:txBody>
-          <a:bodyPr vert="eaVert"/>
-          <a:lstStyle/>
-          <a:p>
             <a:pPr lvl="0"/>
             <a:r>
               <a:rPr lang="en-US"/>
@@ -1051,19 +3354,13 @@
               <a:rPr lang="en-US"/>
               <a:t>Fifth level</a:t>
             </a:r>
-            <a:endParaRPr lang="en-GB"/>
-          </a:p>
-        </p:txBody>
-      </p:sp>
-      <p:sp>
-        <p:nvSpPr>
-          <p:cNvPr id="4" name="Date Placeholder 3">
-            <a:extLst>
-              <a:ext uri="{FF2B5EF4-FFF2-40B4-BE49-F238E27FC236}">
-                <a16:creationId xmlns:a16="http://schemas.microsoft.com/office/drawing/2014/main" id="{4EC383EC-DDC7-2A93-33F8-B93B240EE8C7}"/>
-              </a:ext>
-            </a:extLst>
-          </p:cNvPr>
+            <a:endParaRPr lang="en-US" dirty="0"/>
+          </a:p>
+        </p:txBody>
+      </p:sp>
+      <p:sp>
+        <p:nvSpPr>
+          <p:cNvPr id="4" name="Date Placeholder 3"/>
           <p:cNvSpPr>
             <a:spLocks noGrp="1"/>
           </p:cNvSpPr>
@@ -1086,13 +3383,7 @@
       </p:sp>
       <p:sp>
         <p:nvSpPr>
-          <p:cNvPr id="5" name="Footer Placeholder 4">
-            <a:extLst>
-              <a:ext uri="{FF2B5EF4-FFF2-40B4-BE49-F238E27FC236}">
-                <a16:creationId xmlns:a16="http://schemas.microsoft.com/office/drawing/2014/main" id="{730D775E-3535-8DFF-DAC4-C88912C02CA7}"/>
-              </a:ext>
-            </a:extLst>
-          </p:cNvPr>
+          <p:cNvPr id="5" name="Footer Placeholder 4"/>
           <p:cNvSpPr>
             <a:spLocks noGrp="1"/>
           </p:cNvSpPr>
@@ -1111,13 +3402,7 @@
       </p:sp>
       <p:sp>
         <p:nvSpPr>
-          <p:cNvPr id="6" name="Slide Number Placeholder 5">
-            <a:extLst>
-              <a:ext uri="{FF2B5EF4-FFF2-40B4-BE49-F238E27FC236}">
-                <a16:creationId xmlns:a16="http://schemas.microsoft.com/office/drawing/2014/main" id="{82ADF5EA-EE20-974F-EFD3-67B46AB74966}"/>
-              </a:ext>
-            </a:extLst>
-          </p:cNvPr>
+          <p:cNvPr id="6" name="Slide Number Placeholder 5"/>
           <p:cNvSpPr>
             <a:spLocks noGrp="1"/>
           </p:cNvSpPr>
@@ -1141,7 +3426,7 @@
     </p:spTree>
     <p:extLst>
       <p:ext uri="{BB962C8B-B14F-4D97-AF65-F5344CB8AC3E}">
-        <p14:creationId xmlns:p14="http://schemas.microsoft.com/office/powerpoint/2010/main" val="2582763201"/>
+        <p14:creationId xmlns:p14="http://schemas.microsoft.com/office/powerpoint/2010/main" val="1976564701"/>
       </p:ext>
     </p:extLst>
   </p:cSld>
@@ -1170,18 +3455,41 @@
       </p:grpSpPr>
       <p:sp>
         <p:nvSpPr>
-          <p:cNvPr id="2" name="Title 1">
-            <a:extLst>
-              <a:ext uri="{FF2B5EF4-FFF2-40B4-BE49-F238E27FC236}">
-                <a16:creationId xmlns:a16="http://schemas.microsoft.com/office/drawing/2014/main" id="{98B0A869-0E28-66C9-8FE2-B86FCF635530}"/>
-              </a:ext>
-            </a:extLst>
-          </p:cNvPr>
+          <p:cNvPr id="2" name="Title 1"/>
           <p:cNvSpPr>
             <a:spLocks noGrp="1"/>
           </p:cNvSpPr>
           <p:nvPr>
             <p:ph type="title"/>
+          </p:nvPr>
+        </p:nvSpPr>
+        <p:spPr/>
+        <p:txBody>
+          <a:bodyPr>
+            <a:normAutofit/>
+          </a:bodyPr>
+          <a:lstStyle>
+            <a:lvl1pPr>
+              <a:defRPr sz="3600"/>
+            </a:lvl1pPr>
+          </a:lstStyle>
+          <a:p>
+            <a:r>
+              <a:rPr lang="en-US"/>
+              <a:t>Click to edit Master title style</a:t>
+            </a:r>
+            <a:endParaRPr lang="en-US" dirty="0"/>
+          </a:p>
+        </p:txBody>
+      </p:sp>
+      <p:sp>
+        <p:nvSpPr>
+          <p:cNvPr id="3" name="Content Placeholder 2"/>
+          <p:cNvSpPr>
+            <a:spLocks noGrp="1"/>
+          </p:cNvSpPr>
+          <p:nvPr>
+            <p:ph idx="1"/>
           </p:nvPr>
         </p:nvSpPr>
         <p:spPr/>
@@ -1189,35 +3497,6 @@
           <a:bodyPr/>
           <a:lstStyle/>
           <a:p>
-            <a:r>
-              <a:rPr lang="en-US"/>
-              <a:t>Click to edit Master title style</a:t>
-            </a:r>
-            <a:endParaRPr lang="en-GB"/>
-          </a:p>
-        </p:txBody>
-      </p:sp>
-      <p:sp>
-        <p:nvSpPr>
-          <p:cNvPr id="3" name="Content Placeholder 2">
-            <a:extLst>
-              <a:ext uri="{FF2B5EF4-FFF2-40B4-BE49-F238E27FC236}">
-                <a16:creationId xmlns:a16="http://schemas.microsoft.com/office/drawing/2014/main" id="{4C063A00-9886-5E7B-130E-D645554D27BA}"/>
-              </a:ext>
-            </a:extLst>
-          </p:cNvPr>
-          <p:cNvSpPr>
-            <a:spLocks noGrp="1"/>
-          </p:cNvSpPr>
-          <p:nvPr>
-            <p:ph idx="1"/>
-          </p:nvPr>
-        </p:nvSpPr>
-        <p:spPr/>
-        <p:txBody>
-          <a:bodyPr/>
-          <a:lstStyle/>
-          <a:p>
             <a:pPr lvl="0"/>
             <a:r>
               <a:rPr lang="en-US"/>
@@ -1251,19 +3530,13 @@
               <a:rPr lang="en-US"/>
               <a:t>Fifth level</a:t>
             </a:r>
-            <a:endParaRPr lang="en-GB"/>
-          </a:p>
-        </p:txBody>
-      </p:sp>
-      <p:sp>
-        <p:nvSpPr>
-          <p:cNvPr id="4" name="Date Placeholder 3">
-            <a:extLst>
-              <a:ext uri="{FF2B5EF4-FFF2-40B4-BE49-F238E27FC236}">
-                <a16:creationId xmlns:a16="http://schemas.microsoft.com/office/drawing/2014/main" id="{FDF3EAE5-4DA5-44C9-A586-67EE054451E2}"/>
-              </a:ext>
-            </a:extLst>
-          </p:cNvPr>
+            <a:endParaRPr lang="en-US" dirty="0"/>
+          </a:p>
+        </p:txBody>
+      </p:sp>
+      <p:sp>
+        <p:nvSpPr>
+          <p:cNvPr id="4" name="Date Placeholder 3"/>
           <p:cNvSpPr>
             <a:spLocks noGrp="1"/>
           </p:cNvSpPr>
@@ -1286,13 +3559,7 @@
       </p:sp>
       <p:sp>
         <p:nvSpPr>
-          <p:cNvPr id="5" name="Footer Placeholder 4">
-            <a:extLst>
-              <a:ext uri="{FF2B5EF4-FFF2-40B4-BE49-F238E27FC236}">
-                <a16:creationId xmlns:a16="http://schemas.microsoft.com/office/drawing/2014/main" id="{11EAB1DE-E7C3-1E63-2FCA-196F2F4B84FD}"/>
-              </a:ext>
-            </a:extLst>
-          </p:cNvPr>
+          <p:cNvPr id="5" name="Footer Placeholder 4"/>
           <p:cNvSpPr>
             <a:spLocks noGrp="1"/>
           </p:cNvSpPr>
@@ -1311,13 +3578,7 @@
       </p:sp>
       <p:sp>
         <p:nvSpPr>
-          <p:cNvPr id="6" name="Slide Number Placeholder 5">
-            <a:extLst>
-              <a:ext uri="{FF2B5EF4-FFF2-40B4-BE49-F238E27FC236}">
-                <a16:creationId xmlns:a16="http://schemas.microsoft.com/office/drawing/2014/main" id="{932362A9-D246-5691-0446-FD666FF1E533}"/>
-              </a:ext>
-            </a:extLst>
-          </p:cNvPr>
+          <p:cNvPr id="6" name="Slide Number Placeholder 5"/>
           <p:cNvSpPr>
             <a:spLocks noGrp="1"/>
           </p:cNvSpPr>
@@ -1341,7 +3602,7 @@
     </p:spTree>
     <p:extLst>
       <p:ext uri="{BB962C8B-B14F-4D97-AF65-F5344CB8AC3E}">
-        <p14:creationId xmlns:p14="http://schemas.microsoft.com/office/powerpoint/2010/main" val="3594208318"/>
+        <p14:creationId xmlns:p14="http://schemas.microsoft.com/office/powerpoint/2010/main" val="416599449"/>
       </p:ext>
     </p:extLst>
   </p:cSld>
@@ -1370,13 +3631,7 @@
       </p:grpSpPr>
       <p:sp>
         <p:nvSpPr>
-          <p:cNvPr id="2" name="Title 1">
-            <a:extLst>
-              <a:ext uri="{FF2B5EF4-FFF2-40B4-BE49-F238E27FC236}">
-                <a16:creationId xmlns:a16="http://schemas.microsoft.com/office/drawing/2014/main" id="{56E0E773-9F79-8BFB-D8A1-92F7AD0DCFD4}"/>
-              </a:ext>
-            </a:extLst>
-          </p:cNvPr>
+          <p:cNvPr id="2" name="Title 1"/>
           <p:cNvSpPr>
             <a:spLocks noGrp="1"/>
           </p:cNvSpPr>
@@ -1386,15 +3641,15 @@
         </p:nvSpPr>
         <p:spPr>
           <a:xfrm>
-            <a:off x="831850" y="1709738"/>
-            <a:ext cx="10515600" cy="2852737"/>
+            <a:off x="677335" y="2700867"/>
+            <a:ext cx="8596668" cy="1826581"/>
           </a:xfrm>
         </p:spPr>
         <p:txBody>
           <a:bodyPr anchor="b"/>
           <a:lstStyle>
-            <a:lvl1pPr>
-              <a:defRPr sz="6000"/>
+            <a:lvl1pPr algn="l">
+              <a:defRPr sz="4000" b="0" cap="none"/>
             </a:lvl1pPr>
           </a:lstStyle>
           <a:p>
@@ -1402,19 +3657,13 @@
               <a:rPr lang="en-US"/>
               <a:t>Click to edit Master title style</a:t>
             </a:r>
-            <a:endParaRPr lang="en-GB"/>
-          </a:p>
-        </p:txBody>
-      </p:sp>
-      <p:sp>
-        <p:nvSpPr>
-          <p:cNvPr id="3" name="Text Placeholder 2">
-            <a:extLst>
-              <a:ext uri="{FF2B5EF4-FFF2-40B4-BE49-F238E27FC236}">
-                <a16:creationId xmlns:a16="http://schemas.microsoft.com/office/drawing/2014/main" id="{CED6BD3C-7599-A317-30EE-F90F221476C5}"/>
-              </a:ext>
-            </a:extLst>
-          </p:cNvPr>
+            <a:endParaRPr lang="en-US" dirty="0"/>
+          </a:p>
+        </p:txBody>
+      </p:sp>
+      <p:sp>
+        <p:nvSpPr>
+          <p:cNvPr id="3" name="Text Placeholder 2"/>
           <p:cNvSpPr>
             <a:spLocks noGrp="1"/>
           </p:cNvSpPr>
@@ -1424,26 +3673,27 @@
         </p:nvSpPr>
         <p:spPr>
           <a:xfrm>
-            <a:off x="831850" y="4589463"/>
-            <a:ext cx="10515600" cy="1500187"/>
+            <a:off x="677335" y="4527448"/>
+            <a:ext cx="8596668" cy="860400"/>
           </a:xfrm>
         </p:spPr>
         <p:txBody>
-          <a:bodyPr/>
+          <a:bodyPr anchor="t"/>
           <a:lstStyle>
-            <a:lvl1pPr marL="0" indent="0">
-              <a:buNone/>
-              <a:defRPr sz="2400">
+            <a:lvl1pPr marL="0" indent="0" algn="l">
+              <a:buNone/>
+              <a:defRPr sz="2000">
                 <a:solidFill>
                   <a:schemeClr val="tx1">
-                    <a:tint val="75000"/>
+                    <a:lumMod val="50000"/>
+                    <a:lumOff val="50000"/>
                   </a:schemeClr>
                 </a:solidFill>
               </a:defRPr>
             </a:lvl1pPr>
             <a:lvl2pPr marL="457200" indent="0">
               <a:buNone/>
-              <a:defRPr sz="2000">
+              <a:defRPr sz="1800">
                 <a:solidFill>
                   <a:schemeClr val="tx1">
                     <a:tint val="75000"/>
@@ -1453,7 +3703,7 @@
             </a:lvl2pPr>
             <a:lvl3pPr marL="914400" indent="0">
               <a:buNone/>
-              <a:defRPr sz="1800">
+              <a:defRPr sz="1600">
                 <a:solidFill>
                   <a:schemeClr val="tx1">
                     <a:tint val="75000"/>
@@ -1463,7 +3713,7 @@
             </a:lvl3pPr>
             <a:lvl4pPr marL="1371600" indent="0">
               <a:buNone/>
-              <a:defRPr sz="1600">
+              <a:defRPr sz="1400">
                 <a:solidFill>
                   <a:schemeClr val="tx1">
                     <a:tint val="75000"/>
@@ -1473,7 +3723,7 @@
             </a:lvl4pPr>
             <a:lvl5pPr marL="1828800" indent="0">
               <a:buNone/>
-              <a:defRPr sz="1600">
+              <a:defRPr sz="1400">
                 <a:solidFill>
                   <a:schemeClr val="tx1">
                     <a:tint val="75000"/>
@@ -1483,7 +3733,7 @@
             </a:lvl5pPr>
             <a:lvl6pPr marL="2286000" indent="0">
               <a:buNone/>
-              <a:defRPr sz="1600">
+              <a:defRPr sz="1400">
                 <a:solidFill>
                   <a:schemeClr val="tx1">
                     <a:tint val="75000"/>
@@ -1493,7 +3743,7 @@
             </a:lvl6pPr>
             <a:lvl7pPr marL="2743200" indent="0">
               <a:buNone/>
-              <a:defRPr sz="1600">
+              <a:defRPr sz="1400">
                 <a:solidFill>
                   <a:schemeClr val="tx1">
                     <a:tint val="75000"/>
@@ -1503,7 +3753,7 @@
             </a:lvl7pPr>
             <a:lvl8pPr marL="3200400" indent="0">
               <a:buNone/>
-              <a:defRPr sz="1600">
+              <a:defRPr sz="1400">
                 <a:solidFill>
                   <a:schemeClr val="tx1">
                     <a:tint val="75000"/>
@@ -1513,7 +3763,7 @@
             </a:lvl8pPr>
             <a:lvl9pPr marL="3657600" indent="0">
               <a:buNone/>
-              <a:defRPr sz="1600">
+              <a:defRPr sz="1400">
                 <a:solidFill>
                   <a:schemeClr val="tx1">
                     <a:tint val="75000"/>
@@ -1533,13 +3783,7 @@
       </p:sp>
       <p:sp>
         <p:nvSpPr>
-          <p:cNvPr id="4" name="Date Placeholder 3">
-            <a:extLst>
-              <a:ext uri="{FF2B5EF4-FFF2-40B4-BE49-F238E27FC236}">
-                <a16:creationId xmlns:a16="http://schemas.microsoft.com/office/drawing/2014/main" id="{B53E45C3-D559-C227-75DF-9974B30599DD}"/>
-              </a:ext>
-            </a:extLst>
-          </p:cNvPr>
+          <p:cNvPr id="4" name="Date Placeholder 3"/>
           <p:cNvSpPr>
             <a:spLocks noGrp="1"/>
           </p:cNvSpPr>
@@ -1562,13 +3806,7 @@
       </p:sp>
       <p:sp>
         <p:nvSpPr>
-          <p:cNvPr id="5" name="Footer Placeholder 4">
-            <a:extLst>
-              <a:ext uri="{FF2B5EF4-FFF2-40B4-BE49-F238E27FC236}">
-                <a16:creationId xmlns:a16="http://schemas.microsoft.com/office/drawing/2014/main" id="{F7342E8C-C9A2-5E9E-A581-F2BD30E594C1}"/>
-              </a:ext>
-            </a:extLst>
-          </p:cNvPr>
+          <p:cNvPr id="5" name="Footer Placeholder 4"/>
           <p:cNvSpPr>
             <a:spLocks noGrp="1"/>
           </p:cNvSpPr>
@@ -1587,13 +3825,7 @@
       </p:sp>
       <p:sp>
         <p:nvSpPr>
-          <p:cNvPr id="6" name="Slide Number Placeholder 5">
-            <a:extLst>
-              <a:ext uri="{FF2B5EF4-FFF2-40B4-BE49-F238E27FC236}">
-                <a16:creationId xmlns:a16="http://schemas.microsoft.com/office/drawing/2014/main" id="{0657FE16-CC13-6B45-0F2C-B01821578019}"/>
-              </a:ext>
-            </a:extLst>
-          </p:cNvPr>
+          <p:cNvPr id="6" name="Slide Number Placeholder 5"/>
           <p:cNvSpPr>
             <a:spLocks noGrp="1"/>
           </p:cNvSpPr>
@@ -1617,7 +3849,7 @@
     </p:spTree>
     <p:extLst>
       <p:ext uri="{BB962C8B-B14F-4D97-AF65-F5344CB8AC3E}">
-        <p14:creationId xmlns:p14="http://schemas.microsoft.com/office/powerpoint/2010/main" val="1399641480"/>
+        <p14:creationId xmlns:p14="http://schemas.microsoft.com/office/powerpoint/2010/main" val="2039615863"/>
       </p:ext>
     </p:extLst>
   </p:cSld>
@@ -1646,13 +3878,7 @@
       </p:grpSpPr>
       <p:sp>
         <p:nvSpPr>
-          <p:cNvPr id="2" name="Title 1">
-            <a:extLst>
-              <a:ext uri="{FF2B5EF4-FFF2-40B4-BE49-F238E27FC236}">
-                <a16:creationId xmlns:a16="http://schemas.microsoft.com/office/drawing/2014/main" id="{C8B7F34C-0182-B3B4-0D59-5F8A136380D8}"/>
-              </a:ext>
-            </a:extLst>
-          </p:cNvPr>
+          <p:cNvPr id="2" name="Title 1"/>
           <p:cNvSpPr>
             <a:spLocks noGrp="1"/>
           </p:cNvSpPr>
@@ -1669,19 +3895,13 @@
               <a:rPr lang="en-US"/>
               <a:t>Click to edit Master title style</a:t>
             </a:r>
-            <a:endParaRPr lang="en-GB"/>
-          </a:p>
-        </p:txBody>
-      </p:sp>
-      <p:sp>
-        <p:nvSpPr>
-          <p:cNvPr id="3" name="Content Placeholder 2">
-            <a:extLst>
-              <a:ext uri="{FF2B5EF4-FFF2-40B4-BE49-F238E27FC236}">
-                <a16:creationId xmlns:a16="http://schemas.microsoft.com/office/drawing/2014/main" id="{8D0B6492-D39A-7F51-7779-89C76FC17B16}"/>
-              </a:ext>
-            </a:extLst>
-          </p:cNvPr>
+            <a:endParaRPr lang="en-US" dirty="0"/>
+          </a:p>
+        </p:txBody>
+      </p:sp>
+      <p:sp>
+        <p:nvSpPr>
+          <p:cNvPr id="3" name="Content Placeholder 2"/>
           <p:cNvSpPr>
             <a:spLocks noGrp="1"/>
           </p:cNvSpPr>
@@ -1691,8 +3911,8 @@
         </p:nvSpPr>
         <p:spPr>
           <a:xfrm>
-            <a:off x="838200" y="1825625"/>
-            <a:ext cx="5181600" cy="4351338"/>
+            <a:off x="677334" y="2160589"/>
+            <a:ext cx="4184035" cy="3880772"/>
           </a:xfrm>
         </p:spPr>
         <p:txBody>
@@ -1732,19 +3952,13 @@
               <a:rPr lang="en-US"/>
               <a:t>Fifth level</a:t>
             </a:r>
-            <a:endParaRPr lang="en-GB"/>
-          </a:p>
-        </p:txBody>
-      </p:sp>
-      <p:sp>
-        <p:nvSpPr>
-          <p:cNvPr id="4" name="Content Placeholder 3">
-            <a:extLst>
-              <a:ext uri="{FF2B5EF4-FFF2-40B4-BE49-F238E27FC236}">
-                <a16:creationId xmlns:a16="http://schemas.microsoft.com/office/drawing/2014/main" id="{22A797A9-8B45-9F37-175F-1CB0E43EBC96}"/>
-              </a:ext>
-            </a:extLst>
-          </p:cNvPr>
+            <a:endParaRPr lang="en-US" dirty="0"/>
+          </a:p>
+        </p:txBody>
+      </p:sp>
+      <p:sp>
+        <p:nvSpPr>
+          <p:cNvPr id="4" name="Content Placeholder 3"/>
           <p:cNvSpPr>
             <a:spLocks noGrp="1"/>
           </p:cNvSpPr>
@@ -1754,8 +3968,8 @@
         </p:nvSpPr>
         <p:spPr>
           <a:xfrm>
-            <a:off x="6172200" y="1825625"/>
-            <a:ext cx="5181600" cy="4351338"/>
+            <a:off x="5089970" y="2160589"/>
+            <a:ext cx="4184034" cy="3880773"/>
           </a:xfrm>
         </p:spPr>
         <p:txBody>
@@ -1795,19 +4009,13 @@
               <a:rPr lang="en-US"/>
               <a:t>Fifth level</a:t>
             </a:r>
-            <a:endParaRPr lang="en-GB"/>
-          </a:p>
-        </p:txBody>
-      </p:sp>
-      <p:sp>
-        <p:nvSpPr>
-          <p:cNvPr id="5" name="Date Placeholder 4">
-            <a:extLst>
-              <a:ext uri="{FF2B5EF4-FFF2-40B4-BE49-F238E27FC236}">
-                <a16:creationId xmlns:a16="http://schemas.microsoft.com/office/drawing/2014/main" id="{CAE9B52E-C7BA-D4B0-3E26-BB0DBAA67F90}"/>
-              </a:ext>
-            </a:extLst>
-          </p:cNvPr>
+            <a:endParaRPr lang="en-US" dirty="0"/>
+          </a:p>
+        </p:txBody>
+      </p:sp>
+      <p:sp>
+        <p:nvSpPr>
+          <p:cNvPr id="5" name="Date Placeholder 4"/>
           <p:cNvSpPr>
             <a:spLocks noGrp="1"/>
           </p:cNvSpPr>
@@ -1830,13 +4038,7 @@
       </p:sp>
       <p:sp>
         <p:nvSpPr>
-          <p:cNvPr id="6" name="Footer Placeholder 5">
-            <a:extLst>
-              <a:ext uri="{FF2B5EF4-FFF2-40B4-BE49-F238E27FC236}">
-                <a16:creationId xmlns:a16="http://schemas.microsoft.com/office/drawing/2014/main" id="{F5A87271-5011-D843-4079-8566A4806211}"/>
-              </a:ext>
-            </a:extLst>
-          </p:cNvPr>
+          <p:cNvPr id="6" name="Footer Placeholder 5"/>
           <p:cNvSpPr>
             <a:spLocks noGrp="1"/>
           </p:cNvSpPr>
@@ -1855,13 +4057,7 @@
       </p:sp>
       <p:sp>
         <p:nvSpPr>
-          <p:cNvPr id="7" name="Slide Number Placeholder 6">
-            <a:extLst>
-              <a:ext uri="{FF2B5EF4-FFF2-40B4-BE49-F238E27FC236}">
-                <a16:creationId xmlns:a16="http://schemas.microsoft.com/office/drawing/2014/main" id="{8F1EAD3D-5FC1-5986-6702-3BE03B9FC739}"/>
-              </a:ext>
-            </a:extLst>
-          </p:cNvPr>
+          <p:cNvPr id="7" name="Slide Number Placeholder 6"/>
           <p:cNvSpPr>
             <a:spLocks noGrp="1"/>
           </p:cNvSpPr>
@@ -1885,7 +4081,7 @@
     </p:spTree>
     <p:extLst>
       <p:ext uri="{BB962C8B-B14F-4D97-AF65-F5344CB8AC3E}">
-        <p14:creationId xmlns:p14="http://schemas.microsoft.com/office/powerpoint/2010/main" val="1955076657"/>
+        <p14:creationId xmlns:p14="http://schemas.microsoft.com/office/powerpoint/2010/main" val="1377716812"/>
       </p:ext>
     </p:extLst>
   </p:cSld>
@@ -1914,66 +4110,55 @@
       </p:grpSpPr>
       <p:sp>
         <p:nvSpPr>
-          <p:cNvPr id="2" name="Title 1">
-            <a:extLst>
-              <a:ext uri="{FF2B5EF4-FFF2-40B4-BE49-F238E27FC236}">
-                <a16:creationId xmlns:a16="http://schemas.microsoft.com/office/drawing/2014/main" id="{40FD9CBB-15E1-A838-620E-9B63E352381E}"/>
-              </a:ext>
-            </a:extLst>
-          </p:cNvPr>
+          <p:cNvPr id="2" name="Title 1"/>
           <p:cNvSpPr>
             <a:spLocks noGrp="1"/>
           </p:cNvSpPr>
           <p:nvPr>
             <p:ph type="title"/>
+          </p:nvPr>
+        </p:nvSpPr>
+        <p:spPr/>
+        <p:txBody>
+          <a:bodyPr/>
+          <a:lstStyle>
+            <a:lvl1pPr>
+              <a:defRPr/>
+            </a:lvl1pPr>
+          </a:lstStyle>
+          <a:p>
+            <a:r>
+              <a:rPr lang="en-US"/>
+              <a:t>Click to edit Master title style</a:t>
+            </a:r>
+            <a:endParaRPr lang="en-US" dirty="0"/>
+          </a:p>
+        </p:txBody>
+      </p:sp>
+      <p:sp>
+        <p:nvSpPr>
+          <p:cNvPr id="3" name="Text Placeholder 2"/>
+          <p:cNvSpPr>
+            <a:spLocks noGrp="1"/>
+          </p:cNvSpPr>
+          <p:nvPr>
+            <p:ph type="body" idx="1"/>
           </p:nvPr>
         </p:nvSpPr>
         <p:spPr>
           <a:xfrm>
-            <a:off x="839788" y="365125"/>
-            <a:ext cx="10515600" cy="1325563"/>
+            <a:off x="675745" y="2160983"/>
+            <a:ext cx="4185623" cy="576262"/>
           </a:xfrm>
         </p:spPr>
         <p:txBody>
-          <a:bodyPr/>
-          <a:lstStyle/>
-          <a:p>
-            <a:r>
-              <a:rPr lang="en-US"/>
-              <a:t>Click to edit Master title style</a:t>
-            </a:r>
-            <a:endParaRPr lang="en-GB"/>
-          </a:p>
-        </p:txBody>
-      </p:sp>
-      <p:sp>
-        <p:nvSpPr>
-          <p:cNvPr id="3" name="Text Placeholder 2">
-            <a:extLst>
-              <a:ext uri="{FF2B5EF4-FFF2-40B4-BE49-F238E27FC236}">
-                <a16:creationId xmlns:a16="http://schemas.microsoft.com/office/drawing/2014/main" id="{92C836FF-429B-6EF9-902A-C58ECBBB26D3}"/>
-              </a:ext>
-            </a:extLst>
-          </p:cNvPr>
-          <p:cNvSpPr>
-            <a:spLocks noGrp="1"/>
-          </p:cNvSpPr>
-          <p:nvPr>
-            <p:ph type="body" idx="1"/>
-          </p:nvPr>
-        </p:nvSpPr>
-        <p:spPr>
-          <a:xfrm>
-            <a:off x="839788" y="1681163"/>
-            <a:ext cx="5157787" cy="823912"/>
-          </a:xfrm>
-        </p:spPr>
-        <p:txBody>
-          <a:bodyPr anchor="b"/>
+          <a:bodyPr anchor="b">
+            <a:noAutofit/>
+          </a:bodyPr>
           <a:lstStyle>
             <a:lvl1pPr marL="0" indent="0">
               <a:buNone/>
-              <a:defRPr sz="2400" b="1"/>
+              <a:defRPr sz="2400" b="0"/>
             </a:lvl1pPr>
             <a:lvl2pPr marL="457200" indent="0">
               <a:buNone/>
@@ -2019,13 +4204,7 @@
       </p:sp>
       <p:sp>
         <p:nvSpPr>
-          <p:cNvPr id="4" name="Content Placeholder 3">
-            <a:extLst>
-              <a:ext uri="{FF2B5EF4-FFF2-40B4-BE49-F238E27FC236}">
-                <a16:creationId xmlns:a16="http://schemas.microsoft.com/office/drawing/2014/main" id="{95FFC805-FE19-784A-5392-94FC66999879}"/>
-              </a:ext>
-            </a:extLst>
-          </p:cNvPr>
+          <p:cNvPr id="4" name="Content Placeholder 3"/>
           <p:cNvSpPr>
             <a:spLocks noGrp="1"/>
           </p:cNvSpPr>
@@ -2035,12 +4214,14 @@
         </p:nvSpPr>
         <p:spPr>
           <a:xfrm>
-            <a:off x="839788" y="2505075"/>
-            <a:ext cx="5157787" cy="3684588"/>
+            <a:off x="675745" y="2737245"/>
+            <a:ext cx="4185623" cy="3304117"/>
           </a:xfrm>
         </p:spPr>
         <p:txBody>
-          <a:bodyPr/>
+          <a:bodyPr>
+            <a:normAutofit/>
+          </a:bodyPr>
           <a:lstStyle/>
           <a:p>
             <a:pPr lvl="0"/>
@@ -2076,19 +4257,13 @@
               <a:rPr lang="en-US"/>
               <a:t>Fifth level</a:t>
             </a:r>
-            <a:endParaRPr lang="en-GB"/>
-          </a:p>
-        </p:txBody>
-      </p:sp>
-      <p:sp>
-        <p:nvSpPr>
-          <p:cNvPr id="5" name="Text Placeholder 4">
-            <a:extLst>
-              <a:ext uri="{FF2B5EF4-FFF2-40B4-BE49-F238E27FC236}">
-                <a16:creationId xmlns:a16="http://schemas.microsoft.com/office/drawing/2014/main" id="{2D7FED97-A41E-4DB2-88AA-4A95889FACDA}"/>
-              </a:ext>
-            </a:extLst>
-          </p:cNvPr>
+            <a:endParaRPr lang="en-US" dirty="0"/>
+          </a:p>
+        </p:txBody>
+      </p:sp>
+      <p:sp>
+        <p:nvSpPr>
+          <p:cNvPr id="5" name="Text Placeholder 4"/>
           <p:cNvSpPr>
             <a:spLocks noGrp="1"/>
           </p:cNvSpPr>
@@ -2098,16 +4273,18 @@
         </p:nvSpPr>
         <p:spPr>
           <a:xfrm>
-            <a:off x="6172200" y="1681163"/>
-            <a:ext cx="5183188" cy="823912"/>
+            <a:off x="5088383" y="2160983"/>
+            <a:ext cx="4185618" cy="576262"/>
           </a:xfrm>
         </p:spPr>
         <p:txBody>
-          <a:bodyPr anchor="b"/>
+          <a:bodyPr anchor="b">
+            <a:noAutofit/>
+          </a:bodyPr>
           <a:lstStyle>
             <a:lvl1pPr marL="0" indent="0">
               <a:buNone/>
-              <a:defRPr sz="2400" b="1"/>
+              <a:defRPr sz="2400" b="0"/>
             </a:lvl1pPr>
             <a:lvl2pPr marL="457200" indent="0">
               <a:buNone/>
@@ -2153,13 +4330,7 @@
       </p:sp>
       <p:sp>
         <p:nvSpPr>
-          <p:cNvPr id="6" name="Content Placeholder 5">
-            <a:extLst>
-              <a:ext uri="{FF2B5EF4-FFF2-40B4-BE49-F238E27FC236}">
-                <a16:creationId xmlns:a16="http://schemas.microsoft.com/office/drawing/2014/main" id="{D38D1133-A412-A278-E242-CE5EAED1F8C7}"/>
-              </a:ext>
-            </a:extLst>
-          </p:cNvPr>
+          <p:cNvPr id="6" name="Content Placeholder 5"/>
           <p:cNvSpPr>
             <a:spLocks noGrp="1"/>
           </p:cNvSpPr>
@@ -2169,12 +4340,14 @@
         </p:nvSpPr>
         <p:spPr>
           <a:xfrm>
-            <a:off x="6172200" y="2505075"/>
-            <a:ext cx="5183188" cy="3684588"/>
+            <a:off x="5088384" y="2737245"/>
+            <a:ext cx="4185617" cy="3304117"/>
           </a:xfrm>
         </p:spPr>
         <p:txBody>
-          <a:bodyPr/>
+          <a:bodyPr>
+            <a:normAutofit/>
+          </a:bodyPr>
           <a:lstStyle/>
           <a:p>
             <a:pPr lvl="0"/>
@@ -2210,19 +4383,13 @@
               <a:rPr lang="en-US"/>
               <a:t>Fifth level</a:t>
             </a:r>
-            <a:endParaRPr lang="en-GB"/>
-          </a:p>
-        </p:txBody>
-      </p:sp>
-      <p:sp>
-        <p:nvSpPr>
-          <p:cNvPr id="7" name="Date Placeholder 6">
-            <a:extLst>
-              <a:ext uri="{FF2B5EF4-FFF2-40B4-BE49-F238E27FC236}">
-                <a16:creationId xmlns:a16="http://schemas.microsoft.com/office/drawing/2014/main" id="{D4AD1AA4-1417-BC0F-7C81-A538D83F9B7F}"/>
-              </a:ext>
-            </a:extLst>
-          </p:cNvPr>
+            <a:endParaRPr lang="en-US" dirty="0"/>
+          </a:p>
+        </p:txBody>
+      </p:sp>
+      <p:sp>
+        <p:nvSpPr>
+          <p:cNvPr id="7" name="Date Placeholder 6"/>
           <p:cNvSpPr>
             <a:spLocks noGrp="1"/>
           </p:cNvSpPr>
@@ -2245,13 +4412,7 @@
       </p:sp>
       <p:sp>
         <p:nvSpPr>
-          <p:cNvPr id="8" name="Footer Placeholder 7">
-            <a:extLst>
-              <a:ext uri="{FF2B5EF4-FFF2-40B4-BE49-F238E27FC236}">
-                <a16:creationId xmlns:a16="http://schemas.microsoft.com/office/drawing/2014/main" id="{EAE762D2-9C95-E6C3-9051-A672F2D913BE}"/>
-              </a:ext>
-            </a:extLst>
-          </p:cNvPr>
+          <p:cNvPr id="8" name="Footer Placeholder 7"/>
           <p:cNvSpPr>
             <a:spLocks noGrp="1"/>
           </p:cNvSpPr>
@@ -2270,13 +4431,7 @@
       </p:sp>
       <p:sp>
         <p:nvSpPr>
-          <p:cNvPr id="9" name="Slide Number Placeholder 8">
-            <a:extLst>
-              <a:ext uri="{FF2B5EF4-FFF2-40B4-BE49-F238E27FC236}">
-                <a16:creationId xmlns:a16="http://schemas.microsoft.com/office/drawing/2014/main" id="{A6D90FFC-8B3D-B751-ACE4-0A2F195C5651}"/>
-              </a:ext>
-            </a:extLst>
-          </p:cNvPr>
+          <p:cNvPr id="9" name="Slide Number Placeholder 8"/>
           <p:cNvSpPr>
             <a:spLocks noGrp="1"/>
           </p:cNvSpPr>
@@ -2300,7 +4455,7 @@
     </p:spTree>
     <p:extLst>
       <p:ext uri="{BB962C8B-B14F-4D97-AF65-F5344CB8AC3E}">
-        <p14:creationId xmlns:p14="http://schemas.microsoft.com/office/powerpoint/2010/main" val="2205402705"/>
+        <p14:creationId xmlns:p14="http://schemas.microsoft.com/office/powerpoint/2010/main" val="2036830410"/>
       </p:ext>
     </p:extLst>
   </p:cSld>
@@ -2329,13 +4484,7 @@
       </p:grpSpPr>
       <p:sp>
         <p:nvSpPr>
-          <p:cNvPr id="2" name="Title 1">
-            <a:extLst>
-              <a:ext uri="{FF2B5EF4-FFF2-40B4-BE49-F238E27FC236}">
-                <a16:creationId xmlns:a16="http://schemas.microsoft.com/office/drawing/2014/main" id="{54C051A4-D27E-CD89-991D-BE7E0BD9E760}"/>
-              </a:ext>
-            </a:extLst>
-          </p:cNvPr>
+          <p:cNvPr id="2" name="Title 1"/>
           <p:cNvSpPr>
             <a:spLocks noGrp="1"/>
           </p:cNvSpPr>
@@ -2343,7 +4492,12 @@
             <p:ph type="title"/>
           </p:nvPr>
         </p:nvSpPr>
-        <p:spPr/>
+        <p:spPr>
+          <a:xfrm>
+            <a:off x="677334" y="609600"/>
+            <a:ext cx="8596668" cy="1320800"/>
+          </a:xfrm>
+        </p:spPr>
         <p:txBody>
           <a:bodyPr/>
           <a:lstStyle/>
@@ -2352,19 +4506,13 @@
               <a:rPr lang="en-US"/>
               <a:t>Click to edit Master title style</a:t>
             </a:r>
-            <a:endParaRPr lang="en-GB"/>
-          </a:p>
-        </p:txBody>
-      </p:sp>
-      <p:sp>
-        <p:nvSpPr>
-          <p:cNvPr id="3" name="Date Placeholder 2">
-            <a:extLst>
-              <a:ext uri="{FF2B5EF4-FFF2-40B4-BE49-F238E27FC236}">
-                <a16:creationId xmlns:a16="http://schemas.microsoft.com/office/drawing/2014/main" id="{146F57E8-7754-C4EB-DF19-DEB32CD7C7F6}"/>
-              </a:ext>
-            </a:extLst>
-          </p:cNvPr>
+            <a:endParaRPr lang="en-US" dirty="0"/>
+          </a:p>
+        </p:txBody>
+      </p:sp>
+      <p:sp>
+        <p:nvSpPr>
+          <p:cNvPr id="3" name="Date Placeholder 2"/>
           <p:cNvSpPr>
             <a:spLocks noGrp="1"/>
           </p:cNvSpPr>
@@ -2387,13 +4535,7 @@
       </p:sp>
       <p:sp>
         <p:nvSpPr>
-          <p:cNvPr id="4" name="Footer Placeholder 3">
-            <a:extLst>
-              <a:ext uri="{FF2B5EF4-FFF2-40B4-BE49-F238E27FC236}">
-                <a16:creationId xmlns:a16="http://schemas.microsoft.com/office/drawing/2014/main" id="{260B250F-1BB5-C087-98E0-E65C6F32DD00}"/>
-              </a:ext>
-            </a:extLst>
-          </p:cNvPr>
+          <p:cNvPr id="4" name="Footer Placeholder 3"/>
           <p:cNvSpPr>
             <a:spLocks noGrp="1"/>
           </p:cNvSpPr>
@@ -2412,13 +4554,7 @@
       </p:sp>
       <p:sp>
         <p:nvSpPr>
-          <p:cNvPr id="5" name="Slide Number Placeholder 4">
-            <a:extLst>
-              <a:ext uri="{FF2B5EF4-FFF2-40B4-BE49-F238E27FC236}">
-                <a16:creationId xmlns:a16="http://schemas.microsoft.com/office/drawing/2014/main" id="{AE979A58-7BA5-0BB7-BB61-562E73A5E759}"/>
-              </a:ext>
-            </a:extLst>
-          </p:cNvPr>
+          <p:cNvPr id="5" name="Slide Number Placeholder 4"/>
           <p:cNvSpPr>
             <a:spLocks noGrp="1"/>
           </p:cNvSpPr>
@@ -2442,7 +4578,7 @@
     </p:spTree>
     <p:extLst>
       <p:ext uri="{BB962C8B-B14F-4D97-AF65-F5344CB8AC3E}">
-        <p14:creationId xmlns:p14="http://schemas.microsoft.com/office/powerpoint/2010/main" val="96221351"/>
+        <p14:creationId xmlns:p14="http://schemas.microsoft.com/office/powerpoint/2010/main" val="295712459"/>
       </p:ext>
     </p:extLst>
   </p:cSld>
@@ -2471,13 +4607,7 @@
       </p:grpSpPr>
       <p:sp>
         <p:nvSpPr>
-          <p:cNvPr id="2" name="Date Placeholder 1">
-            <a:extLst>
-              <a:ext uri="{FF2B5EF4-FFF2-40B4-BE49-F238E27FC236}">
-                <a16:creationId xmlns:a16="http://schemas.microsoft.com/office/drawing/2014/main" id="{BD78B4E5-1EEF-17A5-5AB8-207081874F46}"/>
-              </a:ext>
-            </a:extLst>
-          </p:cNvPr>
+          <p:cNvPr id="2" name="Date Placeholder 1"/>
           <p:cNvSpPr>
             <a:spLocks noGrp="1"/>
           </p:cNvSpPr>
@@ -2500,13 +4630,7 @@
       </p:sp>
       <p:sp>
         <p:nvSpPr>
-          <p:cNvPr id="3" name="Footer Placeholder 2">
-            <a:extLst>
-              <a:ext uri="{FF2B5EF4-FFF2-40B4-BE49-F238E27FC236}">
-                <a16:creationId xmlns:a16="http://schemas.microsoft.com/office/drawing/2014/main" id="{A1D2A78B-FC91-FE3F-DB9A-724BA4A8CBD3}"/>
-              </a:ext>
-            </a:extLst>
-          </p:cNvPr>
+          <p:cNvPr id="3" name="Footer Placeholder 2"/>
           <p:cNvSpPr>
             <a:spLocks noGrp="1"/>
           </p:cNvSpPr>
@@ -2525,13 +4649,7 @@
       </p:sp>
       <p:sp>
         <p:nvSpPr>
-          <p:cNvPr id="4" name="Slide Number Placeholder 3">
-            <a:extLst>
-              <a:ext uri="{FF2B5EF4-FFF2-40B4-BE49-F238E27FC236}">
-                <a16:creationId xmlns:a16="http://schemas.microsoft.com/office/drawing/2014/main" id="{8A8153C0-62CD-479B-660A-192C845D9FEF}"/>
-              </a:ext>
-            </a:extLst>
-          </p:cNvPr>
+          <p:cNvPr id="4" name="Slide Number Placeholder 3"/>
           <p:cNvSpPr>
             <a:spLocks noGrp="1"/>
           </p:cNvSpPr>
@@ -2555,7 +4673,7 @@
     </p:spTree>
     <p:extLst>
       <p:ext uri="{BB962C8B-B14F-4D97-AF65-F5344CB8AC3E}">
-        <p14:creationId xmlns:p14="http://schemas.microsoft.com/office/powerpoint/2010/main" val="3282047759"/>
+        <p14:creationId xmlns:p14="http://schemas.microsoft.com/office/powerpoint/2010/main" val="1167392838"/>
       </p:ext>
     </p:extLst>
   </p:cSld>
@@ -2584,13 +4702,7 @@
       </p:grpSpPr>
       <p:sp>
         <p:nvSpPr>
-          <p:cNvPr id="2" name="Title 1">
-            <a:extLst>
-              <a:ext uri="{FF2B5EF4-FFF2-40B4-BE49-F238E27FC236}">
-                <a16:creationId xmlns:a16="http://schemas.microsoft.com/office/drawing/2014/main" id="{3358E420-FAE2-F2DF-6969-BA716E32E1AB}"/>
-              </a:ext>
-            </a:extLst>
-          </p:cNvPr>
+          <p:cNvPr id="2" name="Title 1"/>
           <p:cNvSpPr>
             <a:spLocks noGrp="1"/>
           </p:cNvSpPr>
@@ -2600,15 +4712,17 @@
         </p:nvSpPr>
         <p:spPr>
           <a:xfrm>
-            <a:off x="839788" y="457200"/>
-            <a:ext cx="3932237" cy="1600200"/>
+            <a:off x="677334" y="1498604"/>
+            <a:ext cx="3854528" cy="1278466"/>
           </a:xfrm>
         </p:spPr>
         <p:txBody>
-          <a:bodyPr anchor="b"/>
+          <a:bodyPr anchor="b">
+            <a:normAutofit/>
+          </a:bodyPr>
           <a:lstStyle>
             <a:lvl1pPr>
-              <a:defRPr sz="3200"/>
+              <a:defRPr sz="2000"/>
             </a:lvl1pPr>
           </a:lstStyle>
           <a:p>
@@ -2616,19 +4730,13 @@
               <a:rPr lang="en-US"/>
               <a:t>Click to edit Master title style</a:t>
             </a:r>
-            <a:endParaRPr lang="en-GB"/>
-          </a:p>
-        </p:txBody>
-      </p:sp>
-      <p:sp>
-        <p:nvSpPr>
-          <p:cNvPr id="3" name="Content Placeholder 2">
-            <a:extLst>
-              <a:ext uri="{FF2B5EF4-FFF2-40B4-BE49-F238E27FC236}">
-                <a16:creationId xmlns:a16="http://schemas.microsoft.com/office/drawing/2014/main" id="{5BF97A54-761F-5A56-1A72-1802A931CA38}"/>
-              </a:ext>
-            </a:extLst>
-          </p:cNvPr>
+            <a:endParaRPr lang="en-US" dirty="0"/>
+          </a:p>
+        </p:txBody>
+      </p:sp>
+      <p:sp>
+        <p:nvSpPr>
+          <p:cNvPr id="3" name="Content Placeholder 2"/>
           <p:cNvSpPr>
             <a:spLocks noGrp="1"/>
           </p:cNvSpPr>
@@ -2638,41 +4746,15 @@
         </p:nvSpPr>
         <p:spPr>
           <a:xfrm>
-            <a:off x="5183188" y="987425"/>
-            <a:ext cx="6172200" cy="4873625"/>
+            <a:off x="4760461" y="514924"/>
+            <a:ext cx="4513541" cy="5526437"/>
           </a:xfrm>
         </p:spPr>
         <p:txBody>
-          <a:bodyPr/>
-          <a:lstStyle>
-            <a:lvl1pPr>
-              <a:defRPr sz="3200"/>
-            </a:lvl1pPr>
-            <a:lvl2pPr>
-              <a:defRPr sz="2800"/>
-            </a:lvl2pPr>
-            <a:lvl3pPr>
-              <a:defRPr sz="2400"/>
-            </a:lvl3pPr>
-            <a:lvl4pPr>
-              <a:defRPr sz="2000"/>
-            </a:lvl4pPr>
-            <a:lvl5pPr>
-              <a:defRPr sz="2000"/>
-            </a:lvl5pPr>
-            <a:lvl6pPr>
-              <a:defRPr sz="2000"/>
-            </a:lvl6pPr>
-            <a:lvl7pPr>
-              <a:defRPr sz="2000"/>
-            </a:lvl7pPr>
-            <a:lvl8pPr>
-              <a:defRPr sz="2000"/>
-            </a:lvl8pPr>
-            <a:lvl9pPr>
-              <a:defRPr sz="2000"/>
-            </a:lvl9pPr>
-          </a:lstStyle>
+          <a:bodyPr>
+            <a:normAutofit/>
+          </a:bodyPr>
+          <a:lstStyle/>
           <a:p>
             <a:pPr lvl="0"/>
             <a:r>
@@ -2707,19 +4789,13 @@
               <a:rPr lang="en-US"/>
               <a:t>Fifth level</a:t>
             </a:r>
-            <a:endParaRPr lang="en-GB"/>
-          </a:p>
-        </p:txBody>
-      </p:sp>
-      <p:sp>
-        <p:nvSpPr>
-          <p:cNvPr id="4" name="Text Placeholder 3">
-            <a:extLst>
-              <a:ext uri="{FF2B5EF4-FFF2-40B4-BE49-F238E27FC236}">
-                <a16:creationId xmlns:a16="http://schemas.microsoft.com/office/drawing/2014/main" id="{6760BD36-21D8-EC11-99D7-D06D776400E3}"/>
-              </a:ext>
-            </a:extLst>
-          </p:cNvPr>
+            <a:endParaRPr lang="en-US" dirty="0"/>
+          </a:p>
+        </p:txBody>
+      </p:sp>
+      <p:sp>
+        <p:nvSpPr>
+          <p:cNvPr id="4" name="Text Placeholder 3"/>
           <p:cNvSpPr>
             <a:spLocks noGrp="1"/>
           </p:cNvSpPr>
@@ -2729,46 +4805,48 @@
         </p:nvSpPr>
         <p:spPr>
           <a:xfrm>
-            <a:off x="839788" y="2057400"/>
-            <a:ext cx="3932237" cy="3811588"/>
+            <a:off x="677334" y="2777069"/>
+            <a:ext cx="3854528" cy="2584449"/>
           </a:xfrm>
         </p:spPr>
         <p:txBody>
-          <a:bodyPr/>
+          <a:bodyPr>
+            <a:normAutofit/>
+          </a:bodyPr>
           <a:lstStyle>
             <a:lvl1pPr marL="0" indent="0">
               <a:buNone/>
-              <a:defRPr sz="1600"/>
+              <a:defRPr sz="1400"/>
             </a:lvl1pPr>
-            <a:lvl2pPr marL="457200" indent="0">
+            <a:lvl2pPr marL="457063" indent="0">
               <a:buNone/>
               <a:defRPr sz="1400"/>
             </a:lvl2pPr>
-            <a:lvl3pPr marL="914400" indent="0">
+            <a:lvl3pPr marL="914126" indent="0">
               <a:buNone/>
               <a:defRPr sz="1200"/>
             </a:lvl3pPr>
-            <a:lvl4pPr marL="1371600" indent="0">
+            <a:lvl4pPr marL="1371189" indent="0">
               <a:buNone/>
               <a:defRPr sz="1000"/>
             </a:lvl4pPr>
-            <a:lvl5pPr marL="1828800" indent="0">
+            <a:lvl5pPr marL="1828251" indent="0">
               <a:buNone/>
               <a:defRPr sz="1000"/>
             </a:lvl5pPr>
-            <a:lvl6pPr marL="2286000" indent="0">
+            <a:lvl6pPr marL="2285314" indent="0">
               <a:buNone/>
               <a:defRPr sz="1000"/>
             </a:lvl6pPr>
-            <a:lvl7pPr marL="2743200" indent="0">
+            <a:lvl7pPr marL="2742377" indent="0">
               <a:buNone/>
               <a:defRPr sz="1000"/>
             </a:lvl7pPr>
-            <a:lvl8pPr marL="3200400" indent="0">
+            <a:lvl8pPr marL="3199440" indent="0">
               <a:buNone/>
               <a:defRPr sz="1000"/>
             </a:lvl8pPr>
-            <a:lvl9pPr marL="3657600" indent="0">
+            <a:lvl9pPr marL="3656503" indent="0">
               <a:buNone/>
               <a:defRPr sz="1000"/>
             </a:lvl9pPr>
@@ -2784,13 +4862,7 @@
       </p:sp>
       <p:sp>
         <p:nvSpPr>
-          <p:cNvPr id="5" name="Date Placeholder 4">
-            <a:extLst>
-              <a:ext uri="{FF2B5EF4-FFF2-40B4-BE49-F238E27FC236}">
-                <a16:creationId xmlns:a16="http://schemas.microsoft.com/office/drawing/2014/main" id="{B8CB5691-F8D9-27AA-1D0C-FFD88B6B89D4}"/>
-              </a:ext>
-            </a:extLst>
-          </p:cNvPr>
+          <p:cNvPr id="5" name="Date Placeholder 4"/>
           <p:cNvSpPr>
             <a:spLocks noGrp="1"/>
           </p:cNvSpPr>
@@ -2813,13 +4885,7 @@
       </p:sp>
       <p:sp>
         <p:nvSpPr>
-          <p:cNvPr id="6" name="Footer Placeholder 5">
-            <a:extLst>
-              <a:ext uri="{FF2B5EF4-FFF2-40B4-BE49-F238E27FC236}">
-                <a16:creationId xmlns:a16="http://schemas.microsoft.com/office/drawing/2014/main" id="{A445E171-B0A0-6DF5-4F3E-F1FACDC2FA60}"/>
-              </a:ext>
-            </a:extLst>
-          </p:cNvPr>
+          <p:cNvPr id="6" name="Footer Placeholder 5"/>
           <p:cNvSpPr>
             <a:spLocks noGrp="1"/>
           </p:cNvSpPr>
@@ -2838,13 +4904,7 @@
       </p:sp>
       <p:sp>
         <p:nvSpPr>
-          <p:cNvPr id="7" name="Slide Number Placeholder 6">
-            <a:extLst>
-              <a:ext uri="{FF2B5EF4-FFF2-40B4-BE49-F238E27FC236}">
-                <a16:creationId xmlns:a16="http://schemas.microsoft.com/office/drawing/2014/main" id="{A5D11A92-DE5C-60F2-D77F-57397092E99C}"/>
-              </a:ext>
-            </a:extLst>
-          </p:cNvPr>
+          <p:cNvPr id="7" name="Slide Number Placeholder 6"/>
           <p:cNvSpPr>
             <a:spLocks noGrp="1"/>
           </p:cNvSpPr>
@@ -2868,7 +4928,7 @@
     </p:spTree>
     <p:extLst>
       <p:ext uri="{BB962C8B-B14F-4D97-AF65-F5344CB8AC3E}">
-        <p14:creationId xmlns:p14="http://schemas.microsoft.com/office/powerpoint/2010/main" val="3665571407"/>
+        <p14:creationId xmlns:p14="http://schemas.microsoft.com/office/powerpoint/2010/main" val="3571811683"/>
       </p:ext>
     </p:extLst>
   </p:cSld>
@@ -2897,13 +4957,7 @@
       </p:grpSpPr>
       <p:sp>
         <p:nvSpPr>
-          <p:cNvPr id="2" name="Title 1">
-            <a:extLst>
-              <a:ext uri="{FF2B5EF4-FFF2-40B4-BE49-F238E27FC236}">
-                <a16:creationId xmlns:a16="http://schemas.microsoft.com/office/drawing/2014/main" id="{960E4BFF-FA23-0C48-D7C0-B74368A09823}"/>
-              </a:ext>
-            </a:extLst>
-          </p:cNvPr>
+          <p:cNvPr id="2" name="Title 1"/>
           <p:cNvSpPr>
             <a:spLocks noGrp="1"/>
           </p:cNvSpPr>
@@ -2913,15 +4967,17 @@
         </p:nvSpPr>
         <p:spPr>
           <a:xfrm>
-            <a:off x="839788" y="457200"/>
-            <a:ext cx="3932237" cy="1600200"/>
+            <a:off x="677334" y="4800600"/>
+            <a:ext cx="8596667" cy="566738"/>
           </a:xfrm>
         </p:spPr>
         <p:txBody>
-          <a:bodyPr anchor="b"/>
+          <a:bodyPr anchor="b">
+            <a:normAutofit/>
+          </a:bodyPr>
           <a:lstStyle>
-            <a:lvl1pPr>
-              <a:defRPr sz="3200"/>
+            <a:lvl1pPr algn="l">
+              <a:defRPr sz="2400" b="0"/>
             </a:lvl1pPr>
           </a:lstStyle>
           <a:p>
@@ -2929,21 +4985,15 @@
               <a:rPr lang="en-US"/>
               <a:t>Click to edit Master title style</a:t>
             </a:r>
-            <a:endParaRPr lang="en-GB"/>
-          </a:p>
-        </p:txBody>
-      </p:sp>
-      <p:sp>
-        <p:nvSpPr>
-          <p:cNvPr id="3" name="Picture Placeholder 2">
-            <a:extLst>
-              <a:ext uri="{FF2B5EF4-FFF2-40B4-BE49-F238E27FC236}">
-                <a16:creationId xmlns:a16="http://schemas.microsoft.com/office/drawing/2014/main" id="{62837DE1-C240-7DBA-4E48-B4C9B30CC8B6}"/>
-              </a:ext>
-            </a:extLst>
-          </p:cNvPr>
-          <p:cNvSpPr>
-            <a:spLocks noGrp="1"/>
+            <a:endParaRPr lang="en-US" dirty="0"/>
+          </a:p>
+        </p:txBody>
+      </p:sp>
+      <p:sp>
+        <p:nvSpPr>
+          <p:cNvPr id="3" name="Picture Placeholder 2"/>
+          <p:cNvSpPr>
+            <a:spLocks noGrp="1" noChangeAspect="1"/>
           </p:cNvSpPr>
           <p:nvPr>
             <p:ph type="pic" idx="1"/>
@@ -2951,118 +5001,120 @@
         </p:nvSpPr>
         <p:spPr>
           <a:xfrm>
-            <a:off x="5183188" y="987425"/>
-            <a:ext cx="6172200" cy="4873625"/>
+            <a:off x="677334" y="609600"/>
+            <a:ext cx="8596668" cy="3845718"/>
           </a:xfrm>
         </p:spPr>
         <p:txBody>
-          <a:bodyPr/>
+          <a:bodyPr anchor="t">
+            <a:normAutofit/>
+          </a:bodyPr>
           <a:lstStyle>
-            <a:lvl1pPr marL="0" indent="0">
-              <a:buNone/>
-              <a:defRPr sz="3200"/>
-            </a:lvl1pPr>
-            <a:lvl2pPr marL="457200" indent="0">
-              <a:buNone/>
-              <a:defRPr sz="2800"/>
-            </a:lvl2pPr>
-            <a:lvl3pPr marL="914400" indent="0">
-              <a:buNone/>
-              <a:defRPr sz="2400"/>
-            </a:lvl3pPr>
-            <a:lvl4pPr marL="1371600" indent="0">
-              <a:buNone/>
-              <a:defRPr sz="2000"/>
-            </a:lvl4pPr>
-            <a:lvl5pPr marL="1828800" indent="0">
-              <a:buNone/>
-              <a:defRPr sz="2000"/>
-            </a:lvl5pPr>
-            <a:lvl6pPr marL="2286000" indent="0">
-              <a:buNone/>
-              <a:defRPr sz="2000"/>
-            </a:lvl6pPr>
-            <a:lvl7pPr marL="2743200" indent="0">
-              <a:buNone/>
-              <a:defRPr sz="2000"/>
-            </a:lvl7pPr>
-            <a:lvl8pPr marL="3200400" indent="0">
-              <a:buNone/>
-              <a:defRPr sz="2000"/>
-            </a:lvl8pPr>
-            <a:lvl9pPr marL="3657600" indent="0">
-              <a:buNone/>
-              <a:defRPr sz="2000"/>
-            </a:lvl9pPr>
-          </a:lstStyle>
-          <a:p>
-            <a:endParaRPr lang="en-GB"/>
-          </a:p>
-        </p:txBody>
-      </p:sp>
-      <p:sp>
-        <p:nvSpPr>
-          <p:cNvPr id="4" name="Text Placeholder 3">
-            <a:extLst>
-              <a:ext uri="{FF2B5EF4-FFF2-40B4-BE49-F238E27FC236}">
-                <a16:creationId xmlns:a16="http://schemas.microsoft.com/office/drawing/2014/main" id="{4EBF144F-5D3D-DC8B-9F68-DECDFA5EF0AC}"/>
-              </a:ext>
-            </a:extLst>
-          </p:cNvPr>
-          <p:cNvSpPr>
-            <a:spLocks noGrp="1"/>
-          </p:cNvSpPr>
-          <p:nvPr>
-            <p:ph type="body" sz="half" idx="2"/>
-          </p:nvPr>
-        </p:nvSpPr>
-        <p:spPr>
-          <a:xfrm>
-            <a:off x="839788" y="2057400"/>
-            <a:ext cx="3932237" cy="3811588"/>
-          </a:xfrm>
-        </p:spPr>
-        <p:txBody>
-          <a:bodyPr/>
-          <a:lstStyle>
-            <a:lvl1pPr marL="0" indent="0">
+            <a:lvl1pPr marL="0" indent="0" algn="ctr">
               <a:buNone/>
               <a:defRPr sz="1600"/>
             </a:lvl1pPr>
             <a:lvl2pPr marL="457200" indent="0">
               <a:buNone/>
-              <a:defRPr sz="1400"/>
+              <a:defRPr sz="1600"/>
             </a:lvl2pPr>
             <a:lvl3pPr marL="914400" indent="0">
               <a:buNone/>
-              <a:defRPr sz="1200"/>
+              <a:defRPr sz="1600"/>
             </a:lvl3pPr>
             <a:lvl4pPr marL="1371600" indent="0">
               <a:buNone/>
-              <a:defRPr sz="1000"/>
+              <a:defRPr sz="1600"/>
             </a:lvl4pPr>
             <a:lvl5pPr marL="1828800" indent="0">
               <a:buNone/>
-              <a:defRPr sz="1000"/>
+              <a:defRPr sz="1600"/>
             </a:lvl5pPr>
             <a:lvl6pPr marL="2286000" indent="0">
               <a:buNone/>
-              <a:defRPr sz="1000"/>
+              <a:defRPr sz="1600"/>
             </a:lvl6pPr>
             <a:lvl7pPr marL="2743200" indent="0">
               <a:buNone/>
-              <a:defRPr sz="1000"/>
+              <a:defRPr sz="1600"/>
             </a:lvl7pPr>
             <a:lvl8pPr marL="3200400" indent="0">
               <a:buNone/>
-              <a:defRPr sz="1000"/>
+              <a:defRPr sz="1600"/>
             </a:lvl8pPr>
             <a:lvl9pPr marL="3657600" indent="0">
               <a:buNone/>
-              <a:defRPr sz="1000"/>
+              <a:defRPr sz="1600"/>
             </a:lvl9pPr>
           </a:lstStyle>
           <a:p>
+            <a:r>
+              <a:rPr lang="en-US"/>
+              <a:t>Click icon to add picture</a:t>
+            </a:r>
+            <a:endParaRPr lang="en-US" dirty="0"/>
+          </a:p>
+        </p:txBody>
+      </p:sp>
+      <p:sp>
+        <p:nvSpPr>
+          <p:cNvPr id="4" name="Text Placeholder 3"/>
+          <p:cNvSpPr>
+            <a:spLocks noGrp="1"/>
+          </p:cNvSpPr>
+          <p:nvPr>
+            <p:ph type="body" sz="half" idx="2"/>
+          </p:nvPr>
+        </p:nvSpPr>
+        <p:spPr>
+          <a:xfrm>
+            <a:off x="677334" y="5367338"/>
+            <a:ext cx="8596667" cy="674024"/>
+          </a:xfrm>
+        </p:spPr>
+        <p:txBody>
+          <a:bodyPr>
+            <a:normAutofit/>
+          </a:bodyPr>
+          <a:lstStyle>
+            <a:lvl1pPr marL="0" indent="0">
+              <a:buNone/>
+              <a:defRPr sz="1200"/>
+            </a:lvl1pPr>
+            <a:lvl2pPr marL="457200" indent="0">
+              <a:buNone/>
+              <a:defRPr sz="1200"/>
+            </a:lvl2pPr>
+            <a:lvl3pPr marL="914400" indent="0">
+              <a:buNone/>
+              <a:defRPr sz="1000"/>
+            </a:lvl3pPr>
+            <a:lvl4pPr marL="1371600" indent="0">
+              <a:buNone/>
+              <a:defRPr sz="900"/>
+            </a:lvl4pPr>
+            <a:lvl5pPr marL="1828800" indent="0">
+              <a:buNone/>
+              <a:defRPr sz="900"/>
+            </a:lvl5pPr>
+            <a:lvl6pPr marL="2286000" indent="0">
+              <a:buNone/>
+              <a:defRPr sz="900"/>
+            </a:lvl6pPr>
+            <a:lvl7pPr marL="2743200" indent="0">
+              <a:buNone/>
+              <a:defRPr sz="900"/>
+            </a:lvl7pPr>
+            <a:lvl8pPr marL="3200400" indent="0">
+              <a:buNone/>
+              <a:defRPr sz="900"/>
+            </a:lvl8pPr>
+            <a:lvl9pPr marL="3657600" indent="0">
+              <a:buNone/>
+              <a:defRPr sz="900"/>
+            </a:lvl9pPr>
+          </a:lstStyle>
+          <a:p>
             <a:pPr lvl="0"/>
             <a:r>
               <a:rPr lang="en-US"/>
@@ -3073,13 +5125,7 @@
       </p:sp>
       <p:sp>
         <p:nvSpPr>
-          <p:cNvPr id="5" name="Date Placeholder 4">
-            <a:extLst>
-              <a:ext uri="{FF2B5EF4-FFF2-40B4-BE49-F238E27FC236}">
-                <a16:creationId xmlns:a16="http://schemas.microsoft.com/office/drawing/2014/main" id="{C4132814-30BF-7AD0-6CFD-A89EFEE88FDA}"/>
-              </a:ext>
-            </a:extLst>
-          </p:cNvPr>
+          <p:cNvPr id="5" name="Date Placeholder 4"/>
           <p:cNvSpPr>
             <a:spLocks noGrp="1"/>
           </p:cNvSpPr>
@@ -3102,13 +5148,7 @@
       </p:sp>
       <p:sp>
         <p:nvSpPr>
-          <p:cNvPr id="6" name="Footer Placeholder 5">
-            <a:extLst>
-              <a:ext uri="{FF2B5EF4-FFF2-40B4-BE49-F238E27FC236}">
-                <a16:creationId xmlns:a16="http://schemas.microsoft.com/office/drawing/2014/main" id="{389E449E-51C3-4B38-1C34-7084CED61057}"/>
-              </a:ext>
-            </a:extLst>
-          </p:cNvPr>
+          <p:cNvPr id="6" name="Footer Placeholder 5"/>
           <p:cNvSpPr>
             <a:spLocks noGrp="1"/>
           </p:cNvSpPr>
@@ -3127,13 +5167,7 @@
       </p:sp>
       <p:sp>
         <p:nvSpPr>
-          <p:cNvPr id="7" name="Slide Number Placeholder 6">
-            <a:extLst>
-              <a:ext uri="{FF2B5EF4-FFF2-40B4-BE49-F238E27FC236}">
-                <a16:creationId xmlns:a16="http://schemas.microsoft.com/office/drawing/2014/main" id="{350660C1-5998-EB09-7732-47F1E4FC2F4D}"/>
-              </a:ext>
-            </a:extLst>
-          </p:cNvPr>
+          <p:cNvPr id="7" name="Slide Number Placeholder 6"/>
           <p:cNvSpPr>
             <a:spLocks noGrp="1"/>
           </p:cNvSpPr>
@@ -3157,7 +5191,7 @@
     </p:spTree>
     <p:extLst>
       <p:ext uri="{BB962C8B-B14F-4D97-AF65-F5344CB8AC3E}">
-        <p14:creationId xmlns:p14="http://schemas.microsoft.com/office/powerpoint/2010/main" val="1153536559"/>
+        <p14:creationId xmlns:p14="http://schemas.microsoft.com/office/powerpoint/2010/main" val="4055697695"/>
       </p:ext>
     </p:extLst>
   </p:cSld>
@@ -3189,15 +5223,539 @@
           <a:chExt cx="0" cy="0"/>
         </a:xfrm>
       </p:grpSpPr>
-      <p:sp>
-        <p:nvSpPr>
-          <p:cNvPr id="2" name="Title Placeholder 1">
-            <a:extLst>
-              <a:ext uri="{FF2B5EF4-FFF2-40B4-BE49-F238E27FC236}">
-                <a16:creationId xmlns:a16="http://schemas.microsoft.com/office/drawing/2014/main" id="{FDE8F194-84A9-0406-03EA-632903295377}"/>
-              </a:ext>
-            </a:extLst>
-          </p:cNvPr>
+      <p:grpSp>
+        <p:nvGrpSpPr>
+          <p:cNvPr id="7" name="Group 6"/>
+          <p:cNvGrpSpPr/>
+          <p:nvPr/>
+        </p:nvGrpSpPr>
+        <p:grpSpPr>
+          <a:xfrm>
+            <a:off x="0" y="-8467"/>
+            <a:ext cx="12192000" cy="6866467"/>
+            <a:chOff x="0" y="-8467"/>
+            <a:chExt cx="12192000" cy="6866467"/>
+          </a:xfrm>
+        </p:grpSpPr>
+        <p:cxnSp>
+          <p:nvCxnSpPr>
+            <p:cNvPr id="20" name="Straight Connector 19"/>
+            <p:cNvCxnSpPr/>
+            <p:nvPr/>
+          </p:nvCxnSpPr>
+          <p:spPr>
+            <a:xfrm>
+              <a:off x="9371012" y="0"/>
+              <a:ext cx="1219200" cy="6858000"/>
+            </a:xfrm>
+            <a:prstGeom prst="line">
+              <a:avLst/>
+            </a:prstGeom>
+            <a:ln w="9525">
+              <a:solidFill>
+                <a:schemeClr val="bg1">
+                  <a:lumMod val="75000"/>
+                </a:schemeClr>
+              </a:solidFill>
+            </a:ln>
+          </p:spPr>
+          <p:style>
+            <a:lnRef idx="2">
+              <a:schemeClr val="accent1"/>
+            </a:lnRef>
+            <a:fillRef idx="0">
+              <a:schemeClr val="accent1"/>
+            </a:fillRef>
+            <a:effectRef idx="1">
+              <a:schemeClr val="accent1"/>
+            </a:effectRef>
+            <a:fontRef idx="minor">
+              <a:schemeClr val="tx1"/>
+            </a:fontRef>
+          </p:style>
+        </p:cxnSp>
+        <p:cxnSp>
+          <p:nvCxnSpPr>
+            <p:cNvPr id="21" name="Straight Connector 20"/>
+            <p:cNvCxnSpPr/>
+            <p:nvPr/>
+          </p:nvCxnSpPr>
+          <p:spPr>
+            <a:xfrm flipH="1">
+              <a:off x="7425267" y="3681413"/>
+              <a:ext cx="4763558" cy="3176587"/>
+            </a:xfrm>
+            <a:prstGeom prst="line">
+              <a:avLst/>
+            </a:prstGeom>
+            <a:ln w="9525">
+              <a:solidFill>
+                <a:schemeClr val="bg1">
+                  <a:lumMod val="85000"/>
+                </a:schemeClr>
+              </a:solidFill>
+            </a:ln>
+          </p:spPr>
+          <p:style>
+            <a:lnRef idx="2">
+              <a:schemeClr val="accent1"/>
+            </a:lnRef>
+            <a:fillRef idx="0">
+              <a:schemeClr val="accent1"/>
+            </a:fillRef>
+            <a:effectRef idx="1">
+              <a:schemeClr val="accent1"/>
+            </a:effectRef>
+            <a:fontRef idx="minor">
+              <a:schemeClr val="tx1"/>
+            </a:fontRef>
+          </p:style>
+        </p:cxnSp>
+        <p:sp>
+          <p:nvSpPr>
+            <p:cNvPr id="22" name="Rectangle 23"/>
+            <p:cNvSpPr/>
+            <p:nvPr/>
+          </p:nvSpPr>
+          <p:spPr>
+            <a:xfrm>
+              <a:off x="9181476" y="-8467"/>
+              <a:ext cx="3007349" cy="6866467"/>
+            </a:xfrm>
+            <a:custGeom>
+              <a:avLst/>
+              <a:gdLst/>
+              <a:ahLst/>
+              <a:cxnLst/>
+              <a:rect l="l" t="t" r="r" b="b"/>
+              <a:pathLst>
+                <a:path w="3007349" h="6866467">
+                  <a:moveTo>
+                    <a:pt x="2045532" y="0"/>
+                  </a:moveTo>
+                  <a:lnTo>
+                    <a:pt x="3007349" y="0"/>
+                  </a:lnTo>
+                  <a:lnTo>
+                    <a:pt x="3007349" y="6866467"/>
+                  </a:lnTo>
+                  <a:lnTo>
+                    <a:pt x="0" y="6866467"/>
+                  </a:lnTo>
+                  <a:lnTo>
+                    <a:pt x="2045532" y="0"/>
+                  </a:lnTo>
+                  <a:close/>
+                </a:path>
+              </a:pathLst>
+            </a:custGeom>
+            <a:solidFill>
+              <a:schemeClr val="accent1">
+                <a:alpha val="30000"/>
+              </a:schemeClr>
+            </a:solidFill>
+            <a:ln>
+              <a:noFill/>
+            </a:ln>
+            <a:effectLst/>
+          </p:spPr>
+          <p:style>
+            <a:lnRef idx="1">
+              <a:schemeClr val="accent1"/>
+            </a:lnRef>
+            <a:fillRef idx="3">
+              <a:schemeClr val="accent1"/>
+            </a:fillRef>
+            <a:effectRef idx="2">
+              <a:schemeClr val="accent1"/>
+            </a:effectRef>
+            <a:fontRef idx="minor">
+              <a:schemeClr val="lt1"/>
+            </a:fontRef>
+          </p:style>
+        </p:sp>
+        <p:sp>
+          <p:nvSpPr>
+            <p:cNvPr id="23" name="Rectangle 25"/>
+            <p:cNvSpPr/>
+            <p:nvPr/>
+          </p:nvSpPr>
+          <p:spPr>
+            <a:xfrm>
+              <a:off x="9603442" y="-8467"/>
+              <a:ext cx="2588558" cy="6866467"/>
+            </a:xfrm>
+            <a:custGeom>
+              <a:avLst/>
+              <a:gdLst/>
+              <a:ahLst/>
+              <a:cxnLst/>
+              <a:rect l="l" t="t" r="r" b="b"/>
+              <a:pathLst>
+                <a:path w="2573311" h="6866467">
+                  <a:moveTo>
+                    <a:pt x="0" y="0"/>
+                  </a:moveTo>
+                  <a:lnTo>
+                    <a:pt x="2573311" y="0"/>
+                  </a:lnTo>
+                  <a:lnTo>
+                    <a:pt x="2573311" y="6866467"/>
+                  </a:lnTo>
+                  <a:lnTo>
+                    <a:pt x="1202336" y="6866467"/>
+                  </a:lnTo>
+                  <a:lnTo>
+                    <a:pt x="0" y="0"/>
+                  </a:lnTo>
+                  <a:close/>
+                </a:path>
+              </a:pathLst>
+            </a:custGeom>
+            <a:solidFill>
+              <a:schemeClr val="accent1">
+                <a:alpha val="20000"/>
+              </a:schemeClr>
+            </a:solidFill>
+            <a:ln>
+              <a:noFill/>
+            </a:ln>
+            <a:effectLst/>
+          </p:spPr>
+          <p:style>
+            <a:lnRef idx="1">
+              <a:schemeClr val="accent1"/>
+            </a:lnRef>
+            <a:fillRef idx="3">
+              <a:schemeClr val="accent1"/>
+            </a:fillRef>
+            <a:effectRef idx="2">
+              <a:schemeClr val="accent1"/>
+            </a:effectRef>
+            <a:fontRef idx="minor">
+              <a:schemeClr val="lt1"/>
+            </a:fontRef>
+          </p:style>
+        </p:sp>
+        <p:sp>
+          <p:nvSpPr>
+            <p:cNvPr id="24" name="Isosceles Triangle 23"/>
+            <p:cNvSpPr/>
+            <p:nvPr/>
+          </p:nvSpPr>
+          <p:spPr>
+            <a:xfrm>
+              <a:off x="8932333" y="3048000"/>
+              <a:ext cx="3259667" cy="3810000"/>
+            </a:xfrm>
+            <a:prstGeom prst="triangle">
+              <a:avLst>
+                <a:gd name="adj" fmla="val 100000"/>
+              </a:avLst>
+            </a:prstGeom>
+            <a:solidFill>
+              <a:schemeClr val="accent2">
+                <a:alpha val="72000"/>
+              </a:schemeClr>
+            </a:solidFill>
+            <a:ln>
+              <a:noFill/>
+            </a:ln>
+            <a:effectLst/>
+          </p:spPr>
+          <p:style>
+            <a:lnRef idx="1">
+              <a:schemeClr val="accent1"/>
+            </a:lnRef>
+            <a:fillRef idx="3">
+              <a:schemeClr val="accent1"/>
+            </a:fillRef>
+            <a:effectRef idx="2">
+              <a:schemeClr val="accent1"/>
+            </a:effectRef>
+            <a:fontRef idx="minor">
+              <a:schemeClr val="lt1"/>
+            </a:fontRef>
+          </p:style>
+        </p:sp>
+        <p:sp>
+          <p:nvSpPr>
+            <p:cNvPr id="25" name="Rectangle 27"/>
+            <p:cNvSpPr/>
+            <p:nvPr/>
+          </p:nvSpPr>
+          <p:spPr>
+            <a:xfrm>
+              <a:off x="9334500" y="-8467"/>
+              <a:ext cx="2854326" cy="6866467"/>
+            </a:xfrm>
+            <a:custGeom>
+              <a:avLst/>
+              <a:gdLst/>
+              <a:ahLst/>
+              <a:cxnLst/>
+              <a:rect l="l" t="t" r="r" b="b"/>
+              <a:pathLst>
+                <a:path w="2858013" h="6866467">
+                  <a:moveTo>
+                    <a:pt x="0" y="0"/>
+                  </a:moveTo>
+                  <a:lnTo>
+                    <a:pt x="2858013" y="0"/>
+                  </a:lnTo>
+                  <a:lnTo>
+                    <a:pt x="2858013" y="6866467"/>
+                  </a:lnTo>
+                  <a:lnTo>
+                    <a:pt x="2473942" y="6866467"/>
+                  </a:lnTo>
+                  <a:lnTo>
+                    <a:pt x="0" y="0"/>
+                  </a:lnTo>
+                  <a:close/>
+                </a:path>
+              </a:pathLst>
+            </a:custGeom>
+            <a:solidFill>
+              <a:schemeClr val="accent2">
+                <a:lumMod val="75000"/>
+                <a:alpha val="70000"/>
+              </a:schemeClr>
+            </a:solidFill>
+            <a:ln>
+              <a:noFill/>
+            </a:ln>
+            <a:effectLst/>
+          </p:spPr>
+          <p:style>
+            <a:lnRef idx="1">
+              <a:schemeClr val="accent1"/>
+            </a:lnRef>
+            <a:fillRef idx="3">
+              <a:schemeClr val="accent1"/>
+            </a:fillRef>
+            <a:effectRef idx="2">
+              <a:schemeClr val="accent1"/>
+            </a:effectRef>
+            <a:fontRef idx="minor">
+              <a:schemeClr val="lt1"/>
+            </a:fontRef>
+          </p:style>
+        </p:sp>
+        <p:sp>
+          <p:nvSpPr>
+            <p:cNvPr id="26" name="Rectangle 28"/>
+            <p:cNvSpPr/>
+            <p:nvPr/>
+          </p:nvSpPr>
+          <p:spPr>
+            <a:xfrm>
+              <a:off x="10898730" y="-8467"/>
+              <a:ext cx="1290094" cy="6866467"/>
+            </a:xfrm>
+            <a:custGeom>
+              <a:avLst/>
+              <a:gdLst/>
+              <a:ahLst/>
+              <a:cxnLst/>
+              <a:rect l="l" t="t" r="r" b="b"/>
+              <a:pathLst>
+                <a:path w="1290094" h="6858000">
+                  <a:moveTo>
+                    <a:pt x="1019735" y="0"/>
+                  </a:moveTo>
+                  <a:lnTo>
+                    <a:pt x="1290094" y="0"/>
+                  </a:lnTo>
+                  <a:lnTo>
+                    <a:pt x="1290094" y="6858000"/>
+                  </a:lnTo>
+                  <a:lnTo>
+                    <a:pt x="0" y="6858000"/>
+                  </a:lnTo>
+                  <a:lnTo>
+                    <a:pt x="1019735" y="0"/>
+                  </a:lnTo>
+                  <a:close/>
+                </a:path>
+              </a:pathLst>
+            </a:custGeom>
+            <a:solidFill>
+              <a:schemeClr val="accent1">
+                <a:lumMod val="60000"/>
+                <a:lumOff val="40000"/>
+                <a:alpha val="70000"/>
+              </a:schemeClr>
+            </a:solidFill>
+            <a:ln>
+              <a:noFill/>
+            </a:ln>
+            <a:effectLst/>
+          </p:spPr>
+          <p:style>
+            <a:lnRef idx="1">
+              <a:schemeClr val="accent1"/>
+            </a:lnRef>
+            <a:fillRef idx="3">
+              <a:schemeClr val="accent1"/>
+            </a:fillRef>
+            <a:effectRef idx="2">
+              <a:schemeClr val="accent1"/>
+            </a:effectRef>
+            <a:fontRef idx="minor">
+              <a:schemeClr val="lt1"/>
+            </a:fontRef>
+          </p:style>
+        </p:sp>
+        <p:sp>
+          <p:nvSpPr>
+            <p:cNvPr id="27" name="Rectangle 29"/>
+            <p:cNvSpPr/>
+            <p:nvPr/>
+          </p:nvSpPr>
+          <p:spPr>
+            <a:xfrm>
+              <a:off x="10938999" y="-8467"/>
+              <a:ext cx="1249825" cy="6866467"/>
+            </a:xfrm>
+            <a:custGeom>
+              <a:avLst/>
+              <a:gdLst/>
+              <a:ahLst/>
+              <a:cxnLst/>
+              <a:rect l="l" t="t" r="r" b="b"/>
+              <a:pathLst>
+                <a:path w="1249825" h="6858000">
+                  <a:moveTo>
+                    <a:pt x="0" y="0"/>
+                  </a:moveTo>
+                  <a:lnTo>
+                    <a:pt x="1249825" y="0"/>
+                  </a:lnTo>
+                  <a:lnTo>
+                    <a:pt x="1249825" y="6858000"/>
+                  </a:lnTo>
+                  <a:lnTo>
+                    <a:pt x="1109382" y="6858000"/>
+                  </a:lnTo>
+                  <a:lnTo>
+                    <a:pt x="0" y="0"/>
+                  </a:lnTo>
+                  <a:close/>
+                </a:path>
+              </a:pathLst>
+            </a:custGeom>
+            <a:solidFill>
+              <a:schemeClr val="accent1">
+                <a:alpha val="65000"/>
+              </a:schemeClr>
+            </a:solidFill>
+            <a:ln>
+              <a:noFill/>
+            </a:ln>
+            <a:effectLst/>
+          </p:spPr>
+          <p:style>
+            <a:lnRef idx="1">
+              <a:schemeClr val="accent1"/>
+            </a:lnRef>
+            <a:fillRef idx="3">
+              <a:schemeClr val="accent1"/>
+            </a:fillRef>
+            <a:effectRef idx="2">
+              <a:schemeClr val="accent1"/>
+            </a:effectRef>
+            <a:fontRef idx="minor">
+              <a:schemeClr val="lt1"/>
+            </a:fontRef>
+          </p:style>
+        </p:sp>
+        <p:sp>
+          <p:nvSpPr>
+            <p:cNvPr id="28" name="Isosceles Triangle 27"/>
+            <p:cNvSpPr/>
+            <p:nvPr/>
+          </p:nvSpPr>
+          <p:spPr>
+            <a:xfrm>
+              <a:off x="10371666" y="3589867"/>
+              <a:ext cx="1817159" cy="3268133"/>
+            </a:xfrm>
+            <a:prstGeom prst="triangle">
+              <a:avLst>
+                <a:gd name="adj" fmla="val 100000"/>
+              </a:avLst>
+            </a:prstGeom>
+            <a:solidFill>
+              <a:schemeClr val="accent1">
+                <a:alpha val="80000"/>
+              </a:schemeClr>
+            </a:solidFill>
+            <a:ln>
+              <a:noFill/>
+            </a:ln>
+            <a:effectLst/>
+          </p:spPr>
+          <p:style>
+            <a:lnRef idx="1">
+              <a:schemeClr val="accent1"/>
+            </a:lnRef>
+            <a:fillRef idx="3">
+              <a:schemeClr val="accent1"/>
+            </a:fillRef>
+            <a:effectRef idx="2">
+              <a:schemeClr val="accent1"/>
+            </a:effectRef>
+            <a:fontRef idx="minor">
+              <a:schemeClr val="lt1"/>
+            </a:fontRef>
+          </p:style>
+        </p:sp>
+        <p:sp>
+          <p:nvSpPr>
+            <p:cNvPr id="29" name="Isosceles Triangle 28"/>
+            <p:cNvSpPr/>
+            <p:nvPr/>
+          </p:nvSpPr>
+          <p:spPr>
+            <a:xfrm>
+              <a:off x="0" y="4013200"/>
+              <a:ext cx="448733" cy="2844800"/>
+            </a:xfrm>
+            <a:prstGeom prst="triangle">
+              <a:avLst>
+                <a:gd name="adj" fmla="val 0"/>
+              </a:avLst>
+            </a:prstGeom>
+            <a:solidFill>
+              <a:schemeClr val="accent1">
+                <a:alpha val="85000"/>
+              </a:schemeClr>
+            </a:solidFill>
+            <a:ln>
+              <a:noFill/>
+            </a:ln>
+            <a:effectLst/>
+          </p:spPr>
+          <p:style>
+            <a:lnRef idx="1">
+              <a:schemeClr val="accent1"/>
+            </a:lnRef>
+            <a:fillRef idx="3">
+              <a:schemeClr val="accent1"/>
+            </a:fillRef>
+            <a:effectRef idx="2">
+              <a:schemeClr val="accent1"/>
+            </a:effectRef>
+            <a:fontRef idx="minor">
+              <a:schemeClr val="lt1"/>
+            </a:fontRef>
+          </p:style>
+        </p:sp>
+      </p:grpSp>
+      <p:sp>
+        <p:nvSpPr>
+          <p:cNvPr id="2" name="Title Placeholder 1"/>
           <p:cNvSpPr>
             <a:spLocks noGrp="1"/>
           </p:cNvSpPr>
@@ -3207,15 +5765,15 @@
         </p:nvSpPr>
         <p:spPr>
           <a:xfrm>
-            <a:off x="838200" y="365125"/>
-            <a:ext cx="10515600" cy="1325563"/>
+            <a:off x="677334" y="609600"/>
+            <a:ext cx="8596668" cy="1320800"/>
           </a:xfrm>
           <a:prstGeom prst="rect">
             <a:avLst/>
           </a:prstGeom>
         </p:spPr>
         <p:txBody>
-          <a:bodyPr vert="horz" lIns="91440" tIns="45720" rIns="91440" bIns="45720" rtlCol="0" anchor="ctr">
+          <a:bodyPr vert="horz" lIns="91440" tIns="45720" rIns="91440" bIns="45720" rtlCol="0" anchor="t">
             <a:normAutofit/>
           </a:bodyPr>
           <a:lstStyle/>
@@ -3224,19 +5782,13 @@
               <a:rPr lang="en-US"/>
               <a:t>Click to edit Master title style</a:t>
             </a:r>
-            <a:endParaRPr lang="en-GB"/>
-          </a:p>
-        </p:txBody>
-      </p:sp>
-      <p:sp>
-        <p:nvSpPr>
-          <p:cNvPr id="3" name="Text Placeholder 2">
-            <a:extLst>
-              <a:ext uri="{FF2B5EF4-FFF2-40B4-BE49-F238E27FC236}">
-                <a16:creationId xmlns:a16="http://schemas.microsoft.com/office/drawing/2014/main" id="{ECA5B8A2-0BC1-2BDF-6F17-C497104F9345}"/>
-              </a:ext>
-            </a:extLst>
-          </p:cNvPr>
+            <a:endParaRPr lang="en-US" dirty="0"/>
+          </a:p>
+        </p:txBody>
+      </p:sp>
+      <p:sp>
+        <p:nvSpPr>
+          <p:cNvPr id="3" name="Text Placeholder 2"/>
           <p:cNvSpPr>
             <a:spLocks noGrp="1"/>
           </p:cNvSpPr>
@@ -3246,8 +5798,8 @@
         </p:nvSpPr>
         <p:spPr>
           <a:xfrm>
-            <a:off x="838200" y="1825625"/>
-            <a:ext cx="10515600" cy="4351338"/>
+            <a:off x="677334" y="2160589"/>
+            <a:ext cx="8596668" cy="3880773"/>
           </a:xfrm>
           <a:prstGeom prst="rect">
             <a:avLst/>
@@ -3292,19 +5844,13 @@
               <a:rPr lang="en-US"/>
               <a:t>Fifth level</a:t>
             </a:r>
-            <a:endParaRPr lang="en-GB"/>
-          </a:p>
-        </p:txBody>
-      </p:sp>
-      <p:sp>
-        <p:nvSpPr>
-          <p:cNvPr id="4" name="Date Placeholder 3">
-            <a:extLst>
-              <a:ext uri="{FF2B5EF4-FFF2-40B4-BE49-F238E27FC236}">
-                <a16:creationId xmlns:a16="http://schemas.microsoft.com/office/drawing/2014/main" id="{AD48B10C-153D-FD28-2673-3397A97397E2}"/>
-              </a:ext>
-            </a:extLst>
-          </p:cNvPr>
+            <a:endParaRPr lang="en-US" dirty="0"/>
+          </a:p>
+        </p:txBody>
+      </p:sp>
+      <p:sp>
+        <p:nvSpPr>
+          <p:cNvPr id="4" name="Date Placeholder 3"/>
           <p:cNvSpPr>
             <a:spLocks noGrp="1"/>
           </p:cNvSpPr>
@@ -3314,8 +5860,8 @@
         </p:nvSpPr>
         <p:spPr>
           <a:xfrm>
-            <a:off x="838200" y="6356350"/>
-            <a:ext cx="2743200" cy="365125"/>
+            <a:off x="7205133" y="6041362"/>
+            <a:ext cx="911939" cy="365125"/>
           </a:xfrm>
           <a:prstGeom prst="rect">
             <a:avLst/>
@@ -3324,8 +5870,8 @@
         <p:txBody>
           <a:bodyPr vert="horz" lIns="91440" tIns="45720" rIns="91440" bIns="45720" rtlCol="0" anchor="ctr"/>
           <a:lstStyle>
-            <a:lvl1pPr algn="l">
-              <a:defRPr sz="1200">
+            <a:lvl1pPr algn="r">
+              <a:defRPr sz="900">
                 <a:solidFill>
                   <a:schemeClr val="tx1">
                     <a:tint val="75000"/>
@@ -3345,13 +5891,7 @@
       </p:sp>
       <p:sp>
         <p:nvSpPr>
-          <p:cNvPr id="5" name="Footer Placeholder 4">
-            <a:extLst>
-              <a:ext uri="{FF2B5EF4-FFF2-40B4-BE49-F238E27FC236}">
-                <a16:creationId xmlns:a16="http://schemas.microsoft.com/office/drawing/2014/main" id="{E30B53E7-B234-C0A0-97B1-3C0C4DE0FD03}"/>
-              </a:ext>
-            </a:extLst>
-          </p:cNvPr>
+          <p:cNvPr id="5" name="Footer Placeholder 4"/>
           <p:cNvSpPr>
             <a:spLocks noGrp="1"/>
           </p:cNvSpPr>
@@ -3361,8 +5901,8 @@
         </p:nvSpPr>
         <p:spPr>
           <a:xfrm>
-            <a:off x="4038600" y="6356350"/>
-            <a:ext cx="4114800" cy="365125"/>
+            <a:off x="677334" y="6041362"/>
+            <a:ext cx="6297612" cy="365125"/>
           </a:xfrm>
           <a:prstGeom prst="rect">
             <a:avLst/>
@@ -3371,8 +5911,8 @@
         <p:txBody>
           <a:bodyPr vert="horz" lIns="91440" tIns="45720" rIns="91440" bIns="45720" rtlCol="0" anchor="ctr"/>
           <a:lstStyle>
-            <a:lvl1pPr algn="ctr">
-              <a:defRPr sz="1200">
+            <a:lvl1pPr algn="l">
+              <a:defRPr sz="900">
                 <a:solidFill>
                   <a:schemeClr val="tx1">
                     <a:tint val="75000"/>
@@ -3388,13 +5928,7 @@
       </p:sp>
       <p:sp>
         <p:nvSpPr>
-          <p:cNvPr id="6" name="Slide Number Placeholder 5">
-            <a:extLst>
-              <a:ext uri="{FF2B5EF4-FFF2-40B4-BE49-F238E27FC236}">
-                <a16:creationId xmlns:a16="http://schemas.microsoft.com/office/drawing/2014/main" id="{F0BBEF3E-2A23-ED3A-1321-A943E00CB0A1}"/>
-              </a:ext>
-            </a:extLst>
-          </p:cNvPr>
+          <p:cNvPr id="6" name="Slide Number Placeholder 5"/>
           <p:cNvSpPr>
             <a:spLocks noGrp="1"/>
           </p:cNvSpPr>
@@ -3404,8 +5938,8 @@
         </p:nvSpPr>
         <p:spPr>
           <a:xfrm>
-            <a:off x="8610600" y="6356350"/>
-            <a:ext cx="2743200" cy="365125"/>
+            <a:off x="8590663" y="6041362"/>
+            <a:ext cx="683339" cy="365125"/>
           </a:xfrm>
           <a:prstGeom prst="rect">
             <a:avLst/>
@@ -3415,11 +5949,9 @@
           <a:bodyPr vert="horz" lIns="91440" tIns="45720" rIns="91440" bIns="45720" rtlCol="0" anchor="ctr"/>
           <a:lstStyle>
             <a:lvl1pPr algn="r">
-              <a:defRPr sz="1200">
+              <a:defRPr sz="900">
                 <a:solidFill>
-                  <a:schemeClr val="tx1">
-                    <a:tint val="75000"/>
-                  </a:schemeClr>
+                  <a:schemeClr val="accent1"/>
                 </a:solidFill>
               </a:defRPr>
             </a:lvl1pPr>
@@ -3436,201 +5968,322 @@
     </p:spTree>
     <p:extLst>
       <p:ext uri="{BB962C8B-B14F-4D97-AF65-F5344CB8AC3E}">
-        <p14:creationId xmlns:p14="http://schemas.microsoft.com/office/powerpoint/2010/main" val="336542454"/>
+        <p14:creationId xmlns:p14="http://schemas.microsoft.com/office/powerpoint/2010/main" val="670127272"/>
       </p:ext>
     </p:extLst>
   </p:cSld>
   <p:clrMap bg1="lt1" tx1="dk1" bg2="lt2" tx2="dk2" accent1="accent1" accent2="accent2" accent3="accent3" accent4="accent4" accent5="accent5" accent6="accent6" hlink="hlink" folHlink="folHlink"/>
   <p:sldLayoutIdLst>
-    <p:sldLayoutId id="2147483649" r:id="rId1"/>
-    <p:sldLayoutId id="2147483650" r:id="rId2"/>
-    <p:sldLayoutId id="2147483651" r:id="rId3"/>
-    <p:sldLayoutId id="2147483652" r:id="rId4"/>
-    <p:sldLayoutId id="2147483653" r:id="rId5"/>
-    <p:sldLayoutId id="2147483654" r:id="rId6"/>
-    <p:sldLayoutId id="2147483655" r:id="rId7"/>
-    <p:sldLayoutId id="2147483656" r:id="rId8"/>
-    <p:sldLayoutId id="2147483657" r:id="rId9"/>
-    <p:sldLayoutId id="2147483658" r:id="rId10"/>
-    <p:sldLayoutId id="2147483659" r:id="rId11"/>
+    <p:sldLayoutId id="2147483661" r:id="rId1"/>
+    <p:sldLayoutId id="2147483662" r:id="rId2"/>
+    <p:sldLayoutId id="2147483663" r:id="rId3"/>
+    <p:sldLayoutId id="2147483664" r:id="rId4"/>
+    <p:sldLayoutId id="2147483665" r:id="rId5"/>
+    <p:sldLayoutId id="2147483666" r:id="rId6"/>
+    <p:sldLayoutId id="2147483667" r:id="rId7"/>
+    <p:sldLayoutId id="2147483668" r:id="rId8"/>
+    <p:sldLayoutId id="2147483669" r:id="rId9"/>
+    <p:sldLayoutId id="2147483670" r:id="rId10"/>
+    <p:sldLayoutId id="2147483671" r:id="rId11"/>
+    <p:sldLayoutId id="2147483672" r:id="rId12"/>
+    <p:sldLayoutId id="2147483673" r:id="rId13"/>
+    <p:sldLayoutId id="2147483674" r:id="rId14"/>
+    <p:sldLayoutId id="2147483675" r:id="rId15"/>
+    <p:sldLayoutId id="2147483676" r:id="rId16"/>
   </p:sldLayoutIdLst>
   <p:txStyles>
     <p:titleStyle>
-      <a:lvl1pPr algn="l" defTabSz="914400" rtl="0" eaLnBrk="1" latinLnBrk="0" hangingPunct="1">
-        <a:lnSpc>
-          <a:spcPct val="90000"/>
-        </a:lnSpc>
+      <a:lvl1pPr algn="l" defTabSz="457200" rtl="0" eaLnBrk="1" latinLnBrk="0" hangingPunct="1">
         <a:spcBef>
           <a:spcPct val="0"/>
         </a:spcBef>
         <a:buNone/>
-        <a:defRPr sz="4400" kern="1200">
+        <a:defRPr sz="3600" kern="1200">
           <a:solidFill>
-            <a:schemeClr val="tx1"/>
+            <a:schemeClr val="accent1"/>
           </a:solidFill>
           <a:latin typeface="+mj-lt"/>
           <a:ea typeface="+mj-ea"/>
           <a:cs typeface="+mj-cs"/>
         </a:defRPr>
       </a:lvl1pPr>
+      <a:lvl2pPr eaLnBrk="1" hangingPunct="1">
+        <a:defRPr>
+          <a:solidFill>
+            <a:schemeClr val="tx2"/>
+          </a:solidFill>
+        </a:defRPr>
+      </a:lvl2pPr>
+      <a:lvl3pPr eaLnBrk="1" hangingPunct="1">
+        <a:defRPr>
+          <a:solidFill>
+            <a:schemeClr val="tx2"/>
+          </a:solidFill>
+        </a:defRPr>
+      </a:lvl3pPr>
+      <a:lvl4pPr eaLnBrk="1" hangingPunct="1">
+        <a:defRPr>
+          <a:solidFill>
+            <a:schemeClr val="tx2"/>
+          </a:solidFill>
+        </a:defRPr>
+      </a:lvl4pPr>
+      <a:lvl5pPr eaLnBrk="1" hangingPunct="1">
+        <a:defRPr>
+          <a:solidFill>
+            <a:schemeClr val="tx2"/>
+          </a:solidFill>
+        </a:defRPr>
+      </a:lvl5pPr>
+      <a:lvl6pPr eaLnBrk="1" hangingPunct="1">
+        <a:defRPr>
+          <a:solidFill>
+            <a:schemeClr val="tx2"/>
+          </a:solidFill>
+        </a:defRPr>
+      </a:lvl6pPr>
+      <a:lvl7pPr eaLnBrk="1" hangingPunct="1">
+        <a:defRPr>
+          <a:solidFill>
+            <a:schemeClr val="tx2"/>
+          </a:solidFill>
+        </a:defRPr>
+      </a:lvl7pPr>
+      <a:lvl8pPr eaLnBrk="1" hangingPunct="1">
+        <a:defRPr>
+          <a:solidFill>
+            <a:schemeClr val="tx2"/>
+          </a:solidFill>
+        </a:defRPr>
+      </a:lvl8pPr>
+      <a:lvl9pPr eaLnBrk="1" hangingPunct="1">
+        <a:defRPr>
+          <a:solidFill>
+            <a:schemeClr val="tx2"/>
+          </a:solidFill>
+        </a:defRPr>
+      </a:lvl9pPr>
     </p:titleStyle>
     <p:bodyStyle>
-      <a:lvl1pPr marL="228600" indent="-228600" algn="l" defTabSz="914400" rtl="0" eaLnBrk="1" latinLnBrk="0" hangingPunct="1">
-        <a:lnSpc>
-          <a:spcPct val="90000"/>
-        </a:lnSpc>
+      <a:lvl1pPr marL="342900" indent="-342900" algn="l" defTabSz="457200" rtl="0" eaLnBrk="1" latinLnBrk="0" hangingPunct="1">
         <a:spcBef>
           <a:spcPts val="1000"/>
         </a:spcBef>
-        <a:buFont typeface="Arial" panose="020B0604020202020204" pitchFamily="34" charset="0"/>
-        <a:buChar char="•"/>
-        <a:defRPr sz="2800" kern="1200">
+        <a:spcAft>
+          <a:spcPts val="0"/>
+        </a:spcAft>
+        <a:buClr>
+          <a:schemeClr val="accent1"/>
+        </a:buClr>
+        <a:buSzPct val="80000"/>
+        <a:buFont typeface="Wingdings 3" charset="2"/>
+        <a:buChar char=""/>
+        <a:defRPr sz="1800" kern="1200">
           <a:solidFill>
-            <a:schemeClr val="tx1"/>
+            <a:schemeClr val="tx1">
+              <a:lumMod val="75000"/>
+              <a:lumOff val="25000"/>
+            </a:schemeClr>
           </a:solidFill>
           <a:latin typeface="+mn-lt"/>
           <a:ea typeface="+mn-ea"/>
           <a:cs typeface="+mn-cs"/>
         </a:defRPr>
       </a:lvl1pPr>
-      <a:lvl2pPr marL="685800" indent="-228600" algn="l" defTabSz="914400" rtl="0" eaLnBrk="1" latinLnBrk="0" hangingPunct="1">
-        <a:lnSpc>
-          <a:spcPct val="90000"/>
-        </a:lnSpc>
+      <a:lvl2pPr marL="742950" indent="-285750" algn="l" defTabSz="457200" rtl="0" eaLnBrk="1" latinLnBrk="0" hangingPunct="1">
         <a:spcBef>
-          <a:spcPts val="500"/>
+          <a:spcPts val="1000"/>
         </a:spcBef>
-        <a:buFont typeface="Arial" panose="020B0604020202020204" pitchFamily="34" charset="0"/>
-        <a:buChar char="•"/>
-        <a:defRPr sz="2400" kern="1200">
+        <a:spcAft>
+          <a:spcPts val="0"/>
+        </a:spcAft>
+        <a:buClr>
+          <a:schemeClr val="accent1"/>
+        </a:buClr>
+        <a:buSzPct val="80000"/>
+        <a:buFont typeface="Wingdings 3" charset="2"/>
+        <a:buChar char=""/>
+        <a:defRPr sz="1600" kern="1200">
           <a:solidFill>
-            <a:schemeClr val="tx1"/>
+            <a:schemeClr val="tx1">
+              <a:lumMod val="75000"/>
+              <a:lumOff val="25000"/>
+            </a:schemeClr>
           </a:solidFill>
           <a:latin typeface="+mn-lt"/>
           <a:ea typeface="+mn-ea"/>
           <a:cs typeface="+mn-cs"/>
         </a:defRPr>
       </a:lvl2pPr>
-      <a:lvl3pPr marL="1143000" indent="-228600" algn="l" defTabSz="914400" rtl="0" eaLnBrk="1" latinLnBrk="0" hangingPunct="1">
-        <a:lnSpc>
-          <a:spcPct val="90000"/>
-        </a:lnSpc>
+      <a:lvl3pPr marL="1143000" indent="-228600" algn="l" defTabSz="457200" rtl="0" eaLnBrk="1" latinLnBrk="0" hangingPunct="1">
         <a:spcBef>
-          <a:spcPts val="500"/>
+          <a:spcPts val="1000"/>
         </a:spcBef>
-        <a:buFont typeface="Arial" panose="020B0604020202020204" pitchFamily="34" charset="0"/>
-        <a:buChar char="•"/>
-        <a:defRPr sz="2000" kern="1200">
+        <a:spcAft>
+          <a:spcPts val="0"/>
+        </a:spcAft>
+        <a:buClr>
+          <a:schemeClr val="accent1"/>
+        </a:buClr>
+        <a:buSzPct val="80000"/>
+        <a:buFont typeface="Wingdings 3" charset="2"/>
+        <a:buChar char=""/>
+        <a:defRPr sz="1400" kern="1200">
           <a:solidFill>
-            <a:schemeClr val="tx1"/>
+            <a:schemeClr val="tx1">
+              <a:lumMod val="75000"/>
+              <a:lumOff val="25000"/>
+            </a:schemeClr>
           </a:solidFill>
           <a:latin typeface="+mn-lt"/>
           <a:ea typeface="+mn-ea"/>
           <a:cs typeface="+mn-cs"/>
         </a:defRPr>
       </a:lvl3pPr>
-      <a:lvl4pPr marL="1600200" indent="-228600" algn="l" defTabSz="914400" rtl="0" eaLnBrk="1" latinLnBrk="0" hangingPunct="1">
-        <a:lnSpc>
-          <a:spcPct val="90000"/>
-        </a:lnSpc>
+      <a:lvl4pPr marL="1600200" indent="-228600" algn="l" defTabSz="457200" rtl="0" eaLnBrk="1" latinLnBrk="0" hangingPunct="1">
         <a:spcBef>
-          <a:spcPts val="500"/>
+          <a:spcPts val="1000"/>
         </a:spcBef>
-        <a:buFont typeface="Arial" panose="020B0604020202020204" pitchFamily="34" charset="0"/>
-        <a:buChar char="•"/>
-        <a:defRPr sz="1800" kern="1200">
+        <a:spcAft>
+          <a:spcPts val="0"/>
+        </a:spcAft>
+        <a:buClr>
+          <a:schemeClr val="accent1"/>
+        </a:buClr>
+        <a:buSzPct val="80000"/>
+        <a:buFont typeface="Wingdings 3" charset="2"/>
+        <a:buChar char=""/>
+        <a:defRPr sz="1200" kern="1200">
           <a:solidFill>
-            <a:schemeClr val="tx1"/>
+            <a:schemeClr val="tx1">
+              <a:lumMod val="75000"/>
+              <a:lumOff val="25000"/>
+            </a:schemeClr>
           </a:solidFill>
           <a:latin typeface="+mn-lt"/>
           <a:ea typeface="+mn-ea"/>
           <a:cs typeface="+mn-cs"/>
         </a:defRPr>
       </a:lvl4pPr>
-      <a:lvl5pPr marL="2057400" indent="-228600" algn="l" defTabSz="914400" rtl="0" eaLnBrk="1" latinLnBrk="0" hangingPunct="1">
-        <a:lnSpc>
-          <a:spcPct val="90000"/>
-        </a:lnSpc>
+      <a:lvl5pPr marL="2057400" indent="-228600" algn="l" defTabSz="457200" rtl="0" eaLnBrk="1" latinLnBrk="0" hangingPunct="1">
         <a:spcBef>
-          <a:spcPts val="500"/>
+          <a:spcPts val="1000"/>
         </a:spcBef>
-        <a:buFont typeface="Arial" panose="020B0604020202020204" pitchFamily="34" charset="0"/>
-        <a:buChar char="•"/>
-        <a:defRPr sz="1800" kern="1200">
+        <a:spcAft>
+          <a:spcPts val="0"/>
+        </a:spcAft>
+        <a:buClr>
+          <a:schemeClr val="accent1"/>
+        </a:buClr>
+        <a:buSzPct val="80000"/>
+        <a:buFont typeface="Wingdings 3" charset="2"/>
+        <a:buChar char=""/>
+        <a:defRPr sz="1200" kern="1200">
           <a:solidFill>
-            <a:schemeClr val="tx1"/>
+            <a:schemeClr val="tx1">
+              <a:lumMod val="75000"/>
+              <a:lumOff val="25000"/>
+            </a:schemeClr>
           </a:solidFill>
           <a:latin typeface="+mn-lt"/>
           <a:ea typeface="+mn-ea"/>
           <a:cs typeface="+mn-cs"/>
         </a:defRPr>
       </a:lvl5pPr>
-      <a:lvl6pPr marL="2514600" indent="-228600" algn="l" defTabSz="914400" rtl="0" eaLnBrk="1" latinLnBrk="0" hangingPunct="1">
-        <a:lnSpc>
-          <a:spcPct val="90000"/>
-        </a:lnSpc>
+      <a:lvl6pPr marL="2514600" indent="-228600" algn="l" defTabSz="457200" rtl="0" eaLnBrk="1" latinLnBrk="0" hangingPunct="1">
         <a:spcBef>
-          <a:spcPts val="500"/>
+          <a:spcPts val="1000"/>
         </a:spcBef>
-        <a:buFont typeface="Arial" panose="020B0604020202020204" pitchFamily="34" charset="0"/>
-        <a:buChar char="•"/>
-        <a:defRPr sz="1800" kern="1200">
+        <a:spcAft>
+          <a:spcPts val="0"/>
+        </a:spcAft>
+        <a:buClr>
+          <a:schemeClr val="accent1"/>
+        </a:buClr>
+        <a:buSzPct val="80000"/>
+        <a:buFont typeface="Wingdings 3" charset="2"/>
+        <a:buChar char=""/>
+        <a:defRPr sz="1200" kern="1200">
           <a:solidFill>
-            <a:schemeClr val="tx1"/>
+            <a:schemeClr val="tx1">
+              <a:lumMod val="75000"/>
+              <a:lumOff val="25000"/>
+            </a:schemeClr>
           </a:solidFill>
           <a:latin typeface="+mn-lt"/>
           <a:ea typeface="+mn-ea"/>
           <a:cs typeface="+mn-cs"/>
         </a:defRPr>
       </a:lvl6pPr>
-      <a:lvl7pPr marL="2971800" indent="-228600" algn="l" defTabSz="914400" rtl="0" eaLnBrk="1" latinLnBrk="0" hangingPunct="1">
-        <a:lnSpc>
-          <a:spcPct val="90000"/>
-        </a:lnSpc>
+      <a:lvl7pPr marL="2971800" indent="-228600" algn="l" defTabSz="457200" rtl="0" eaLnBrk="1" latinLnBrk="0" hangingPunct="1">
         <a:spcBef>
-          <a:spcPts val="500"/>
+          <a:spcPts val="1000"/>
         </a:spcBef>
-        <a:buFont typeface="Arial" panose="020B0604020202020204" pitchFamily="34" charset="0"/>
-        <a:buChar char="•"/>
-        <a:defRPr sz="1800" kern="1200">
+        <a:spcAft>
+          <a:spcPts val="0"/>
+        </a:spcAft>
+        <a:buClr>
+          <a:schemeClr val="accent1"/>
+        </a:buClr>
+        <a:buSzPct val="80000"/>
+        <a:buFont typeface="Wingdings 3" charset="2"/>
+        <a:buChar char=""/>
+        <a:defRPr sz="1200" kern="1200">
           <a:solidFill>
-            <a:schemeClr val="tx1"/>
+            <a:schemeClr val="tx1">
+              <a:lumMod val="75000"/>
+              <a:lumOff val="25000"/>
+            </a:schemeClr>
           </a:solidFill>
           <a:latin typeface="+mn-lt"/>
           <a:ea typeface="+mn-ea"/>
           <a:cs typeface="+mn-cs"/>
         </a:defRPr>
       </a:lvl7pPr>
-      <a:lvl8pPr marL="3429000" indent="-228600" algn="l" defTabSz="914400" rtl="0" eaLnBrk="1" latinLnBrk="0" hangingPunct="1">
-        <a:lnSpc>
-          <a:spcPct val="90000"/>
-        </a:lnSpc>
+      <a:lvl8pPr marL="3429000" indent="-228600" algn="l" defTabSz="457200" rtl="0" eaLnBrk="1" latinLnBrk="0" hangingPunct="1">
         <a:spcBef>
-          <a:spcPts val="500"/>
+          <a:spcPts val="1000"/>
         </a:spcBef>
-        <a:buFont typeface="Arial" panose="020B0604020202020204" pitchFamily="34" charset="0"/>
-        <a:buChar char="•"/>
-        <a:defRPr sz="1800" kern="1200">
+        <a:spcAft>
+          <a:spcPts val="0"/>
+        </a:spcAft>
+        <a:buClr>
+          <a:schemeClr val="accent1"/>
+        </a:buClr>
+        <a:buSzPct val="80000"/>
+        <a:buFont typeface="Wingdings 3" charset="2"/>
+        <a:buChar char=""/>
+        <a:defRPr sz="1200" kern="1200">
           <a:solidFill>
-            <a:schemeClr val="tx1"/>
+            <a:schemeClr val="tx1">
+              <a:lumMod val="75000"/>
+              <a:lumOff val="25000"/>
+            </a:schemeClr>
           </a:solidFill>
           <a:latin typeface="+mn-lt"/>
           <a:ea typeface="+mn-ea"/>
           <a:cs typeface="+mn-cs"/>
         </a:defRPr>
       </a:lvl8pPr>
-      <a:lvl9pPr marL="3886200" indent="-228600" algn="l" defTabSz="914400" rtl="0" eaLnBrk="1" latinLnBrk="0" hangingPunct="1">
-        <a:lnSpc>
-          <a:spcPct val="90000"/>
-        </a:lnSpc>
+      <a:lvl9pPr marL="3886200" indent="-228600" algn="l" defTabSz="457200" rtl="0" eaLnBrk="1" latinLnBrk="0" hangingPunct="1">
         <a:spcBef>
-          <a:spcPts val="500"/>
+          <a:spcPts val="1000"/>
         </a:spcBef>
-        <a:buFont typeface="Arial" panose="020B0604020202020204" pitchFamily="34" charset="0"/>
-        <a:buChar char="•"/>
-        <a:defRPr sz="1800" kern="1200">
+        <a:spcAft>
+          <a:spcPts val="0"/>
+        </a:spcAft>
+        <a:buClr>
+          <a:schemeClr val="accent1"/>
+        </a:buClr>
+        <a:buSzPct val="80000"/>
+        <a:buFont typeface="Wingdings 3" charset="2"/>
+        <a:buChar char=""/>
+        <a:defRPr sz="1200" kern="1200">
           <a:solidFill>
-            <a:schemeClr val="tx1"/>
+            <a:schemeClr val="tx1">
+              <a:lumMod val="75000"/>
+              <a:lumOff val="25000"/>
+            </a:schemeClr>
           </a:solidFill>
           <a:latin typeface="+mn-lt"/>
           <a:ea typeface="+mn-ea"/>
@@ -3642,7 +6295,7 @@
       <a:defPPr>
         <a:defRPr lang="en-US"/>
       </a:defPPr>
-      <a:lvl1pPr marL="0" algn="l" defTabSz="914400" rtl="0" eaLnBrk="1" latinLnBrk="0" hangingPunct="1">
+      <a:lvl1pPr marL="0" algn="l" defTabSz="457200" rtl="0" eaLnBrk="1" latinLnBrk="0" hangingPunct="1">
         <a:defRPr sz="1800" kern="1200">
           <a:solidFill>
             <a:schemeClr val="tx1"/>
@@ -3652,7 +6305,7 @@
           <a:cs typeface="+mn-cs"/>
         </a:defRPr>
       </a:lvl1pPr>
-      <a:lvl2pPr marL="457200" algn="l" defTabSz="914400" rtl="0" eaLnBrk="1" latinLnBrk="0" hangingPunct="1">
+      <a:lvl2pPr marL="457200" algn="l" defTabSz="457200" rtl="0" eaLnBrk="1" latinLnBrk="0" hangingPunct="1">
         <a:defRPr sz="1800" kern="1200">
           <a:solidFill>
             <a:schemeClr val="tx1"/>
@@ -3662,7 +6315,7 @@
           <a:cs typeface="+mn-cs"/>
         </a:defRPr>
       </a:lvl2pPr>
-      <a:lvl3pPr marL="914400" algn="l" defTabSz="914400" rtl="0" eaLnBrk="1" latinLnBrk="0" hangingPunct="1">
+      <a:lvl3pPr marL="914400" algn="l" defTabSz="457200" rtl="0" eaLnBrk="1" latinLnBrk="0" hangingPunct="1">
         <a:defRPr sz="1800" kern="1200">
           <a:solidFill>
             <a:schemeClr val="tx1"/>
@@ -3672,7 +6325,7 @@
           <a:cs typeface="+mn-cs"/>
         </a:defRPr>
       </a:lvl3pPr>
-      <a:lvl4pPr marL="1371600" algn="l" defTabSz="914400" rtl="0" eaLnBrk="1" latinLnBrk="0" hangingPunct="1">
+      <a:lvl4pPr marL="1371600" algn="l" defTabSz="457200" rtl="0" eaLnBrk="1" latinLnBrk="0" hangingPunct="1">
         <a:defRPr sz="1800" kern="1200">
           <a:solidFill>
             <a:schemeClr val="tx1"/>
@@ -3682,7 +6335,7 @@
           <a:cs typeface="+mn-cs"/>
         </a:defRPr>
       </a:lvl4pPr>
-      <a:lvl5pPr marL="1828800" algn="l" defTabSz="914400" rtl="0" eaLnBrk="1" latinLnBrk="0" hangingPunct="1">
+      <a:lvl5pPr marL="1828800" algn="l" defTabSz="457200" rtl="0" eaLnBrk="1" latinLnBrk="0" hangingPunct="1">
         <a:defRPr sz="1800" kern="1200">
           <a:solidFill>
             <a:schemeClr val="tx1"/>
@@ -3692,7 +6345,7 @@
           <a:cs typeface="+mn-cs"/>
         </a:defRPr>
       </a:lvl5pPr>
-      <a:lvl6pPr marL="2286000" algn="l" defTabSz="914400" rtl="0" eaLnBrk="1" latinLnBrk="0" hangingPunct="1">
+      <a:lvl6pPr marL="2286000" algn="l" defTabSz="457200" rtl="0" eaLnBrk="1" latinLnBrk="0" hangingPunct="1">
         <a:defRPr sz="1800" kern="1200">
           <a:solidFill>
             <a:schemeClr val="tx1"/>
@@ -3702,7 +6355,7 @@
           <a:cs typeface="+mn-cs"/>
         </a:defRPr>
       </a:lvl6pPr>
-      <a:lvl7pPr marL="2743200" algn="l" defTabSz="914400" rtl="0" eaLnBrk="1" latinLnBrk="0" hangingPunct="1">
+      <a:lvl7pPr marL="2743200" algn="l" defTabSz="457200" rtl="0" eaLnBrk="1" latinLnBrk="0" hangingPunct="1">
         <a:defRPr sz="1800" kern="1200">
           <a:solidFill>
             <a:schemeClr val="tx1"/>
@@ -3712,7 +6365,7 @@
           <a:cs typeface="+mn-cs"/>
         </a:defRPr>
       </a:lvl7pPr>
-      <a:lvl8pPr marL="3200400" algn="l" defTabSz="914400" rtl="0" eaLnBrk="1" latinLnBrk="0" hangingPunct="1">
+      <a:lvl8pPr marL="3200400" algn="l" defTabSz="457200" rtl="0" eaLnBrk="1" latinLnBrk="0" hangingPunct="1">
         <a:defRPr sz="1800" kern="1200">
           <a:solidFill>
             <a:schemeClr val="tx1"/>
@@ -3722,7 +6375,7 @@
           <a:cs typeface="+mn-cs"/>
         </a:defRPr>
       </a:lvl8pPr>
-      <a:lvl9pPr marL="3657600" algn="l" defTabSz="914400" rtl="0" eaLnBrk="1" latinLnBrk="0" hangingPunct="1">
+      <a:lvl9pPr marL="3657600" algn="l" defTabSz="457200" rtl="0" eaLnBrk="1" latinLnBrk="0" hangingPunct="1">
         <a:defRPr sz="1800" kern="1200">
           <a:solidFill>
             <a:schemeClr val="tx1"/>
@@ -3805,7 +6458,9 @@
         </p:nvSpPr>
         <p:spPr/>
         <p:txBody>
-          <a:bodyPr/>
+          <a:bodyPr>
+            <a:normAutofit lnSpcReduction="10000"/>
+          </a:bodyPr>
           <a:lstStyle/>
           <a:p>
             <a:r>
@@ -3820,7 +6475,15 @@
               <a:rPr lang="en-US" dirty="0">
                 <a:latin typeface="Aptos" panose="020B0004020202020204" pitchFamily="34" charset="0"/>
               </a:rPr>
-              <a:t>- Vidya B</a:t>
+              <a:t>								- Vidya B</a:t>
+            </a:r>
+          </a:p>
+          <a:p>
+            <a:r>
+              <a:rPr lang="en-US" dirty="0">
+                <a:latin typeface="Aptos" panose="020B0004020202020204" pitchFamily="34" charset="0"/>
+              </a:rPr>
+              <a:t>					                                    BrainStation</a:t>
             </a:r>
             <a:endParaRPr lang="en-GB" dirty="0">
               <a:latin typeface="Aptos" panose="020B0004020202020204" pitchFamily="34" charset="0"/>
@@ -3828,6 +6491,53 @@
           </a:p>
         </p:txBody>
       </p:sp>
+      <p:pic>
+        <p:nvPicPr>
+          <p:cNvPr id="2050" name="Picture 2" descr="BrainStation | Vancouver BC">
+            <a:extLst>
+              <a:ext uri="{FF2B5EF4-FFF2-40B4-BE49-F238E27FC236}">
+                <a16:creationId xmlns:a16="http://schemas.microsoft.com/office/drawing/2014/main" id="{2134F33E-790E-DA83-81CE-BC5BAA97D6CE}"/>
+              </a:ext>
+            </a:extLst>
+          </p:cNvPr>
+          <p:cNvPicPr>
+            <a:picLocks noChangeAspect="1" noChangeArrowheads="1"/>
+          </p:cNvPicPr>
+          <p:nvPr/>
+        </p:nvPicPr>
+        <p:blipFill>
+          <a:blip r:embed="rId2">
+            <a:extLst>
+              <a:ext uri="{28A0092B-C50C-407E-A947-70E740481C1C}">
+                <a14:useLocalDpi xmlns:a14="http://schemas.microsoft.com/office/drawing/2010/main" val="0"/>
+              </a:ext>
+            </a:extLst>
+          </a:blip>
+          <a:srcRect/>
+          <a:stretch>
+            <a:fillRect/>
+          </a:stretch>
+        </p:blipFill>
+        <p:spPr bwMode="auto">
+          <a:xfrm>
+            <a:off x="1524000" y="3828020"/>
+            <a:ext cx="2143125" cy="2143125"/>
+          </a:xfrm>
+          <a:prstGeom prst="rect">
+            <a:avLst/>
+          </a:prstGeom>
+          <a:noFill/>
+          <a:extLst>
+            <a:ext uri="{909E8E84-426E-40DD-AFC4-6F175D3DCCD1}">
+              <a14:hiddenFill xmlns:a14="http://schemas.microsoft.com/office/drawing/2010/main">
+                <a:solidFill>
+                  <a:srgbClr val="FFFFFF"/>
+                </a:solidFill>
+              </a14:hiddenFill>
+            </a:ext>
+          </a:extLst>
+        </p:spPr>
+      </p:pic>
     </p:spTree>
     <p:extLst>
       <p:ext uri="{BB962C8B-B14F-4D97-AF65-F5344CB8AC3E}">
@@ -3842,6 +6552,330 @@
 </file>
 
 <file path=ppt/slides/slide10.xml><?xml version="1.0" encoding="utf-8"?>
+<p:sld xmlns:a="http://schemas.openxmlformats.org/drawingml/2006/main" xmlns:r="http://schemas.openxmlformats.org/officeDocument/2006/relationships" xmlns:p="http://schemas.openxmlformats.org/presentationml/2006/main">
+  <p:cSld>
+    <p:spTree>
+      <p:nvGrpSpPr>
+        <p:cNvPr id="1" name=""/>
+        <p:cNvGrpSpPr/>
+        <p:nvPr/>
+      </p:nvGrpSpPr>
+      <p:grpSpPr>
+        <a:xfrm>
+          <a:off x="0" y="0"/>
+          <a:ext cx="0" cy="0"/>
+          <a:chOff x="0" y="0"/>
+          <a:chExt cx="0" cy="0"/>
+        </a:xfrm>
+      </p:grpSpPr>
+      <p:sp>
+        <p:nvSpPr>
+          <p:cNvPr id="2" name="Title 1">
+            <a:extLst>
+              <a:ext uri="{FF2B5EF4-FFF2-40B4-BE49-F238E27FC236}">
+                <a16:creationId xmlns:a16="http://schemas.microsoft.com/office/drawing/2014/main" id="{98BB87E2-2923-C5EC-C711-B8298F415069}"/>
+              </a:ext>
+            </a:extLst>
+          </p:cNvPr>
+          <p:cNvSpPr>
+            <a:spLocks noGrp="1"/>
+          </p:cNvSpPr>
+          <p:nvPr>
+            <p:ph type="title"/>
+          </p:nvPr>
+        </p:nvSpPr>
+        <p:spPr/>
+        <p:txBody>
+          <a:bodyPr/>
+          <a:lstStyle/>
+          <a:p>
+            <a:r>
+              <a:rPr lang="en-US" dirty="0"/>
+              <a:t>Distribution by Installment size</a:t>
+            </a:r>
+            <a:endParaRPr lang="en-GB" dirty="0"/>
+          </a:p>
+        </p:txBody>
+      </p:sp>
+      <p:pic>
+        <p:nvPicPr>
+          <p:cNvPr id="4098" name="Picture 2">
+            <a:extLst>
+              <a:ext uri="{FF2B5EF4-FFF2-40B4-BE49-F238E27FC236}">
+                <a16:creationId xmlns:a16="http://schemas.microsoft.com/office/drawing/2014/main" id="{8787312A-AB95-C74C-29A6-4C410882A338}"/>
+              </a:ext>
+            </a:extLst>
+          </p:cNvPr>
+          <p:cNvPicPr>
+            <a:picLocks noGrp="1" noChangeAspect="1" noChangeArrowheads="1"/>
+          </p:cNvPicPr>
+          <p:nvPr>
+            <p:ph idx="1"/>
+          </p:nvPr>
+        </p:nvPicPr>
+        <p:blipFill>
+          <a:blip r:embed="rId2">
+            <a:extLst>
+              <a:ext uri="{28A0092B-C50C-407E-A947-70E740481C1C}">
+                <a14:useLocalDpi xmlns:a14="http://schemas.microsoft.com/office/drawing/2010/main" val="0"/>
+              </a:ext>
+            </a:extLst>
+          </a:blip>
+          <a:srcRect/>
+          <a:stretch>
+            <a:fillRect/>
+          </a:stretch>
+        </p:blipFill>
+        <p:spPr bwMode="auto">
+          <a:xfrm>
+            <a:off x="1234912" y="2236214"/>
+            <a:ext cx="7521406" cy="4042038"/>
+          </a:xfrm>
+          <a:prstGeom prst="rect">
+            <a:avLst/>
+          </a:prstGeom>
+          <a:noFill/>
+          <a:extLst>
+            <a:ext uri="{909E8E84-426E-40DD-AFC4-6F175D3DCCD1}">
+              <a14:hiddenFill xmlns:a14="http://schemas.microsoft.com/office/drawing/2010/main">
+                <a:solidFill>
+                  <a:srgbClr val="FFFFFF"/>
+                </a:solidFill>
+              </a14:hiddenFill>
+            </a:ext>
+          </a:extLst>
+        </p:spPr>
+      </p:pic>
+    </p:spTree>
+    <p:extLst>
+      <p:ext uri="{BB962C8B-B14F-4D97-AF65-F5344CB8AC3E}">
+        <p14:creationId xmlns:p14="http://schemas.microsoft.com/office/powerpoint/2010/main" val="3073047658"/>
+      </p:ext>
+    </p:extLst>
+  </p:cSld>
+  <p:clrMapOvr>
+    <a:masterClrMapping/>
+  </p:clrMapOvr>
+</p:sld>
+</file>
+
+<file path=ppt/slides/slide11.xml><?xml version="1.0" encoding="utf-8"?>
+<p:sld xmlns:a="http://schemas.openxmlformats.org/drawingml/2006/main" xmlns:r="http://schemas.openxmlformats.org/officeDocument/2006/relationships" xmlns:p="http://schemas.openxmlformats.org/presentationml/2006/main">
+  <p:cSld>
+    <p:spTree>
+      <p:nvGrpSpPr>
+        <p:cNvPr id="1" name=""/>
+        <p:cNvGrpSpPr/>
+        <p:nvPr/>
+      </p:nvGrpSpPr>
+      <p:grpSpPr>
+        <a:xfrm>
+          <a:off x="0" y="0"/>
+          <a:ext cx="0" cy="0"/>
+          <a:chOff x="0" y="0"/>
+          <a:chExt cx="0" cy="0"/>
+        </a:xfrm>
+      </p:grpSpPr>
+      <p:sp>
+        <p:nvSpPr>
+          <p:cNvPr id="2" name="Title 1">
+            <a:extLst>
+              <a:ext uri="{FF2B5EF4-FFF2-40B4-BE49-F238E27FC236}">
+                <a16:creationId xmlns:a16="http://schemas.microsoft.com/office/drawing/2014/main" id="{09E71CB4-DE9D-D74B-9ED3-361C3C4D0B0E}"/>
+              </a:ext>
+            </a:extLst>
+          </p:cNvPr>
+          <p:cNvSpPr>
+            <a:spLocks noGrp="1"/>
+          </p:cNvSpPr>
+          <p:nvPr>
+            <p:ph type="title"/>
+          </p:nvPr>
+        </p:nvSpPr>
+        <p:spPr/>
+        <p:txBody>
+          <a:bodyPr/>
+          <a:lstStyle/>
+          <a:p>
+            <a:r>
+              <a:rPr lang="en-US" dirty="0"/>
+              <a:t>Normalized Comparison of grades in the dataset</a:t>
+            </a:r>
+            <a:endParaRPr lang="en-GB" dirty="0"/>
+          </a:p>
+        </p:txBody>
+      </p:sp>
+      <p:pic>
+        <p:nvPicPr>
+          <p:cNvPr id="5122" name="Picture 2">
+            <a:extLst>
+              <a:ext uri="{FF2B5EF4-FFF2-40B4-BE49-F238E27FC236}">
+                <a16:creationId xmlns:a16="http://schemas.microsoft.com/office/drawing/2014/main" id="{52A037FA-E30D-65F7-E234-37258C27CCFA}"/>
+              </a:ext>
+            </a:extLst>
+          </p:cNvPr>
+          <p:cNvPicPr>
+            <a:picLocks noGrp="1" noChangeAspect="1" noChangeArrowheads="1"/>
+          </p:cNvPicPr>
+          <p:nvPr>
+            <p:ph idx="1"/>
+          </p:nvPr>
+        </p:nvPicPr>
+        <p:blipFill>
+          <a:blip r:embed="rId2">
+            <a:extLst>
+              <a:ext uri="{28A0092B-C50C-407E-A947-70E740481C1C}">
+                <a14:useLocalDpi xmlns:a14="http://schemas.microsoft.com/office/drawing/2010/main" val="0"/>
+              </a:ext>
+            </a:extLst>
+          </a:blip>
+          <a:srcRect/>
+          <a:stretch>
+            <a:fillRect/>
+          </a:stretch>
+        </p:blipFill>
+        <p:spPr bwMode="auto">
+          <a:xfrm>
+            <a:off x="1923068" y="1979630"/>
+            <a:ext cx="7701699" cy="4317476"/>
+          </a:xfrm>
+          <a:prstGeom prst="rect">
+            <a:avLst/>
+          </a:prstGeom>
+          <a:noFill/>
+          <a:extLst>
+            <a:ext uri="{909E8E84-426E-40DD-AFC4-6F175D3DCCD1}">
+              <a14:hiddenFill xmlns:a14="http://schemas.microsoft.com/office/drawing/2010/main">
+                <a:solidFill>
+                  <a:srgbClr val="FFFFFF"/>
+                </a:solidFill>
+              </a14:hiddenFill>
+            </a:ext>
+          </a:extLst>
+        </p:spPr>
+      </p:pic>
+    </p:spTree>
+    <p:extLst>
+      <p:ext uri="{BB962C8B-B14F-4D97-AF65-F5344CB8AC3E}">
+        <p14:creationId xmlns:p14="http://schemas.microsoft.com/office/powerpoint/2010/main" val="313009469"/>
+      </p:ext>
+    </p:extLst>
+  </p:cSld>
+  <p:clrMapOvr>
+    <a:masterClrMapping/>
+  </p:clrMapOvr>
+</p:sld>
+</file>
+
+<file path=ppt/slides/slide12.xml><?xml version="1.0" encoding="utf-8"?>
+<p:sld xmlns:a="http://schemas.openxmlformats.org/drawingml/2006/main" xmlns:r="http://schemas.openxmlformats.org/officeDocument/2006/relationships" xmlns:p="http://schemas.openxmlformats.org/presentationml/2006/main">
+  <p:cSld>
+    <p:spTree>
+      <p:nvGrpSpPr>
+        <p:cNvPr id="1" name=""/>
+        <p:cNvGrpSpPr/>
+        <p:nvPr/>
+      </p:nvGrpSpPr>
+      <p:grpSpPr>
+        <a:xfrm>
+          <a:off x="0" y="0"/>
+          <a:ext cx="0" cy="0"/>
+          <a:chOff x="0" y="0"/>
+          <a:chExt cx="0" cy="0"/>
+        </a:xfrm>
+      </p:grpSpPr>
+      <p:sp>
+        <p:nvSpPr>
+          <p:cNvPr id="2" name="Title 1">
+            <a:extLst>
+              <a:ext uri="{FF2B5EF4-FFF2-40B4-BE49-F238E27FC236}">
+                <a16:creationId xmlns:a16="http://schemas.microsoft.com/office/drawing/2014/main" id="{B21D9C79-9033-3D9F-C705-D986119BC8B2}"/>
+              </a:ext>
+            </a:extLst>
+          </p:cNvPr>
+          <p:cNvSpPr>
+            <a:spLocks noGrp="1"/>
+          </p:cNvSpPr>
+          <p:nvPr>
+            <p:ph type="title"/>
+          </p:nvPr>
+        </p:nvSpPr>
+        <p:spPr/>
+        <p:txBody>
+          <a:bodyPr/>
+          <a:lstStyle/>
+          <a:p>
+            <a:r>
+              <a:rPr lang="en-US" dirty="0"/>
+              <a:t>Comparison of loan status (normalized)</a:t>
+            </a:r>
+            <a:endParaRPr lang="en-GB" dirty="0"/>
+          </a:p>
+        </p:txBody>
+      </p:sp>
+      <p:pic>
+        <p:nvPicPr>
+          <p:cNvPr id="6146" name="Picture 2">
+            <a:extLst>
+              <a:ext uri="{FF2B5EF4-FFF2-40B4-BE49-F238E27FC236}">
+                <a16:creationId xmlns:a16="http://schemas.microsoft.com/office/drawing/2014/main" id="{5DE783CC-D61C-4504-5657-10383EB71AB1}"/>
+              </a:ext>
+            </a:extLst>
+          </p:cNvPr>
+          <p:cNvPicPr>
+            <a:picLocks noGrp="1" noChangeAspect="1" noChangeArrowheads="1"/>
+          </p:cNvPicPr>
+          <p:nvPr>
+            <p:ph idx="1"/>
+          </p:nvPr>
+        </p:nvPicPr>
+        <p:blipFill>
+          <a:blip r:embed="rId2">
+            <a:extLst>
+              <a:ext uri="{28A0092B-C50C-407E-A947-70E740481C1C}">
+                <a14:useLocalDpi xmlns:a14="http://schemas.microsoft.com/office/drawing/2010/main" val="0"/>
+              </a:ext>
+            </a:extLst>
+          </a:blip>
+          <a:srcRect/>
+          <a:stretch>
+            <a:fillRect/>
+          </a:stretch>
+        </p:blipFill>
+        <p:spPr bwMode="auto">
+          <a:xfrm>
+            <a:off x="1244338" y="2236214"/>
+            <a:ext cx="7492931" cy="3966623"/>
+          </a:xfrm>
+          <a:prstGeom prst="rect">
+            <a:avLst/>
+          </a:prstGeom>
+          <a:noFill/>
+          <a:extLst>
+            <a:ext uri="{909E8E84-426E-40DD-AFC4-6F175D3DCCD1}">
+              <a14:hiddenFill xmlns:a14="http://schemas.microsoft.com/office/drawing/2010/main">
+                <a:solidFill>
+                  <a:srgbClr val="FFFFFF"/>
+                </a:solidFill>
+              </a14:hiddenFill>
+            </a:ext>
+          </a:extLst>
+        </p:spPr>
+      </p:pic>
+    </p:spTree>
+    <p:extLst>
+      <p:ext uri="{BB962C8B-B14F-4D97-AF65-F5344CB8AC3E}">
+        <p14:creationId xmlns:p14="http://schemas.microsoft.com/office/powerpoint/2010/main" val="863771257"/>
+      </p:ext>
+    </p:extLst>
+  </p:cSld>
+  <p:clrMapOvr>
+    <a:masterClrMapping/>
+  </p:clrMapOvr>
+</p:sld>
+</file>
+
+<file path=ppt/slides/slide13.xml><?xml version="1.0" encoding="utf-8"?>
 <p:sld xmlns:a="http://schemas.openxmlformats.org/drawingml/2006/main" xmlns:r="http://schemas.openxmlformats.org/officeDocument/2006/relationships" xmlns:p="http://schemas.openxmlformats.org/presentationml/2006/main">
   <p:cSld>
     <p:spTree>
@@ -3949,6 +6983,140 @@
 </p:sld>
 </file>
 
+<file path=ppt/slides/slide14.xml><?xml version="1.0" encoding="utf-8"?>
+<p:sld xmlns:a="http://schemas.openxmlformats.org/drawingml/2006/main" xmlns:r="http://schemas.openxmlformats.org/officeDocument/2006/relationships" xmlns:p="http://schemas.openxmlformats.org/presentationml/2006/main">
+  <p:cSld>
+    <p:spTree>
+      <p:nvGrpSpPr>
+        <p:cNvPr id="1" name=""/>
+        <p:cNvGrpSpPr/>
+        <p:nvPr/>
+      </p:nvGrpSpPr>
+      <p:grpSpPr>
+        <a:xfrm>
+          <a:off x="0" y="0"/>
+          <a:ext cx="0" cy="0"/>
+          <a:chOff x="0" y="0"/>
+          <a:chExt cx="0" cy="0"/>
+        </a:xfrm>
+      </p:grpSpPr>
+      <p:sp>
+        <p:nvSpPr>
+          <p:cNvPr id="2" name="Title 1">
+            <a:extLst>
+              <a:ext uri="{FF2B5EF4-FFF2-40B4-BE49-F238E27FC236}">
+                <a16:creationId xmlns:a16="http://schemas.microsoft.com/office/drawing/2014/main" id="{B489B45A-4E23-6DB1-283C-6D9A1469558D}"/>
+              </a:ext>
+            </a:extLst>
+          </p:cNvPr>
+          <p:cNvSpPr>
+            <a:spLocks noGrp="1"/>
+          </p:cNvSpPr>
+          <p:nvPr>
+            <p:ph type="title"/>
+          </p:nvPr>
+        </p:nvSpPr>
+        <p:spPr/>
+        <p:txBody>
+          <a:bodyPr/>
+          <a:lstStyle/>
+          <a:p>
+            <a:r>
+              <a:rPr lang="en-US" dirty="0"/>
+              <a:t>Next Steps</a:t>
+            </a:r>
+            <a:endParaRPr lang="en-GB" dirty="0"/>
+          </a:p>
+        </p:txBody>
+      </p:sp>
+      <p:sp>
+        <p:nvSpPr>
+          <p:cNvPr id="3" name="Content Placeholder 2">
+            <a:extLst>
+              <a:ext uri="{FF2B5EF4-FFF2-40B4-BE49-F238E27FC236}">
+                <a16:creationId xmlns:a16="http://schemas.microsoft.com/office/drawing/2014/main" id="{9BAA6CAE-567F-3D5B-8F99-FA9866643441}"/>
+              </a:ext>
+            </a:extLst>
+          </p:cNvPr>
+          <p:cNvSpPr>
+            <a:spLocks noGrp="1"/>
+          </p:cNvSpPr>
+          <p:nvPr>
+            <p:ph idx="1"/>
+          </p:nvPr>
+        </p:nvSpPr>
+        <p:spPr/>
+        <p:txBody>
+          <a:bodyPr>
+            <a:normAutofit/>
+          </a:bodyPr>
+          <a:lstStyle/>
+          <a:p>
+            <a:r>
+              <a:rPr lang="en-US" dirty="0"/>
+              <a:t>Handling the null values</a:t>
+            </a:r>
+          </a:p>
+          <a:p>
+            <a:endParaRPr lang="en-US" dirty="0"/>
+          </a:p>
+          <a:p>
+            <a:r>
+              <a:rPr lang="en-US" dirty="0"/>
+              <a:t>Dropping more columns with very high categories</a:t>
+            </a:r>
+          </a:p>
+          <a:p>
+            <a:endParaRPr lang="en-US" dirty="0"/>
+          </a:p>
+          <a:p>
+            <a:r>
+              <a:rPr lang="en-US" dirty="0"/>
+              <a:t>Encoding the categorical columns</a:t>
+            </a:r>
+          </a:p>
+          <a:p>
+            <a:endParaRPr lang="en-US" dirty="0"/>
+          </a:p>
+          <a:p>
+            <a:r>
+              <a:rPr lang="en-US" dirty="0"/>
+              <a:t>Come up with questions for solving with Hypothesis testing</a:t>
+            </a:r>
+          </a:p>
+          <a:p>
+            <a:endParaRPr lang="en-US" dirty="0"/>
+          </a:p>
+          <a:p>
+            <a:r>
+              <a:rPr lang="en-US" dirty="0"/>
+              <a:t>Baseline Modeling: Identify similar types of customers using KNN Algorithm</a:t>
+            </a:r>
+          </a:p>
+          <a:p>
+            <a:endParaRPr lang="en-US" dirty="0"/>
+          </a:p>
+          <a:p>
+            <a:pPr marL="0" indent="0">
+              <a:buNone/>
+            </a:pPr>
+            <a:endParaRPr lang="en-GB" dirty="0"/>
+          </a:p>
+        </p:txBody>
+      </p:sp>
+    </p:spTree>
+    <p:extLst>
+      <p:ext uri="{BB962C8B-B14F-4D97-AF65-F5344CB8AC3E}">
+        <p14:creationId xmlns:p14="http://schemas.microsoft.com/office/powerpoint/2010/main" val="1658086816"/>
+      </p:ext>
+    </p:extLst>
+  </p:cSld>
+  <p:clrMapOvr>
+    <a:masterClrMapping/>
+  </p:clrMapOvr>
+</p:sld>
+</file>
+
 <file path=ppt/slides/slide2.xml><?xml version="1.0" encoding="utf-8"?>
 <p:sld xmlns:a="http://schemas.openxmlformats.org/drawingml/2006/main" xmlns:r="http://schemas.openxmlformats.org/officeDocument/2006/relationships" xmlns:p="http://schemas.openxmlformats.org/presentationml/2006/main">
   <p:cSld>
@@ -3971,7 +7139,7 @@
           <p:cNvPr id="2" name="Title 1">
             <a:extLst>
               <a:ext uri="{FF2B5EF4-FFF2-40B4-BE49-F238E27FC236}">
-                <a16:creationId xmlns:a16="http://schemas.microsoft.com/office/drawing/2014/main" id="{2598BBC1-5048-406E-8F80-C8D3512CF21A}"/>
+                <a16:creationId xmlns:a16="http://schemas.microsoft.com/office/drawing/2014/main" id="{F0BDCE90-C946-EF18-5271-0301CCAAA9C4}"/>
               </a:ext>
             </a:extLst>
           </p:cNvPr>
@@ -3989,7 +7157,7 @@
           <a:p>
             <a:r>
               <a:rPr lang="en-US" dirty="0"/>
-              <a:t>Introduction</a:t>
+              <a:t>Area of Capstone	</a:t>
             </a:r>
             <a:endParaRPr lang="en-GB" dirty="0"/>
           </a:p>
@@ -4000,7 +7168,7 @@
           <p:cNvPr id="3" name="Content Placeholder 2">
             <a:extLst>
               <a:ext uri="{FF2B5EF4-FFF2-40B4-BE49-F238E27FC236}">
-                <a16:creationId xmlns:a16="http://schemas.microsoft.com/office/drawing/2014/main" id="{DF42BA38-407F-6D27-0C7C-3647BB95A5A4}"/>
+                <a16:creationId xmlns:a16="http://schemas.microsoft.com/office/drawing/2014/main" id="{81CC03BF-5C2E-D271-A4D6-ABD0531F2215}"/>
               </a:ext>
             </a:extLst>
           </p:cNvPr>
@@ -4018,300 +7186,70 @@
           <a:p>
             <a:r>
               <a:rPr lang="en-US" dirty="0"/>
-              <a:t>Lending was the largest P2P lender in the world by 2015</a:t>
-            </a:r>
-          </a:p>
-          <a:p>
-            <a:endParaRPr lang="en-US" dirty="0"/>
-          </a:p>
-          <a:p>
-            <a:r>
-              <a:rPr lang="en-US" dirty="0"/>
-              <a:t>Data from 2007 to 2018 with 27 cols and 396030 rows</a:t>
-            </a:r>
-          </a:p>
-          <a:p>
-            <a:endParaRPr lang="en-US" dirty="0"/>
-          </a:p>
-          <a:p>
-            <a:r>
-              <a:rPr lang="en-US" dirty="0"/>
-              <a:t>Key Data – Loan Amount, Term,  Int rate, Annual Income, Loan Status, purpose,</a:t>
-            </a:r>
-          </a:p>
-          <a:p>
+              <a:t>Domain – Lending in Financial Services</a:t>
+            </a:r>
+          </a:p>
+          <a:p>
+            <a:pPr marL="0" indent="0">
+              <a:buNone/>
+            </a:pPr>
             <a:endParaRPr lang="en-GB" dirty="0"/>
           </a:p>
-        </p:txBody>
-      </p:sp>
-      <p:pic>
-        <p:nvPicPr>
-          <p:cNvPr id="5" name="Picture 4">
-            <a:extLst>
-              <a:ext uri="{FF2B5EF4-FFF2-40B4-BE49-F238E27FC236}">
-                <a16:creationId xmlns:a16="http://schemas.microsoft.com/office/drawing/2014/main" id="{854926B7-E298-9A64-25E3-FF2741A8FFE3}"/>
-              </a:ext>
-            </a:extLst>
-          </p:cNvPr>
-          <p:cNvPicPr>
-            <a:picLocks noChangeAspect="1"/>
-          </p:cNvPicPr>
-          <p:nvPr/>
-        </p:nvPicPr>
-        <p:blipFill>
-          <a:blip r:embed="rId2">
-            <a:extLst>
-              <a:ext uri="{28A0092B-C50C-407E-A947-70E740481C1C}">
-                <a14:useLocalDpi xmlns:a14="http://schemas.microsoft.com/office/drawing/2010/main" val="0"/>
-              </a:ext>
-            </a:extLst>
-          </a:blip>
-          <a:stretch>
-            <a:fillRect/>
-          </a:stretch>
-        </p:blipFill>
-        <p:spPr>
-          <a:xfrm>
-            <a:off x="9405839" y="25400"/>
-            <a:ext cx="2543175" cy="1800225"/>
-          </a:xfrm>
-          <a:prstGeom prst="rect">
-            <a:avLst/>
-          </a:prstGeom>
-        </p:spPr>
-      </p:pic>
-      <p:sp>
-        <p:nvSpPr>
-          <p:cNvPr id="6" name="Rectangle 1">
-            <a:extLst>
-              <a:ext uri="{FF2B5EF4-FFF2-40B4-BE49-F238E27FC236}">
-                <a16:creationId xmlns:a16="http://schemas.microsoft.com/office/drawing/2014/main" id="{7CF0DD4A-D596-280E-9FED-7BA8E1961439}"/>
-              </a:ext>
-            </a:extLst>
-          </p:cNvPr>
-          <p:cNvSpPr>
-            <a:spLocks noChangeArrowheads="1"/>
-          </p:cNvSpPr>
-          <p:nvPr/>
-        </p:nvSpPr>
-        <p:spPr bwMode="auto">
-          <a:xfrm>
-            <a:off x="0" y="0"/>
-            <a:ext cx="12192000" cy="457200"/>
-          </a:xfrm>
-          <a:prstGeom prst="rect">
-            <a:avLst/>
-          </a:prstGeom>
-          <a:solidFill>
-            <a:srgbClr val="FFFFFF"/>
-          </a:solidFill>
-          <a:ln>
-            <a:noFill/>
-          </a:ln>
-          <a:effectLst/>
-          <a:extLst>
-            <a:ext uri="{91240B29-F687-4F45-9708-019B960494DF}">
-              <a14:hiddenLine xmlns:a14="http://schemas.microsoft.com/office/drawing/2010/main" w="9525">
-                <a:solidFill>
-                  <a:schemeClr val="tx1"/>
-                </a:solidFill>
-                <a:miter lim="800000"/>
-                <a:headEnd/>
-                <a:tailEnd/>
-              </a14:hiddenLine>
-            </a:ext>
-            <a:ext uri="{AF507438-7753-43E0-B8FC-AC1667EBCBE1}">
-              <a14:hiddenEffects xmlns:a14="http://schemas.microsoft.com/office/drawing/2010/main">
-                <a:effectLst>
-                  <a:outerShdw dist="35921" dir="2700000" algn="ctr" rotWithShape="0">
-                    <a:schemeClr val="bg2"/>
-                  </a:outerShdw>
-                </a:effectLst>
-              </a14:hiddenEffects>
-            </a:ext>
-          </a:extLst>
-        </p:spPr>
-        <p:txBody>
-          <a:bodyPr vert="horz" wrap="none" lIns="0" tIns="0" rIns="0" bIns="0" numCol="1" anchor="ctr" anchorCtr="0" compatLnSpc="1">
-            <a:prstTxWarp prst="textNoShape">
-              <a:avLst/>
-            </a:prstTxWarp>
-            <a:spAutoFit/>
-          </a:bodyPr>
-          <a:lstStyle/>
-          <a:p>
-            <a:pPr marL="0" marR="0" lvl="0" indent="0" algn="l" defTabSz="914400" rtl="0" eaLnBrk="0" fontAlgn="base" latinLnBrk="0" hangingPunct="0">
-              <a:lnSpc>
-                <a:spcPct val="100000"/>
-              </a:lnSpc>
-              <a:spcBef>
-                <a:spcPct val="0"/>
-              </a:spcBef>
-              <a:spcAft>
-                <a:spcPct val="0"/>
-              </a:spcAft>
-              <a:buClrTx/>
-              <a:buSzTx/>
-              <a:buFontTx/>
-              <a:buNone/>
-              <a:tabLst/>
+          <a:p>
+            <a:pPr marL="0" indent="0">
+              <a:buNone/>
             </a:pPr>
             <a:r>
-              <a:rPr kumimoji="0" lang="en-US" altLang="en-US" sz="1000" b="0" i="0" u="none" strike="noStrike" cap="none" normalizeH="0" baseline="0">
-                <a:ln>
-                  <a:noFill/>
-                </a:ln>
-                <a:solidFill>
-                  <a:srgbClr val="000000"/>
-                </a:solidFill>
-                <a:effectLst/>
-                <a:latin typeface="Courier New" panose="02070309020205020404" pitchFamily="49" charset="0"/>
-              </a:rPr>
-              <a:t>396030</a:t>
-            </a:r>
-            <a:r>
-              <a:rPr kumimoji="0" lang="en-US" altLang="en-US" sz="800" b="0" i="0" u="none" strike="noStrike" cap="none" normalizeH="0" baseline="0">
-                <a:ln>
-                  <a:noFill/>
-                </a:ln>
-                <a:solidFill>
-                  <a:schemeClr val="tx1"/>
-                </a:solidFill>
-                <a:effectLst/>
-              </a:rPr>
-              <a:t> </a:t>
-            </a:r>
-            <a:endParaRPr kumimoji="0" lang="en-US" altLang="en-US" sz="1800" b="0" i="0" u="none" strike="noStrike" cap="none" normalizeH="0" baseline="0">
-              <a:ln>
-                <a:noFill/>
-              </a:ln>
-              <a:solidFill>
-                <a:schemeClr val="tx1"/>
-              </a:solidFill>
-              <a:effectLst/>
-              <a:latin typeface="Arial" panose="020B0604020202020204" pitchFamily="34" charset="0"/>
-            </a:endParaRPr>
-          </a:p>
-        </p:txBody>
-      </p:sp>
-      <p:sp>
-        <p:nvSpPr>
-          <p:cNvPr id="7" name="Rectangle 2">
-            <a:extLst>
-              <a:ext uri="{FF2B5EF4-FFF2-40B4-BE49-F238E27FC236}">
-                <a16:creationId xmlns:a16="http://schemas.microsoft.com/office/drawing/2014/main" id="{CC0A1CCC-9D7C-3222-1431-4F9E79E999E1}"/>
-              </a:ext>
-            </a:extLst>
-          </p:cNvPr>
-          <p:cNvSpPr>
-            <a:spLocks noChangeArrowheads="1"/>
-          </p:cNvSpPr>
-          <p:nvPr/>
-        </p:nvSpPr>
-        <p:spPr bwMode="auto">
-          <a:xfrm>
-            <a:off x="152400" y="152400"/>
-            <a:ext cx="12192000" cy="457200"/>
-          </a:xfrm>
-          <a:prstGeom prst="rect">
-            <a:avLst/>
-          </a:prstGeom>
-          <a:solidFill>
-            <a:srgbClr val="FFFFFF"/>
-          </a:solidFill>
-          <a:ln>
-            <a:noFill/>
-          </a:ln>
-          <a:effectLst/>
-          <a:extLst>
-            <a:ext uri="{91240B29-F687-4F45-9708-019B960494DF}">
-              <a14:hiddenLine xmlns:a14="http://schemas.microsoft.com/office/drawing/2010/main" w="9525">
-                <a:solidFill>
-                  <a:schemeClr val="tx1"/>
-                </a:solidFill>
-                <a:miter lim="800000"/>
-                <a:headEnd/>
-                <a:tailEnd/>
-              </a14:hiddenLine>
-            </a:ext>
-            <a:ext uri="{AF507438-7753-43E0-B8FC-AC1667EBCBE1}">
-              <a14:hiddenEffects xmlns:a14="http://schemas.microsoft.com/office/drawing/2010/main">
-                <a:effectLst>
-                  <a:outerShdw dist="35921" dir="2700000" algn="ctr" rotWithShape="0">
-                    <a:schemeClr val="bg2"/>
-                  </a:outerShdw>
-                </a:effectLst>
-              </a14:hiddenEffects>
-            </a:ext>
-          </a:extLst>
-        </p:spPr>
-        <p:txBody>
-          <a:bodyPr vert="horz" wrap="none" lIns="0" tIns="0" rIns="0" bIns="0" numCol="1" anchor="ctr" anchorCtr="0" compatLnSpc="1">
-            <a:prstTxWarp prst="textNoShape">
-              <a:avLst/>
-            </a:prstTxWarp>
-            <a:spAutoFit/>
-          </a:bodyPr>
-          <a:lstStyle/>
-          <a:p>
-            <a:pPr marL="0" marR="0" lvl="0" indent="0" algn="l" defTabSz="914400" rtl="0" eaLnBrk="0" fontAlgn="base" latinLnBrk="0" hangingPunct="0">
-              <a:lnSpc>
-                <a:spcPct val="100000"/>
-              </a:lnSpc>
-              <a:spcBef>
-                <a:spcPct val="0"/>
-              </a:spcBef>
-              <a:spcAft>
-                <a:spcPct val="0"/>
-              </a:spcAft>
-              <a:buClrTx/>
-              <a:buSzTx/>
-              <a:buFontTx/>
-              <a:buNone/>
-              <a:tabLst/>
+              <a:rPr lang="en-GB" dirty="0"/>
+              <a:t>Business Problem: </a:t>
+            </a:r>
+          </a:p>
+          <a:p>
+            <a:pPr marL="514350" indent="-514350">
+              <a:buFont typeface="+mj-lt"/>
+              <a:buAutoNum type="arabicPeriod"/>
             </a:pPr>
             <a:r>
-              <a:rPr kumimoji="0" lang="en-US" altLang="en-US" sz="1000" b="0" i="0" u="none" strike="noStrike" cap="none" normalizeH="0" baseline="0">
-                <a:ln>
-                  <a:noFill/>
-                </a:ln>
-                <a:solidFill>
-                  <a:srgbClr val="000000"/>
-                </a:solidFill>
-                <a:effectLst/>
-                <a:latin typeface="Courier New" panose="02070309020205020404" pitchFamily="49" charset="0"/>
-              </a:rPr>
-              <a:t>396030</a:t>
-            </a:r>
-            <a:r>
-              <a:rPr kumimoji="0" lang="en-US" altLang="en-US" sz="800" b="0" i="0" u="none" strike="noStrike" cap="none" normalizeH="0" baseline="0">
-                <a:ln>
-                  <a:noFill/>
-                </a:ln>
-                <a:solidFill>
-                  <a:schemeClr val="tx1"/>
-                </a:solidFill>
-                <a:effectLst/>
-              </a:rPr>
-              <a:t> </a:t>
-            </a:r>
-            <a:endParaRPr kumimoji="0" lang="en-US" altLang="en-US" sz="1800" b="0" i="0" u="none" strike="noStrike" cap="none" normalizeH="0" baseline="0">
-              <a:ln>
-                <a:noFill/>
-              </a:ln>
-              <a:solidFill>
-                <a:schemeClr val="tx1"/>
-              </a:solidFill>
-              <a:effectLst/>
-              <a:latin typeface="Arial" panose="020B0604020202020204" pitchFamily="34" charset="0"/>
-            </a:endParaRPr>
+              <a:rPr lang="en-GB" dirty="0"/>
+              <a:t>Low throughput in approvals in a given time.</a:t>
+            </a:r>
+          </a:p>
+          <a:p>
+            <a:pPr marL="514350" indent="-514350">
+              <a:buFont typeface="+mj-lt"/>
+              <a:buAutoNum type="arabicPeriod"/>
+            </a:pPr>
+            <a:r>
+              <a:rPr lang="en-GB" dirty="0"/>
+              <a:t>High Loan processing time</a:t>
+            </a:r>
+          </a:p>
+          <a:p>
+            <a:pPr marL="514350" indent="-514350">
+              <a:buFont typeface="+mj-lt"/>
+              <a:buAutoNum type="arabicPeriod"/>
+            </a:pPr>
+            <a:r>
+              <a:rPr lang="en-GB" dirty="0"/>
+              <a:t>Inefficient Sourcing Strategies and </a:t>
+            </a:r>
+          </a:p>
+          <a:p>
+            <a:pPr marL="514350" indent="-514350">
+              <a:buFont typeface="+mj-lt"/>
+              <a:buAutoNum type="arabicPeriod"/>
+            </a:pPr>
+            <a:r>
+              <a:rPr lang="en-GB" dirty="0"/>
+              <a:t>Segmenting customers</a:t>
+            </a:r>
           </a:p>
         </p:txBody>
       </p:sp>
     </p:spTree>
     <p:extLst>
       <p:ext uri="{BB962C8B-B14F-4D97-AF65-F5344CB8AC3E}">
-        <p14:creationId xmlns:p14="http://schemas.microsoft.com/office/powerpoint/2010/main" val="409388110"/>
+        <p14:creationId xmlns:p14="http://schemas.microsoft.com/office/powerpoint/2010/main" val="156826702"/>
       </p:ext>
     </p:extLst>
   </p:cSld>
@@ -4343,6 +7281,385 @@
           <p:cNvPr id="2" name="Title 1">
             <a:extLst>
               <a:ext uri="{FF2B5EF4-FFF2-40B4-BE49-F238E27FC236}">
+                <a16:creationId xmlns:a16="http://schemas.microsoft.com/office/drawing/2014/main" id="{D049A627-BB2B-B5C1-C84C-E77ECB97CD60}"/>
+              </a:ext>
+            </a:extLst>
+          </p:cNvPr>
+          <p:cNvSpPr>
+            <a:spLocks noGrp="1"/>
+          </p:cNvSpPr>
+          <p:nvPr>
+            <p:ph type="title"/>
+          </p:nvPr>
+        </p:nvSpPr>
+        <p:spPr/>
+        <p:txBody>
+          <a:bodyPr/>
+          <a:lstStyle/>
+          <a:p>
+            <a:r>
+              <a:rPr lang="en-US" dirty="0"/>
+              <a:t>Solutions through Data Science</a:t>
+            </a:r>
+            <a:endParaRPr lang="en-GB" dirty="0"/>
+          </a:p>
+        </p:txBody>
+      </p:sp>
+      <p:sp>
+        <p:nvSpPr>
+          <p:cNvPr id="3" name="Content Placeholder 2">
+            <a:extLst>
+              <a:ext uri="{FF2B5EF4-FFF2-40B4-BE49-F238E27FC236}">
+                <a16:creationId xmlns:a16="http://schemas.microsoft.com/office/drawing/2014/main" id="{7BEB10E7-7850-A53D-99A4-FE53DC754A71}"/>
+              </a:ext>
+            </a:extLst>
+          </p:cNvPr>
+          <p:cNvSpPr>
+            <a:spLocks noGrp="1"/>
+          </p:cNvSpPr>
+          <p:nvPr>
+            <p:ph idx="1"/>
+          </p:nvPr>
+        </p:nvSpPr>
+        <p:spPr/>
+        <p:txBody>
+          <a:bodyPr/>
+          <a:lstStyle/>
+          <a:p>
+            <a:r>
+              <a:rPr lang="en-US" dirty="0"/>
+              <a:t>Identify patterns driving successful outcomes </a:t>
+            </a:r>
+          </a:p>
+          <a:p>
+            <a:pPr marL="0" indent="0">
+              <a:buNone/>
+            </a:pPr>
+            <a:endParaRPr lang="en-US" dirty="0"/>
+          </a:p>
+          <a:p>
+            <a:r>
+              <a:rPr lang="en-US" dirty="0"/>
+              <a:t>Answer questions such as whether there is a statistical significance difference successful outcomes when the term of loan is 3 years or 5 years and when the interest rate is, for instance, 13% or 15%</a:t>
+            </a:r>
+          </a:p>
+          <a:p>
+            <a:endParaRPr lang="en-US" dirty="0"/>
+          </a:p>
+          <a:p>
+            <a:r>
+              <a:rPr lang="en-US" dirty="0"/>
+              <a:t>Which features played a major role in successful outcomes and which features are </a:t>
+            </a:r>
+            <a:r>
+              <a:rPr lang="en-US" dirty="0" err="1"/>
+              <a:t>irrelavant</a:t>
+            </a:r>
+            <a:endParaRPr lang="en-GB" dirty="0"/>
+          </a:p>
+        </p:txBody>
+      </p:sp>
+    </p:spTree>
+    <p:extLst>
+      <p:ext uri="{BB962C8B-B14F-4D97-AF65-F5344CB8AC3E}">
+        <p14:creationId xmlns:p14="http://schemas.microsoft.com/office/powerpoint/2010/main" val="4067673262"/>
+      </p:ext>
+    </p:extLst>
+  </p:cSld>
+  <p:clrMapOvr>
+    <a:masterClrMapping/>
+  </p:clrMapOvr>
+</p:sld>
+</file>
+
+<file path=ppt/slides/slide4.xml><?xml version="1.0" encoding="utf-8"?>
+<p:sld xmlns:a="http://schemas.openxmlformats.org/drawingml/2006/main" xmlns:r="http://schemas.openxmlformats.org/officeDocument/2006/relationships" xmlns:p="http://schemas.openxmlformats.org/presentationml/2006/main">
+  <p:cSld>
+    <p:spTree>
+      <p:nvGrpSpPr>
+        <p:cNvPr id="1" name=""/>
+        <p:cNvGrpSpPr/>
+        <p:nvPr/>
+      </p:nvGrpSpPr>
+      <p:grpSpPr>
+        <a:xfrm>
+          <a:off x="0" y="0"/>
+          <a:ext cx="0" cy="0"/>
+          <a:chOff x="0" y="0"/>
+          <a:chExt cx="0" cy="0"/>
+        </a:xfrm>
+      </p:grpSpPr>
+      <p:sp>
+        <p:nvSpPr>
+          <p:cNvPr id="2" name="Title 1">
+            <a:extLst>
+              <a:ext uri="{FF2B5EF4-FFF2-40B4-BE49-F238E27FC236}">
+                <a16:creationId xmlns:a16="http://schemas.microsoft.com/office/drawing/2014/main" id="{67A65C11-8459-4EA2-008A-D0AAAB5642AB}"/>
+              </a:ext>
+            </a:extLst>
+          </p:cNvPr>
+          <p:cNvSpPr>
+            <a:spLocks noGrp="1"/>
+          </p:cNvSpPr>
+          <p:nvPr>
+            <p:ph type="title"/>
+          </p:nvPr>
+        </p:nvSpPr>
+        <p:spPr/>
+        <p:txBody>
+          <a:bodyPr/>
+          <a:lstStyle/>
+          <a:p>
+            <a:r>
+              <a:rPr lang="en-US" dirty="0"/>
+              <a:t>Impact of Solutions</a:t>
+            </a:r>
+            <a:endParaRPr lang="en-GB" dirty="0"/>
+          </a:p>
+        </p:txBody>
+      </p:sp>
+      <p:sp>
+        <p:nvSpPr>
+          <p:cNvPr id="3" name="Content Placeholder 2">
+            <a:extLst>
+              <a:ext uri="{FF2B5EF4-FFF2-40B4-BE49-F238E27FC236}">
+                <a16:creationId xmlns:a16="http://schemas.microsoft.com/office/drawing/2014/main" id="{20F01185-8683-A772-1368-F16CD19B4D20}"/>
+              </a:ext>
+            </a:extLst>
+          </p:cNvPr>
+          <p:cNvSpPr>
+            <a:spLocks noGrp="1"/>
+          </p:cNvSpPr>
+          <p:nvPr>
+            <p:ph idx="1"/>
+          </p:nvPr>
+        </p:nvSpPr>
+        <p:spPr/>
+        <p:txBody>
+          <a:bodyPr/>
+          <a:lstStyle/>
+          <a:p>
+            <a:r>
+              <a:rPr lang="en-US" dirty="0"/>
+              <a:t>Employee Productivity</a:t>
+            </a:r>
+          </a:p>
+          <a:p>
+            <a:endParaRPr lang="en-US" dirty="0"/>
+          </a:p>
+          <a:p>
+            <a:r>
+              <a:rPr lang="en-US" dirty="0"/>
+              <a:t>Risk Mitigation</a:t>
+            </a:r>
+          </a:p>
+          <a:p>
+            <a:endParaRPr lang="en-US" dirty="0"/>
+          </a:p>
+          <a:p>
+            <a:r>
+              <a:rPr lang="en-GB" dirty="0"/>
+              <a:t>Increase in Profitability</a:t>
+            </a:r>
+          </a:p>
+        </p:txBody>
+      </p:sp>
+    </p:spTree>
+    <p:extLst>
+      <p:ext uri="{BB962C8B-B14F-4D97-AF65-F5344CB8AC3E}">
+        <p14:creationId xmlns:p14="http://schemas.microsoft.com/office/powerpoint/2010/main" val="725847832"/>
+      </p:ext>
+    </p:extLst>
+  </p:cSld>
+  <p:clrMapOvr>
+    <a:masterClrMapping/>
+  </p:clrMapOvr>
+</p:sld>
+</file>
+
+<file path=ppt/slides/slide5.xml><?xml version="1.0" encoding="utf-8"?>
+<p:sld xmlns:a="http://schemas.openxmlformats.org/drawingml/2006/main" xmlns:r="http://schemas.openxmlformats.org/officeDocument/2006/relationships" xmlns:p="http://schemas.openxmlformats.org/presentationml/2006/main">
+  <p:cSld>
+    <p:spTree>
+      <p:nvGrpSpPr>
+        <p:cNvPr id="1" name=""/>
+        <p:cNvGrpSpPr/>
+        <p:nvPr/>
+      </p:nvGrpSpPr>
+      <p:grpSpPr>
+        <a:xfrm>
+          <a:off x="0" y="0"/>
+          <a:ext cx="0" cy="0"/>
+          <a:chOff x="0" y="0"/>
+          <a:chExt cx="0" cy="0"/>
+        </a:xfrm>
+      </p:grpSpPr>
+      <p:sp>
+        <p:nvSpPr>
+          <p:cNvPr id="2" name="Title 1">
+            <a:extLst>
+              <a:ext uri="{FF2B5EF4-FFF2-40B4-BE49-F238E27FC236}">
+                <a16:creationId xmlns:a16="http://schemas.microsoft.com/office/drawing/2014/main" id="{F03EFA40-9BA7-0D5D-EF10-E8BC4BEB163C}"/>
+              </a:ext>
+            </a:extLst>
+          </p:cNvPr>
+          <p:cNvSpPr>
+            <a:spLocks noGrp="1"/>
+          </p:cNvSpPr>
+          <p:nvPr>
+            <p:ph type="title"/>
+          </p:nvPr>
+        </p:nvSpPr>
+        <p:spPr/>
+        <p:txBody>
+          <a:bodyPr/>
+          <a:lstStyle/>
+          <a:p>
+            <a:r>
+              <a:rPr lang="en-US" dirty="0"/>
+              <a:t>Dataset</a:t>
+            </a:r>
+            <a:endParaRPr lang="en-GB" dirty="0"/>
+          </a:p>
+        </p:txBody>
+      </p:sp>
+      <p:sp>
+        <p:nvSpPr>
+          <p:cNvPr id="3" name="Content Placeholder 2">
+            <a:extLst>
+              <a:ext uri="{FF2B5EF4-FFF2-40B4-BE49-F238E27FC236}">
+                <a16:creationId xmlns:a16="http://schemas.microsoft.com/office/drawing/2014/main" id="{5AA94CC7-6656-CF46-7F12-A85ACAA532CE}"/>
+              </a:ext>
+            </a:extLst>
+          </p:cNvPr>
+          <p:cNvSpPr>
+            <a:spLocks noGrp="1"/>
+          </p:cNvSpPr>
+          <p:nvPr>
+            <p:ph idx="1"/>
+          </p:nvPr>
+        </p:nvSpPr>
+        <p:spPr/>
+        <p:txBody>
+          <a:bodyPr/>
+          <a:lstStyle/>
+          <a:p>
+            <a:r>
+              <a:rPr lang="en-US" dirty="0"/>
+              <a:t>Lending Club released loan performance data from 2007 to 2018</a:t>
+            </a:r>
+          </a:p>
+          <a:p>
+            <a:pPr marL="0" indent="0">
+              <a:buNone/>
+            </a:pPr>
+            <a:endParaRPr lang="en-US" dirty="0"/>
+          </a:p>
+          <a:p>
+            <a:r>
+              <a:rPr lang="en-US" dirty="0"/>
+              <a:t>300k row and 27 columns</a:t>
+            </a:r>
+          </a:p>
+          <a:p>
+            <a:pPr marL="0" indent="0">
+              <a:buNone/>
+            </a:pPr>
+            <a:endParaRPr lang="en-US" dirty="0"/>
+          </a:p>
+          <a:p>
+            <a:r>
+              <a:rPr lang="en-US" dirty="0"/>
+              <a:t>Key Data – Loan amount, interest rate, tenor, purpose of loan.</a:t>
+            </a:r>
+          </a:p>
+          <a:p>
+            <a:endParaRPr lang="en-GB" dirty="0"/>
+          </a:p>
+        </p:txBody>
+      </p:sp>
+      <p:pic>
+        <p:nvPicPr>
+          <p:cNvPr id="1028" name="Picture 4" descr="Lending Club Named to Forbes' &quot;America's Most Promising Companies&quot; List for  Second Consecutive Year">
+            <a:extLst>
+              <a:ext uri="{FF2B5EF4-FFF2-40B4-BE49-F238E27FC236}">
+                <a16:creationId xmlns:a16="http://schemas.microsoft.com/office/drawing/2014/main" id="{9F48F2A9-3897-EA31-B5EB-9CFDAD7611E0}"/>
+              </a:ext>
+            </a:extLst>
+          </p:cNvPr>
+          <p:cNvPicPr>
+            <a:picLocks noChangeAspect="1" noChangeArrowheads="1"/>
+          </p:cNvPicPr>
+          <p:nvPr/>
+        </p:nvPicPr>
+        <p:blipFill>
+          <a:blip r:embed="rId2">
+            <a:extLst>
+              <a:ext uri="{28A0092B-C50C-407E-A947-70E740481C1C}">
+                <a14:useLocalDpi xmlns:a14="http://schemas.microsoft.com/office/drawing/2010/main" val="0"/>
+              </a:ext>
+            </a:extLst>
+          </a:blip>
+          <a:srcRect/>
+          <a:stretch>
+            <a:fillRect/>
+          </a:stretch>
+        </p:blipFill>
+        <p:spPr bwMode="auto">
+          <a:xfrm>
+            <a:off x="6909846" y="0"/>
+            <a:ext cx="4031203" cy="1825625"/>
+          </a:xfrm>
+          <a:prstGeom prst="rect">
+            <a:avLst/>
+          </a:prstGeom>
+          <a:noFill/>
+          <a:extLst>
+            <a:ext uri="{909E8E84-426E-40DD-AFC4-6F175D3DCCD1}">
+              <a14:hiddenFill xmlns:a14="http://schemas.microsoft.com/office/drawing/2010/main">
+                <a:solidFill>
+                  <a:srgbClr val="FFFFFF"/>
+                </a:solidFill>
+              </a14:hiddenFill>
+            </a:ext>
+          </a:extLst>
+        </p:spPr>
+      </p:pic>
+    </p:spTree>
+    <p:extLst>
+      <p:ext uri="{BB962C8B-B14F-4D97-AF65-F5344CB8AC3E}">
+        <p14:creationId xmlns:p14="http://schemas.microsoft.com/office/powerpoint/2010/main" val="266860753"/>
+      </p:ext>
+    </p:extLst>
+  </p:cSld>
+  <p:clrMapOvr>
+    <a:masterClrMapping/>
+  </p:clrMapOvr>
+</p:sld>
+</file>
+
+<file path=ppt/slides/slide6.xml><?xml version="1.0" encoding="utf-8"?>
+<p:sld xmlns:a="http://schemas.openxmlformats.org/drawingml/2006/main" xmlns:r="http://schemas.openxmlformats.org/officeDocument/2006/relationships" xmlns:p="http://schemas.openxmlformats.org/presentationml/2006/main">
+  <p:cSld>
+    <p:spTree>
+      <p:nvGrpSpPr>
+        <p:cNvPr id="1" name=""/>
+        <p:cNvGrpSpPr/>
+        <p:nvPr/>
+      </p:nvGrpSpPr>
+      <p:grpSpPr>
+        <a:xfrm>
+          <a:off x="0" y="0"/>
+          <a:ext cx="0" cy="0"/>
+          <a:chOff x="0" y="0"/>
+          <a:chExt cx="0" cy="0"/>
+        </a:xfrm>
+      </p:grpSpPr>
+      <p:sp>
+        <p:nvSpPr>
+          <p:cNvPr id="2" name="Title 1">
+            <a:extLst>
+              <a:ext uri="{FF2B5EF4-FFF2-40B4-BE49-F238E27FC236}">
                 <a16:creationId xmlns:a16="http://schemas.microsoft.com/office/drawing/2014/main" id="{214C816D-E482-AB05-BD05-31AE5172B21F}"/>
               </a:ext>
             </a:extLst>
@@ -4383,14 +7700,14 @@
             <p:ph idx="1"/>
             <p:extLst>
               <p:ext uri="{D42A27DB-BD31-4B8C-83A1-F6EECF244321}">
-                <p14:modId xmlns:p14="http://schemas.microsoft.com/office/powerpoint/2010/main" val="3825166503"/>
+                <p14:modId xmlns:p14="http://schemas.microsoft.com/office/powerpoint/2010/main" val="3056171771"/>
               </p:ext>
             </p:extLst>
           </p:nvPr>
         </p:nvGraphicFramePr>
         <p:xfrm>
-          <a:off x="838200" y="1825625"/>
-          <a:ext cx="10515600" cy="3839886"/>
+          <a:off x="677863" y="2160588"/>
+          <a:ext cx="8596312" cy="3881437"/>
         </p:xfrm>
         <a:graphic>
           <a:graphicData uri="http://schemas.openxmlformats.org/drawingml/2006/table">
@@ -4399,14 +7716,14 @@
                 <a:tableStyleId>{5C22544A-7EE6-4342-B048-85BDC9FD1C3A}</a:tableStyleId>
               </a:tblPr>
               <a:tblGrid>
-                <a:gridCol w="5257800">
+                <a:gridCol w="4298156">
                   <a:extLst>
                     <a:ext uri="{9D8B030D-6E8A-4147-A177-3AD203B41FA5}">
                       <a16:colId xmlns:a16="http://schemas.microsoft.com/office/drawing/2014/main" val="2559523021"/>
                     </a:ext>
                   </a:extLst>
                 </a:gridCol>
-                <a:gridCol w="5257800">
+                <a:gridCol w="4298156">
                   <a:extLst>
                     <a:ext uri="{9D8B030D-6E8A-4147-A177-3AD203B41FA5}">
                       <a16:colId xmlns:a16="http://schemas.microsoft.com/office/drawing/2014/main" val="605475293"/>
@@ -4414,7 +7731,7 @@
                   </a:extLst>
                 </a:gridCol>
               </a:tblGrid>
-              <a:tr h="639981">
+              <a:tr h="330467">
                 <a:tc>
                   <a:txBody>
                     <a:bodyPr/>
@@ -4433,7 +7750,7 @@
                       </a:r>
                     </a:p>
                   </a:txBody>
-                  <a:tcPr marL="7620" marR="7620" marT="7620" marB="0" anchor="b"/>
+                  <a:tcPr marL="6229" marR="6229" marT="7620" marB="0" anchor="b"/>
                 </a:tc>
                 <a:tc>
                   <a:txBody>
@@ -4453,7 +7770,7 @@
                       </a:r>
                     </a:p>
                   </a:txBody>
-                  <a:tcPr marL="7620" marR="7620" marT="7620" marB="0" anchor="b"/>
+                  <a:tcPr marL="6229" marR="6229" marT="7620" marB="0" anchor="b"/>
                 </a:tc>
                 <a:extLst>
                   <a:ext uri="{0D108BD9-81ED-4DB2-BD59-A6C34878D82A}">
@@ -4461,7 +7778,7 @@
                   </a:ext>
                 </a:extLst>
               </a:tr>
-              <a:tr h="639981">
+              <a:tr h="330467">
                 <a:tc>
                   <a:txBody>
                     <a:bodyPr/>
@@ -4480,7 +7797,7 @@
                       </a:r>
                     </a:p>
                   </a:txBody>
-                  <a:tcPr marL="7620" marR="7620" marT="7620" marB="0" anchor="b"/>
+                  <a:tcPr marL="6229" marR="6229" marT="7620" marB="0" anchor="b"/>
                 </a:tc>
                 <a:tc>
                   <a:txBody>
@@ -4500,7 +7817,7 @@
                       </a:r>
                     </a:p>
                   </a:txBody>
-                  <a:tcPr marL="7620" marR="7620" marT="7620" marB="0" anchor="b"/>
+                  <a:tcPr marL="6229" marR="6229" marT="7620" marB="0" anchor="b"/>
                 </a:tc>
                 <a:extLst>
                   <a:ext uri="{0D108BD9-81ED-4DB2-BD59-A6C34878D82A}">
@@ -4508,7 +7825,7 @@
                   </a:ext>
                 </a:extLst>
               </a:tr>
-              <a:tr h="639981">
+              <a:tr h="330467">
                 <a:tc>
                   <a:txBody>
                     <a:bodyPr/>
@@ -4527,7 +7844,7 @@
                       </a:r>
                     </a:p>
                   </a:txBody>
-                  <a:tcPr marL="7620" marR="7620" marT="7620" marB="0" anchor="b"/>
+                  <a:tcPr marL="6229" marR="6229" marT="7620" marB="0" anchor="b"/>
                 </a:tc>
                 <a:tc>
                   <a:txBody>
@@ -4536,7 +7853,7 @@
                     <a:p>
                       <a:pPr algn="r" fontAlgn="b"/>
                       <a:r>
-                        <a:rPr lang="en-GB" sz="2800" b="0" i="0" u="none" strike="noStrike">
+                        <a:rPr lang="en-GB" sz="2800" b="0" i="0" u="none" strike="noStrike" dirty="0">
                           <a:solidFill>
                             <a:srgbClr val="000000"/>
                           </a:solidFill>
@@ -4547,7 +7864,7 @@
                       </a:r>
                     </a:p>
                   </a:txBody>
-                  <a:tcPr marL="7620" marR="7620" marT="7620" marB="0" anchor="b"/>
+                  <a:tcPr marL="6229" marR="6229" marT="7620" marB="0" anchor="b"/>
                 </a:tc>
                 <a:extLst>
                   <a:ext uri="{0D108BD9-81ED-4DB2-BD59-A6C34878D82A}">
@@ -4555,7 +7872,7 @@
                   </a:ext>
                 </a:extLst>
               </a:tr>
-              <a:tr h="639981">
+              <a:tr h="330467">
                 <a:tc>
                   <a:txBody>
                     <a:bodyPr/>
@@ -4574,7 +7891,7 @@
                       </a:r>
                     </a:p>
                   </a:txBody>
-                  <a:tcPr marL="7620" marR="7620" marT="7620" marB="0" anchor="b"/>
+                  <a:tcPr marL="6229" marR="6229" marT="7620" marB="0" anchor="b"/>
                 </a:tc>
                 <a:tc>
                   <a:txBody>
@@ -4594,7 +7911,7 @@
                       </a:r>
                     </a:p>
                   </a:txBody>
-                  <a:tcPr marL="7620" marR="7620" marT="7620" marB="0" anchor="b"/>
+                  <a:tcPr marL="6229" marR="6229" marT="7620" marB="0" anchor="b"/>
                 </a:tc>
                 <a:extLst>
                   <a:ext uri="{0D108BD9-81ED-4DB2-BD59-A6C34878D82A}">
@@ -4602,7 +7919,7 @@
                   </a:ext>
                 </a:extLst>
               </a:tr>
-              <a:tr h="639981">
+              <a:tr h="330467">
                 <a:tc>
                   <a:txBody>
                     <a:bodyPr/>
@@ -4621,7 +7938,7 @@
                       </a:r>
                     </a:p>
                   </a:txBody>
-                  <a:tcPr marL="7620" marR="7620" marT="7620" marB="0" anchor="b"/>
+                  <a:tcPr marL="6229" marR="6229" marT="7620" marB="0" anchor="b"/>
                 </a:tc>
                 <a:tc>
                   <a:txBody>
@@ -4641,7 +7958,7 @@
                       </a:r>
                     </a:p>
                   </a:txBody>
-                  <a:tcPr marL="7620" marR="7620" marT="7620" marB="0" anchor="b"/>
+                  <a:tcPr marL="6229" marR="6229" marT="7620" marB="0" anchor="b"/>
                 </a:tc>
                 <a:extLst>
                   <a:ext uri="{0D108BD9-81ED-4DB2-BD59-A6C34878D82A}">
@@ -4649,7 +7966,7 @@
                   </a:ext>
                 </a:extLst>
               </a:tr>
-              <a:tr h="639981">
+              <a:tr h="330467">
                 <a:tc>
                   <a:txBody>
                     <a:bodyPr/>
@@ -4668,7 +7985,7 @@
                       </a:r>
                     </a:p>
                   </a:txBody>
-                  <a:tcPr marL="7620" marR="7620" marT="7620" marB="0" anchor="b"/>
+                  <a:tcPr marL="6229" marR="6229" marT="7620" marB="0" anchor="b"/>
                 </a:tc>
                 <a:tc>
                   <a:txBody>
@@ -4688,7 +8005,7 @@
                       </a:r>
                     </a:p>
                   </a:txBody>
-                  <a:tcPr marL="7620" marR="7620" marT="7620" marB="0" anchor="b"/>
+                  <a:tcPr marL="6229" marR="6229" marT="7620" marB="0" anchor="b"/>
                 </a:tc>
                 <a:extLst>
                   <a:ext uri="{0D108BD9-81ED-4DB2-BD59-A6C34878D82A}">
@@ -4713,7 +8030,7 @@
 </p:sld>
 </file>
 
-<file path=ppt/slides/slide4.xml><?xml version="1.0" encoding="utf-8"?>
+<file path=ppt/slides/slide7.xml><?xml version="1.0" encoding="utf-8"?>
 <p:sld xmlns:a="http://schemas.openxmlformats.org/drawingml/2006/main" xmlns:r="http://schemas.openxmlformats.org/officeDocument/2006/relationships" xmlns:p="http://schemas.openxmlformats.org/presentationml/2006/main">
   <p:cSld>
     <p:spTree>
@@ -4821,7 +8138,7 @@
 </p:sld>
 </file>
 
-<file path=ppt/slides/slide5.xml><?xml version="1.0" encoding="utf-8"?>
+<file path=ppt/slides/slide8.xml><?xml version="1.0" encoding="utf-8"?>
 <p:sld xmlns:a="http://schemas.openxmlformats.org/drawingml/2006/main" xmlns:r="http://schemas.openxmlformats.org/officeDocument/2006/relationships" xmlns:p="http://schemas.openxmlformats.org/presentationml/2006/main">
   <p:cSld>
     <p:spTree>
@@ -4929,7 +8246,7 @@
 </p:sld>
 </file>
 
-<file path=ppt/slides/slide6.xml><?xml version="1.0" encoding="utf-8"?>
+<file path=ppt/slides/slide9.xml><?xml version="1.0" encoding="utf-8"?>
 <p:sld xmlns:a="http://schemas.openxmlformats.org/drawingml/2006/main" xmlns:r="http://schemas.openxmlformats.org/officeDocument/2006/relationships" xmlns:p="http://schemas.openxmlformats.org/presentationml/2006/main">
   <p:cSld>
     <p:spTree>
@@ -5037,334 +8354,10 @@
 </p:sld>
 </file>
 
-<file path=ppt/slides/slide7.xml><?xml version="1.0" encoding="utf-8"?>
-<p:sld xmlns:a="http://schemas.openxmlformats.org/drawingml/2006/main" xmlns:r="http://schemas.openxmlformats.org/officeDocument/2006/relationships" xmlns:p="http://schemas.openxmlformats.org/presentationml/2006/main">
-  <p:cSld>
-    <p:spTree>
-      <p:nvGrpSpPr>
-        <p:cNvPr id="1" name=""/>
-        <p:cNvGrpSpPr/>
-        <p:nvPr/>
-      </p:nvGrpSpPr>
-      <p:grpSpPr>
-        <a:xfrm>
-          <a:off x="0" y="0"/>
-          <a:ext cx="0" cy="0"/>
-          <a:chOff x="0" y="0"/>
-          <a:chExt cx="0" cy="0"/>
-        </a:xfrm>
-      </p:grpSpPr>
-      <p:sp>
-        <p:nvSpPr>
-          <p:cNvPr id="2" name="Title 1">
-            <a:extLst>
-              <a:ext uri="{FF2B5EF4-FFF2-40B4-BE49-F238E27FC236}">
-                <a16:creationId xmlns:a16="http://schemas.microsoft.com/office/drawing/2014/main" id="{98BB87E2-2923-C5EC-C711-B8298F415069}"/>
-              </a:ext>
-            </a:extLst>
-          </p:cNvPr>
-          <p:cNvSpPr>
-            <a:spLocks noGrp="1"/>
-          </p:cNvSpPr>
-          <p:nvPr>
-            <p:ph type="title"/>
-          </p:nvPr>
-        </p:nvSpPr>
-        <p:spPr/>
-        <p:txBody>
-          <a:bodyPr/>
-          <a:lstStyle/>
-          <a:p>
-            <a:r>
-              <a:rPr lang="en-US" dirty="0"/>
-              <a:t>Distribution by Installment size</a:t>
-            </a:r>
-            <a:endParaRPr lang="en-GB" dirty="0"/>
-          </a:p>
-        </p:txBody>
-      </p:sp>
-      <p:pic>
-        <p:nvPicPr>
-          <p:cNvPr id="4098" name="Picture 2">
-            <a:extLst>
-              <a:ext uri="{FF2B5EF4-FFF2-40B4-BE49-F238E27FC236}">
-                <a16:creationId xmlns:a16="http://schemas.microsoft.com/office/drawing/2014/main" id="{8787312A-AB95-C74C-29A6-4C410882A338}"/>
-              </a:ext>
-            </a:extLst>
-          </p:cNvPr>
-          <p:cNvPicPr>
-            <a:picLocks noGrp="1" noChangeAspect="1" noChangeArrowheads="1"/>
-          </p:cNvPicPr>
-          <p:nvPr>
-            <p:ph idx="1"/>
-          </p:nvPr>
-        </p:nvPicPr>
-        <p:blipFill>
-          <a:blip r:embed="rId2">
-            <a:extLst>
-              <a:ext uri="{28A0092B-C50C-407E-A947-70E740481C1C}">
-                <a14:useLocalDpi xmlns:a14="http://schemas.microsoft.com/office/drawing/2010/main" val="0"/>
-              </a:ext>
-            </a:extLst>
-          </a:blip>
-          <a:srcRect/>
-          <a:stretch>
-            <a:fillRect/>
-          </a:stretch>
-        </p:blipFill>
-        <p:spPr bwMode="auto">
-          <a:xfrm>
-            <a:off x="1234912" y="2236214"/>
-            <a:ext cx="7521406" cy="4042038"/>
-          </a:xfrm>
-          <a:prstGeom prst="rect">
-            <a:avLst/>
-          </a:prstGeom>
-          <a:noFill/>
-          <a:extLst>
-            <a:ext uri="{909E8E84-426E-40DD-AFC4-6F175D3DCCD1}">
-              <a14:hiddenFill xmlns:a14="http://schemas.microsoft.com/office/drawing/2010/main">
-                <a:solidFill>
-                  <a:srgbClr val="FFFFFF"/>
-                </a:solidFill>
-              </a14:hiddenFill>
-            </a:ext>
-          </a:extLst>
-        </p:spPr>
-      </p:pic>
-    </p:spTree>
-    <p:extLst>
-      <p:ext uri="{BB962C8B-B14F-4D97-AF65-F5344CB8AC3E}">
-        <p14:creationId xmlns:p14="http://schemas.microsoft.com/office/powerpoint/2010/main" val="3073047658"/>
-      </p:ext>
-    </p:extLst>
-  </p:cSld>
-  <p:clrMapOvr>
-    <a:masterClrMapping/>
-  </p:clrMapOvr>
-</p:sld>
-</file>
-
-<file path=ppt/slides/slide8.xml><?xml version="1.0" encoding="utf-8"?>
-<p:sld xmlns:a="http://schemas.openxmlformats.org/drawingml/2006/main" xmlns:r="http://schemas.openxmlformats.org/officeDocument/2006/relationships" xmlns:p="http://schemas.openxmlformats.org/presentationml/2006/main">
-  <p:cSld>
-    <p:spTree>
-      <p:nvGrpSpPr>
-        <p:cNvPr id="1" name=""/>
-        <p:cNvGrpSpPr/>
-        <p:nvPr/>
-      </p:nvGrpSpPr>
-      <p:grpSpPr>
-        <a:xfrm>
-          <a:off x="0" y="0"/>
-          <a:ext cx="0" cy="0"/>
-          <a:chOff x="0" y="0"/>
-          <a:chExt cx="0" cy="0"/>
-        </a:xfrm>
-      </p:grpSpPr>
-      <p:sp>
-        <p:nvSpPr>
-          <p:cNvPr id="2" name="Title 1">
-            <a:extLst>
-              <a:ext uri="{FF2B5EF4-FFF2-40B4-BE49-F238E27FC236}">
-                <a16:creationId xmlns:a16="http://schemas.microsoft.com/office/drawing/2014/main" id="{09E71CB4-DE9D-D74B-9ED3-361C3C4D0B0E}"/>
-              </a:ext>
-            </a:extLst>
-          </p:cNvPr>
-          <p:cNvSpPr>
-            <a:spLocks noGrp="1"/>
-          </p:cNvSpPr>
-          <p:nvPr>
-            <p:ph type="title"/>
-          </p:nvPr>
-        </p:nvSpPr>
-        <p:spPr/>
-        <p:txBody>
-          <a:bodyPr/>
-          <a:lstStyle/>
-          <a:p>
-            <a:r>
-              <a:rPr lang="en-US" dirty="0"/>
-              <a:t>Normalized Comparison of grades in the dataset</a:t>
-            </a:r>
-            <a:endParaRPr lang="en-GB" dirty="0"/>
-          </a:p>
-        </p:txBody>
-      </p:sp>
-      <p:pic>
-        <p:nvPicPr>
-          <p:cNvPr id="5122" name="Picture 2">
-            <a:extLst>
-              <a:ext uri="{FF2B5EF4-FFF2-40B4-BE49-F238E27FC236}">
-                <a16:creationId xmlns:a16="http://schemas.microsoft.com/office/drawing/2014/main" id="{52A037FA-E30D-65F7-E234-37258C27CCFA}"/>
-              </a:ext>
-            </a:extLst>
-          </p:cNvPr>
-          <p:cNvPicPr>
-            <a:picLocks noGrp="1" noChangeAspect="1" noChangeArrowheads="1"/>
-          </p:cNvPicPr>
-          <p:nvPr>
-            <p:ph idx="1"/>
-          </p:nvPr>
-        </p:nvPicPr>
-        <p:blipFill>
-          <a:blip r:embed="rId2">
-            <a:extLst>
-              <a:ext uri="{28A0092B-C50C-407E-A947-70E740481C1C}">
-                <a14:useLocalDpi xmlns:a14="http://schemas.microsoft.com/office/drawing/2010/main" val="0"/>
-              </a:ext>
-            </a:extLst>
-          </a:blip>
-          <a:srcRect/>
-          <a:stretch>
-            <a:fillRect/>
-          </a:stretch>
-        </p:blipFill>
-        <p:spPr bwMode="auto">
-          <a:xfrm>
-            <a:off x="1923068" y="1979630"/>
-            <a:ext cx="7701699" cy="4317476"/>
-          </a:xfrm>
-          <a:prstGeom prst="rect">
-            <a:avLst/>
-          </a:prstGeom>
-          <a:noFill/>
-          <a:extLst>
-            <a:ext uri="{909E8E84-426E-40DD-AFC4-6F175D3DCCD1}">
-              <a14:hiddenFill xmlns:a14="http://schemas.microsoft.com/office/drawing/2010/main">
-                <a:solidFill>
-                  <a:srgbClr val="FFFFFF"/>
-                </a:solidFill>
-              </a14:hiddenFill>
-            </a:ext>
-          </a:extLst>
-        </p:spPr>
-      </p:pic>
-    </p:spTree>
-    <p:extLst>
-      <p:ext uri="{BB962C8B-B14F-4D97-AF65-F5344CB8AC3E}">
-        <p14:creationId xmlns:p14="http://schemas.microsoft.com/office/powerpoint/2010/main" val="313009469"/>
-      </p:ext>
-    </p:extLst>
-  </p:cSld>
-  <p:clrMapOvr>
-    <a:masterClrMapping/>
-  </p:clrMapOvr>
-</p:sld>
-</file>
-
-<file path=ppt/slides/slide9.xml><?xml version="1.0" encoding="utf-8"?>
-<p:sld xmlns:a="http://schemas.openxmlformats.org/drawingml/2006/main" xmlns:r="http://schemas.openxmlformats.org/officeDocument/2006/relationships" xmlns:p="http://schemas.openxmlformats.org/presentationml/2006/main">
-  <p:cSld>
-    <p:spTree>
-      <p:nvGrpSpPr>
-        <p:cNvPr id="1" name=""/>
-        <p:cNvGrpSpPr/>
-        <p:nvPr/>
-      </p:nvGrpSpPr>
-      <p:grpSpPr>
-        <a:xfrm>
-          <a:off x="0" y="0"/>
-          <a:ext cx="0" cy="0"/>
-          <a:chOff x="0" y="0"/>
-          <a:chExt cx="0" cy="0"/>
-        </a:xfrm>
-      </p:grpSpPr>
-      <p:sp>
-        <p:nvSpPr>
-          <p:cNvPr id="2" name="Title 1">
-            <a:extLst>
-              <a:ext uri="{FF2B5EF4-FFF2-40B4-BE49-F238E27FC236}">
-                <a16:creationId xmlns:a16="http://schemas.microsoft.com/office/drawing/2014/main" id="{B21D9C79-9033-3D9F-C705-D986119BC8B2}"/>
-              </a:ext>
-            </a:extLst>
-          </p:cNvPr>
-          <p:cNvSpPr>
-            <a:spLocks noGrp="1"/>
-          </p:cNvSpPr>
-          <p:nvPr>
-            <p:ph type="title"/>
-          </p:nvPr>
-        </p:nvSpPr>
-        <p:spPr/>
-        <p:txBody>
-          <a:bodyPr/>
-          <a:lstStyle/>
-          <a:p>
-            <a:r>
-              <a:rPr lang="en-US" dirty="0"/>
-              <a:t>Comparison of loan status (normalized)</a:t>
-            </a:r>
-            <a:endParaRPr lang="en-GB" dirty="0"/>
-          </a:p>
-        </p:txBody>
-      </p:sp>
-      <p:pic>
-        <p:nvPicPr>
-          <p:cNvPr id="6146" name="Picture 2">
-            <a:extLst>
-              <a:ext uri="{FF2B5EF4-FFF2-40B4-BE49-F238E27FC236}">
-                <a16:creationId xmlns:a16="http://schemas.microsoft.com/office/drawing/2014/main" id="{5DE783CC-D61C-4504-5657-10383EB71AB1}"/>
-              </a:ext>
-            </a:extLst>
-          </p:cNvPr>
-          <p:cNvPicPr>
-            <a:picLocks noGrp="1" noChangeAspect="1" noChangeArrowheads="1"/>
-          </p:cNvPicPr>
-          <p:nvPr>
-            <p:ph idx="1"/>
-          </p:nvPr>
-        </p:nvPicPr>
-        <p:blipFill>
-          <a:blip r:embed="rId2">
-            <a:extLst>
-              <a:ext uri="{28A0092B-C50C-407E-A947-70E740481C1C}">
-                <a14:useLocalDpi xmlns:a14="http://schemas.microsoft.com/office/drawing/2010/main" val="0"/>
-              </a:ext>
-            </a:extLst>
-          </a:blip>
-          <a:srcRect/>
-          <a:stretch>
-            <a:fillRect/>
-          </a:stretch>
-        </p:blipFill>
-        <p:spPr bwMode="auto">
-          <a:xfrm>
-            <a:off x="1244338" y="2236214"/>
-            <a:ext cx="7492931" cy="3966623"/>
-          </a:xfrm>
-          <a:prstGeom prst="rect">
-            <a:avLst/>
-          </a:prstGeom>
-          <a:noFill/>
-          <a:extLst>
-            <a:ext uri="{909E8E84-426E-40DD-AFC4-6F175D3DCCD1}">
-              <a14:hiddenFill xmlns:a14="http://schemas.microsoft.com/office/drawing/2010/main">
-                <a:solidFill>
-                  <a:srgbClr val="FFFFFF"/>
-                </a:solidFill>
-              </a14:hiddenFill>
-            </a:ext>
-          </a:extLst>
-        </p:spPr>
-      </p:pic>
-    </p:spTree>
-    <p:extLst>
-      <p:ext uri="{BB962C8B-B14F-4D97-AF65-F5344CB8AC3E}">
-        <p14:creationId xmlns:p14="http://schemas.microsoft.com/office/powerpoint/2010/main" val="863771257"/>
-      </p:ext>
-    </p:extLst>
-  </p:cSld>
-  <p:clrMapOvr>
-    <a:masterClrMapping/>
-  </p:clrMapOvr>
-</p:sld>
-</file>
-
 <file path=ppt/theme/theme1.xml><?xml version="1.0" encoding="utf-8"?>
-<a:theme xmlns:a="http://schemas.openxmlformats.org/drawingml/2006/main" name="Office Theme">
+<a:theme xmlns:a="http://schemas.openxmlformats.org/drawingml/2006/main" name="Facet">
   <a:themeElements>
-    <a:clrScheme name="Office">
+    <a:clrScheme name="Facet">
       <a:dk1>
         <a:sysClr val="windowText" lastClr="000000"/>
       </a:dk1>
@@ -5372,52 +8365,52 @@
         <a:sysClr val="window" lastClr="FFFFFF"/>
       </a:lt1>
       <a:dk2>
-        <a:srgbClr val="44546A"/>
+        <a:srgbClr val="2C3C43"/>
       </a:dk2>
       <a:lt2>
-        <a:srgbClr val="E7E6E6"/>
+        <a:srgbClr val="EBEBEB"/>
       </a:lt2>
       <a:accent1>
-        <a:srgbClr val="4472C4"/>
+        <a:srgbClr val="90C226"/>
       </a:accent1>
       <a:accent2>
-        <a:srgbClr val="ED7D31"/>
+        <a:srgbClr val="54A021"/>
       </a:accent2>
       <a:accent3>
-        <a:srgbClr val="A5A5A5"/>
+        <a:srgbClr val="E6B91E"/>
       </a:accent3>
       <a:accent4>
-        <a:srgbClr val="FFC000"/>
+        <a:srgbClr val="E76618"/>
       </a:accent4>
       <a:accent5>
-        <a:srgbClr val="5B9BD5"/>
+        <a:srgbClr val="C42F1A"/>
       </a:accent5>
       <a:accent6>
-        <a:srgbClr val="70AD47"/>
+        <a:srgbClr val="918655"/>
       </a:accent6>
       <a:hlink>
-        <a:srgbClr val="0563C1"/>
+        <a:srgbClr val="99CA3C"/>
       </a:hlink>
       <a:folHlink>
-        <a:srgbClr val="954F72"/>
+        <a:srgbClr val="B9D181"/>
       </a:folHlink>
     </a:clrScheme>
-    <a:fontScheme name="Office">
+    <a:fontScheme name="Facet">
       <a:majorFont>
-        <a:latin typeface="Calibri Light" panose="020F0302020204030204"/>
+        <a:latin typeface="Trebuchet MS" panose="020B0603020202020204"/>
         <a:ea typeface=""/>
         <a:cs typeface=""/>
-        <a:font script="Jpan" typeface="游ゴシック Light"/>
+        <a:font script="Jpan" typeface="メイリオ"/>
         <a:font script="Hang" typeface="맑은 고딕"/>
-        <a:font script="Hans" typeface="等线 Light"/>
-        <a:font script="Hant" typeface="新細明體"/>
-        <a:font script="Arab" typeface="Times New Roman"/>
-        <a:font script="Hebr" typeface="Times New Roman"/>
-        <a:font script="Thai" typeface="Angsana New"/>
+        <a:font script="Hans" typeface="方正姚体"/>
+        <a:font script="Hant" typeface="微軟正黑體"/>
+        <a:font script="Arab" typeface="Tahoma"/>
+        <a:font script="Hebr" typeface="Arial"/>
+        <a:font script="Thai" typeface="Cordia New"/>
         <a:font script="Ethi" typeface="Nyala"/>
         <a:font script="Beng" typeface="Vrinda"/>
         <a:font script="Gujr" typeface="Shruti"/>
-        <a:font script="Khmr" typeface="MoolBoran"/>
+        <a:font script="Khmr" typeface="DaunPenh"/>
         <a:font script="Knda" typeface="Tunga"/>
         <a:font script="Guru" typeface="Raavi"/>
         <a:font script="Cans" typeface="Euphemia"/>
@@ -5434,38 +8427,21 @@
         <a:font script="Laoo" typeface="DokChampa"/>
         <a:font script="Sinh" typeface="Iskoola Pota"/>
         <a:font script="Mong" typeface="Mongolian Baiti"/>
-        <a:font script="Viet" typeface="Times New Roman"/>
+        <a:font script="Viet" typeface="Tahoma"/>
         <a:font script="Uigh" typeface="Microsoft Uighur"/>
         <a:font script="Geor" typeface="Sylfaen"/>
-        <a:font script="Armn" typeface="Arial"/>
-        <a:font script="Bugi" typeface="Leelawadee UI"/>
-        <a:font script="Bopo" typeface="Microsoft JhengHei"/>
-        <a:font script="Java" typeface="Javanese Text"/>
-        <a:font script="Lisu" typeface="Segoe UI"/>
-        <a:font script="Mymr" typeface="Myanmar Text"/>
-        <a:font script="Nkoo" typeface="Ebrima"/>
-        <a:font script="Olck" typeface="Nirmala UI"/>
-        <a:font script="Osma" typeface="Ebrima"/>
-        <a:font script="Phag" typeface="Phagspa"/>
-        <a:font script="Syrn" typeface="Estrangelo Edessa"/>
-        <a:font script="Syrj" typeface="Estrangelo Edessa"/>
-        <a:font script="Syre" typeface="Estrangelo Edessa"/>
-        <a:font script="Sora" typeface="Nirmala UI"/>
-        <a:font script="Tale" typeface="Microsoft Tai Le"/>
-        <a:font script="Talu" typeface="Microsoft New Tai Lue"/>
-        <a:font script="Tfng" typeface="Ebrima"/>
       </a:majorFont>
       <a:minorFont>
-        <a:latin typeface="Calibri" panose="020F0502020204030204"/>
+        <a:latin typeface="Trebuchet MS" panose="020B0603020202020204"/>
         <a:ea typeface=""/>
         <a:cs typeface=""/>
-        <a:font script="Jpan" typeface="游ゴシック"/>
-        <a:font script="Hang" typeface="맑은 고딕"/>
-        <a:font script="Hans" typeface="等线"/>
-        <a:font script="Hant" typeface="新細明體"/>
-        <a:font script="Arab" typeface="Arial"/>
-        <a:font script="Hebr" typeface="Arial"/>
-        <a:font script="Thai" typeface="Cordia New"/>
+        <a:font script="Jpan" typeface="メイリオ"/>
+        <a:font script="Hang" typeface="HY그래픽M"/>
+        <a:font script="Hans" typeface="华文新魏"/>
+        <a:font script="Hant" typeface="微軟正黑體"/>
+        <a:font script="Arab" typeface="Tahoma"/>
+        <a:font script="Hebr" typeface="Gisha"/>
+        <a:font script="Thai" typeface="IrisUPC"/>
         <a:font script="Ethi" typeface="Nyala"/>
         <a:font script="Beng" typeface="Vrinda"/>
         <a:font script="Gujr" typeface="Shruti"/>
@@ -5489,26 +8465,9 @@
         <a:font script="Viet" typeface="Arial"/>
         <a:font script="Uigh" typeface="Microsoft Uighur"/>
         <a:font script="Geor" typeface="Sylfaen"/>
-        <a:font script="Armn" typeface="Arial"/>
-        <a:font script="Bugi" typeface="Leelawadee UI"/>
-        <a:font script="Bopo" typeface="Microsoft JhengHei"/>
-        <a:font script="Java" typeface="Javanese Text"/>
-        <a:font script="Lisu" typeface="Segoe UI"/>
-        <a:font script="Mymr" typeface="Myanmar Text"/>
-        <a:font script="Nkoo" typeface="Ebrima"/>
-        <a:font script="Olck" typeface="Nirmala UI"/>
-        <a:font script="Osma" typeface="Ebrima"/>
-        <a:font script="Phag" typeface="Phagspa"/>
-        <a:font script="Syrn" typeface="Estrangelo Edessa"/>
-        <a:font script="Syrj" typeface="Estrangelo Edessa"/>
-        <a:font script="Syre" typeface="Estrangelo Edessa"/>
-        <a:font script="Sora" typeface="Nirmala UI"/>
-        <a:font script="Tale" typeface="Microsoft Tai Le"/>
-        <a:font script="Talu" typeface="Microsoft New Tai Lue"/>
-        <a:font script="Tfng" typeface="Ebrima"/>
       </a:minorFont>
     </a:fontScheme>
-    <a:fmtScheme name="Office">
+    <a:fmtScheme name="Facet">
       <a:fillStyleLst>
         <a:solidFill>
           <a:schemeClr val="phClr"/>
@@ -5517,23 +8476,13 @@
           <a:gsLst>
             <a:gs pos="0">
               <a:schemeClr val="phClr">
+                <a:tint val="65000"/>
                 <a:lumMod val="110000"/>
-                <a:satMod val="105000"/>
-                <a:tint val="67000"/>
               </a:schemeClr>
             </a:gs>
-            <a:gs pos="50000">
+            <a:gs pos="88000">
               <a:schemeClr val="phClr">
-                <a:lumMod val="105000"/>
-                <a:satMod val="103000"/>
-                <a:tint val="73000"/>
-              </a:schemeClr>
-            </a:gs>
-            <a:gs pos="100000">
-              <a:schemeClr val="phClr">
-                <a:lumMod val="105000"/>
-                <a:satMod val="109000"/>
-                <a:tint val="81000"/>
+                <a:tint val="90000"/>
               </a:schemeClr>
             </a:gs>
           </a:gsLst>
@@ -5543,23 +8492,14 @@
           <a:gsLst>
             <a:gs pos="0">
               <a:schemeClr val="phClr">
-                <a:satMod val="103000"/>
-                <a:lumMod val="102000"/>
-                <a:tint val="94000"/>
+                <a:tint val="96000"/>
+                <a:lumMod val="100000"/>
               </a:schemeClr>
             </a:gs>
-            <a:gs pos="50000">
+            <a:gs pos="78000">
               <a:schemeClr val="phClr">
-                <a:satMod val="110000"/>
-                <a:lumMod val="100000"/>
-                <a:shade val="100000"/>
-              </a:schemeClr>
-            </a:gs>
-            <a:gs pos="100000">
-              <a:schemeClr val="phClr">
-                <a:lumMod val="99000"/>
-                <a:satMod val="120000"/>
-                <a:shade val="78000"/>
+                <a:shade val="94000"/>
+                <a:lumMod val="94000"/>
               </a:schemeClr>
             </a:gs>
           </a:gsLst>
@@ -5567,26 +8507,23 @@
         </a:gradFill>
       </a:fillStyleLst>
       <a:lnStyleLst>
-        <a:ln w="6350" cap="flat" cmpd="sng" algn="ctr">
+        <a:ln w="12700" cap="rnd" cmpd="sng" algn="ctr">
           <a:solidFill>
             <a:schemeClr val="phClr"/>
           </a:solidFill>
           <a:prstDash val="solid"/>
-          <a:miter lim="800000"/>
         </a:ln>
-        <a:ln w="12700" cap="flat" cmpd="sng" algn="ctr">
+        <a:ln w="19050" cap="rnd" cmpd="sng" algn="ctr">
           <a:solidFill>
             <a:schemeClr val="phClr"/>
           </a:solidFill>
           <a:prstDash val="solid"/>
-          <a:miter lim="800000"/>
         </a:ln>
-        <a:ln w="19050" cap="flat" cmpd="sng" algn="ctr">
+        <a:ln w="25400" cap="rnd" cmpd="sng" algn="ctr">
           <a:solidFill>
             <a:schemeClr val="phClr"/>
           </a:solidFill>
           <a:prstDash val="solid"/>
-          <a:miter lim="800000"/>
         </a:ln>
       </a:lnStyleLst>
       <a:effectStyleLst>
@@ -5594,54 +8531,72 @@
           <a:effectLst/>
         </a:effectStyle>
         <a:effectStyle>
-          <a:effectLst/>
+          <a:effectLst>
+            <a:outerShdw blurRad="38100" dist="25400" dir="5400000" rotWithShape="0">
+              <a:srgbClr val="000000">
+                <a:alpha val="35000"/>
+              </a:srgbClr>
+            </a:outerShdw>
+          </a:effectLst>
         </a:effectStyle>
         <a:effectStyle>
           <a:effectLst>
-            <a:outerShdw blurRad="57150" dist="19050" dir="5400000" algn="ctr" rotWithShape="0">
+            <a:outerShdw blurRad="50800" dist="38100" dir="5400000" rotWithShape="0">
               <a:srgbClr val="000000">
-                <a:alpha val="63000"/>
+                <a:alpha val="35000"/>
               </a:srgbClr>
             </a:outerShdw>
           </a:effectLst>
+          <a:scene3d>
+            <a:camera prst="orthographicFront">
+              <a:rot lat="0" lon="0" rev="0"/>
+            </a:camera>
+            <a:lightRig rig="threePt" dir="tl"/>
+          </a:scene3d>
+          <a:sp3d prstMaterial="plastic">
+            <a:bevelT w="0" h="0"/>
+          </a:sp3d>
         </a:effectStyle>
       </a:effectStyleLst>
       <a:bgFillStyleLst>
         <a:solidFill>
           <a:schemeClr val="phClr"/>
         </a:solidFill>
-        <a:solidFill>
-          <a:schemeClr val="phClr">
-            <a:tint val="95000"/>
-            <a:satMod val="170000"/>
-          </a:schemeClr>
-        </a:solidFill>
         <a:gradFill rotWithShape="1">
           <a:gsLst>
             <a:gs pos="0">
               <a:schemeClr val="phClr">
-                <a:tint val="93000"/>
-                <a:satMod val="150000"/>
-                <a:shade val="98000"/>
-                <a:lumMod val="102000"/>
+                <a:tint val="90000"/>
+                <a:lumMod val="104000"/>
               </a:schemeClr>
             </a:gs>
-            <a:gs pos="50000">
+            <a:gs pos="94000">
               <a:schemeClr val="phClr">
-                <a:tint val="98000"/>
-                <a:satMod val="130000"/>
-                <a:shade val="90000"/>
-                <a:lumMod val="103000"/>
+                <a:shade val="96000"/>
+                <a:lumMod val="82000"/>
+              </a:schemeClr>
+            </a:gs>
+          </a:gsLst>
+          <a:lin ang="5400000" scaled="0"/>
+        </a:gradFill>
+        <a:gradFill rotWithShape="1">
+          <a:gsLst>
+            <a:gs pos="0">
+              <a:schemeClr val="phClr">
+                <a:tint val="90000"/>
+                <a:lumMod val="110000"/>
               </a:schemeClr>
             </a:gs>
             <a:gs pos="100000">
               <a:schemeClr val="phClr">
-                <a:shade val="63000"/>
-                <a:satMod val="120000"/>
+                <a:shade val="94000"/>
+                <a:lumMod val="96000"/>
               </a:schemeClr>
             </a:gs>
           </a:gsLst>
-          <a:lin ang="5400000" scaled="0"/>
+          <a:path path="circle">
+            <a:fillToRect l="50000" t="50000" r="100000" b="100000"/>
+          </a:path>
         </a:gradFill>
       </a:bgFillStyleLst>
     </a:fmtScheme>
@@ -5650,7 +8605,7 @@
   <a:extraClrSchemeLst/>
   <a:extLst>
     <a:ext uri="{05A4C25C-085E-4340-85A3-A5531E510DB2}">
-      <thm15:themeFamily xmlns:thm15="http://schemas.microsoft.com/office/thememl/2012/main" name="Office Theme" id="{62F939B6-93AF-4DB8-9C6B-D6C7DFDC589F}" vid="{4A3C46E8-61CC-4603-A589-7422A47A8E4A}"/>
+      <thm15:themeFamily xmlns:thm15="http://schemas.microsoft.com/office/thememl/2012/main" name="Facet" id="{C0C680CD-088A-49FC-A102-D699147F32B2}" vid="{CFBC31BA-B70F-4F30-BCAA-4F3011E16C4D}"/>
     </a:ext>
   </a:extLst>
 </a:theme>

--- a/Sprint1.pptx
+++ b/Sprint1.pptx
@@ -7,18 +7,19 @@
   <p:sldIdLst>
     <p:sldId id="256" r:id="rId2"/>
     <p:sldId id="267" r:id="rId3"/>
-    <p:sldId id="268" r:id="rId4"/>
-    <p:sldId id="269" r:id="rId5"/>
-    <p:sldId id="271" r:id="rId6"/>
-    <p:sldId id="266" r:id="rId7"/>
-    <p:sldId id="258" r:id="rId8"/>
-    <p:sldId id="259" r:id="rId9"/>
-    <p:sldId id="260" r:id="rId10"/>
-    <p:sldId id="261" r:id="rId11"/>
-    <p:sldId id="262" r:id="rId12"/>
-    <p:sldId id="263" r:id="rId13"/>
-    <p:sldId id="264" r:id="rId14"/>
-    <p:sldId id="270" r:id="rId15"/>
+    <p:sldId id="272" r:id="rId4"/>
+    <p:sldId id="268" r:id="rId5"/>
+    <p:sldId id="269" r:id="rId6"/>
+    <p:sldId id="271" r:id="rId7"/>
+    <p:sldId id="266" r:id="rId8"/>
+    <p:sldId id="258" r:id="rId9"/>
+    <p:sldId id="259" r:id="rId10"/>
+    <p:sldId id="260" r:id="rId11"/>
+    <p:sldId id="261" r:id="rId12"/>
+    <p:sldId id="262" r:id="rId13"/>
+    <p:sldId id="263" r:id="rId14"/>
+    <p:sldId id="264" r:id="rId15"/>
+    <p:sldId id="270" r:id="rId16"/>
   </p:sldIdLst>
   <p:sldSz cx="12192000" cy="6858000"/>
   <p:notesSz cx="6858000" cy="9144000"/>
@@ -130,7 +131,7 @@
   <pc:docChgLst>
     <pc:chgData name="Vidyasagar Botcha" userId="240f3d197f7be7fa" providerId="LiveId" clId="{2C5D13EA-3EA3-4785-8643-B4951C5C8F4E}"/>
     <pc:docChg chg="undo custSel addSld delSld modSld">
-      <pc:chgData name="Vidyasagar Botcha" userId="240f3d197f7be7fa" providerId="LiveId" clId="{2C5D13EA-3EA3-4785-8643-B4951C5C8F4E}" dt="2023-11-23T12:58:02.306" v="2900" actId="20577"/>
+      <pc:chgData name="Vidyasagar Botcha" userId="240f3d197f7be7fa" providerId="LiveId" clId="{2C5D13EA-3EA3-4785-8643-B4951C5C8F4E}" dt="2023-11-27T08:41:47.406" v="2913" actId="11529"/>
       <pc:docMkLst>
         <pc:docMk/>
       </pc:docMkLst>
@@ -531,8 +532,8 @@
           </ac:graphicFrameMkLst>
         </pc:graphicFrameChg>
       </pc:sldChg>
-      <pc:sldChg chg="modSp new mod">
-        <pc:chgData name="Vidyasagar Botcha" userId="240f3d197f7be7fa" providerId="LiveId" clId="{2C5D13EA-3EA3-4785-8643-B4951C5C8F4E}" dt="2023-11-23T12:57:14.538" v="2834"/>
+      <pc:sldChg chg="addSp modSp new mod">
+        <pc:chgData name="Vidyasagar Botcha" userId="240f3d197f7be7fa" providerId="LiveId" clId="{2C5D13EA-3EA3-4785-8643-B4951C5C8F4E}" dt="2023-11-27T08:41:47.406" v="2913" actId="11529"/>
         <pc:sldMkLst>
           <pc:docMk/>
           <pc:sldMk cId="156826702" sldId="267"/>
@@ -546,16 +547,32 @@
           </ac:spMkLst>
         </pc:spChg>
         <pc:spChg chg="mod">
-          <ac:chgData name="Vidyasagar Botcha" userId="240f3d197f7be7fa" providerId="LiveId" clId="{2C5D13EA-3EA3-4785-8643-B4951C5C8F4E}" dt="2023-11-23T12:57:14.538" v="2834"/>
+          <ac:chgData name="Vidyasagar Botcha" userId="240f3d197f7be7fa" providerId="LiveId" clId="{2C5D13EA-3EA3-4785-8643-B4951C5C8F4E}" dt="2023-11-27T08:35:54.994" v="2909" actId="20577"/>
           <ac:spMkLst>
             <pc:docMk/>
             <pc:sldMk cId="156826702" sldId="267"/>
             <ac:spMk id="3" creationId="{81CC03BF-5C2E-D271-A4D6-ABD0531F2215}"/>
           </ac:spMkLst>
         </pc:spChg>
+        <pc:spChg chg="add">
+          <ac:chgData name="Vidyasagar Botcha" userId="240f3d197f7be7fa" providerId="LiveId" clId="{2C5D13EA-3EA3-4785-8643-B4951C5C8F4E}" dt="2023-11-27T08:41:47.406" v="2913" actId="11529"/>
+          <ac:spMkLst>
+            <pc:docMk/>
+            <pc:sldMk cId="156826702" sldId="267"/>
+            <ac:spMk id="8" creationId="{75387EC0-3B1B-DF07-AB66-51964A9F5E46}"/>
+          </ac:spMkLst>
+        </pc:spChg>
+        <pc:cxnChg chg="add">
+          <ac:chgData name="Vidyasagar Botcha" userId="240f3d197f7be7fa" providerId="LiveId" clId="{2C5D13EA-3EA3-4785-8643-B4951C5C8F4E}" dt="2023-11-27T08:41:36.427" v="2912" actId="11529"/>
+          <ac:cxnSpMkLst>
+            <pc:docMk/>
+            <pc:sldMk cId="156826702" sldId="267"/>
+            <ac:cxnSpMk id="7" creationId="{A64FCB1F-2ED4-F764-6FA3-B2CFACC878DB}"/>
+          </ac:cxnSpMkLst>
+        </pc:cxnChg>
       </pc:sldChg>
       <pc:sldChg chg="modSp new mod">
-        <pc:chgData name="Vidyasagar Botcha" userId="240f3d197f7be7fa" providerId="LiveId" clId="{2C5D13EA-3EA3-4785-8643-B4951C5C8F4E}" dt="2023-11-23T12:57:14.538" v="2834"/>
+        <pc:chgData name="Vidyasagar Botcha" userId="240f3d197f7be7fa" providerId="LiveId" clId="{2C5D13EA-3EA3-4785-8643-B4951C5C8F4E}" dt="2023-11-27T08:36:24.209" v="2910" actId="313"/>
         <pc:sldMkLst>
           <pc:docMk/>
           <pc:sldMk cId="4067673262" sldId="268"/>
@@ -569,7 +586,7 @@
           </ac:spMkLst>
         </pc:spChg>
         <pc:spChg chg="mod">
-          <ac:chgData name="Vidyasagar Botcha" userId="240f3d197f7be7fa" providerId="LiveId" clId="{2C5D13EA-3EA3-4785-8643-B4951C5C8F4E}" dt="2023-11-23T12:57:14.538" v="2834"/>
+          <ac:chgData name="Vidyasagar Botcha" userId="240f3d197f7be7fa" providerId="LiveId" clId="{2C5D13EA-3EA3-4785-8643-B4951C5C8F4E}" dt="2023-11-27T08:36:24.209" v="2910" actId="313"/>
           <ac:spMkLst>
             <pc:docMk/>
             <pc:sldMk cId="4067673262" sldId="268"/>
@@ -684,6 +701,13 @@
             <ac:picMk id="1028" creationId="{9F48F2A9-3897-EA31-B5EB-9CFDAD7611E0}"/>
           </ac:picMkLst>
         </pc:picChg>
+      </pc:sldChg>
+      <pc:sldChg chg="new">
+        <pc:chgData name="Vidyasagar Botcha" userId="240f3d197f7be7fa" providerId="LiveId" clId="{2C5D13EA-3EA3-4785-8643-B4951C5C8F4E}" dt="2023-11-27T08:40:36.839" v="2911" actId="680"/>
+        <pc:sldMkLst>
+          <pc:docMk/>
+          <pc:sldMk cId="90752218" sldId="272"/>
+        </pc:sldMkLst>
       </pc:sldChg>
     </pc:docChg>
   </pc:docChgLst>
@@ -1412,7 +1436,7 @@
           <a:p>
             <a:fld id="{4C85C6B4-8F7B-4FA9-BDAA-7F02421F6AD7}" type="datetimeFigureOut">
               <a:rPr lang="en-GB" smtClean="0"/>
-              <a:t>23/11/2023</a:t>
+              <a:t>27/11/2023</a:t>
             </a:fld>
             <a:endParaRPr lang="en-GB"/>
           </a:p>
@@ -1663,7 +1687,7 @@
           <a:p>
             <a:fld id="{4C85C6B4-8F7B-4FA9-BDAA-7F02421F6AD7}" type="datetimeFigureOut">
               <a:rPr lang="en-GB" smtClean="0"/>
-              <a:t>23/11/2023</a:t>
+              <a:t>27/11/2023</a:t>
             </a:fld>
             <a:endParaRPr lang="en-GB"/>
           </a:p>
@@ -1977,7 +2001,7 @@
           <a:p>
             <a:fld id="{4C85C6B4-8F7B-4FA9-BDAA-7F02421F6AD7}" type="datetimeFigureOut">
               <a:rPr lang="en-GB" smtClean="0"/>
-              <a:t>23/11/2023</a:t>
+              <a:t>27/11/2023</a:t>
             </a:fld>
             <a:endParaRPr lang="en-GB"/>
           </a:p>
@@ -2318,7 +2342,7 @@
           <a:p>
             <a:fld id="{4C85C6B4-8F7B-4FA9-BDAA-7F02421F6AD7}" type="datetimeFigureOut">
               <a:rPr lang="en-GB" smtClean="0"/>
-              <a:t>23/11/2023</a:t>
+              <a:t>27/11/2023</a:t>
             </a:fld>
             <a:endParaRPr lang="en-GB"/>
           </a:p>
@@ -2632,7 +2656,7 @@
           <a:p>
             <a:fld id="{4C85C6B4-8F7B-4FA9-BDAA-7F02421F6AD7}" type="datetimeFigureOut">
               <a:rPr lang="en-GB" smtClean="0"/>
-              <a:t>23/11/2023</a:t>
+              <a:t>27/11/2023</a:t>
             </a:fld>
             <a:endParaRPr lang="en-GB"/>
           </a:p>
@@ -3025,7 +3049,7 @@
           <a:p>
             <a:fld id="{4C85C6B4-8F7B-4FA9-BDAA-7F02421F6AD7}" type="datetimeFigureOut">
               <a:rPr lang="en-GB" smtClean="0"/>
-              <a:t>23/11/2023</a:t>
+              <a:t>27/11/2023</a:t>
             </a:fld>
             <a:endParaRPr lang="en-GB"/>
           </a:p>
@@ -3195,7 +3219,7 @@
           <a:p>
             <a:fld id="{4C85C6B4-8F7B-4FA9-BDAA-7F02421F6AD7}" type="datetimeFigureOut">
               <a:rPr lang="en-GB" smtClean="0"/>
-              <a:t>23/11/2023</a:t>
+              <a:t>27/11/2023</a:t>
             </a:fld>
             <a:endParaRPr lang="en-GB"/>
           </a:p>
@@ -3375,7 +3399,7 @@
           <a:p>
             <a:fld id="{4C85C6B4-8F7B-4FA9-BDAA-7F02421F6AD7}" type="datetimeFigureOut">
               <a:rPr lang="en-GB" smtClean="0"/>
-              <a:t>23/11/2023</a:t>
+              <a:t>27/11/2023</a:t>
             </a:fld>
             <a:endParaRPr lang="en-GB"/>
           </a:p>
@@ -3551,7 +3575,7 @@
           <a:p>
             <a:fld id="{4C85C6B4-8F7B-4FA9-BDAA-7F02421F6AD7}" type="datetimeFigureOut">
               <a:rPr lang="en-GB" smtClean="0"/>
-              <a:t>23/11/2023</a:t>
+              <a:t>27/11/2023</a:t>
             </a:fld>
             <a:endParaRPr lang="en-GB"/>
           </a:p>
@@ -3798,7 +3822,7 @@
           <a:p>
             <a:fld id="{4C85C6B4-8F7B-4FA9-BDAA-7F02421F6AD7}" type="datetimeFigureOut">
               <a:rPr lang="en-GB" smtClean="0"/>
-              <a:t>23/11/2023</a:t>
+              <a:t>27/11/2023</a:t>
             </a:fld>
             <a:endParaRPr lang="en-GB"/>
           </a:p>
@@ -4030,7 +4054,7 @@
           <a:p>
             <a:fld id="{4C85C6B4-8F7B-4FA9-BDAA-7F02421F6AD7}" type="datetimeFigureOut">
               <a:rPr lang="en-GB" smtClean="0"/>
-              <a:t>23/11/2023</a:t>
+              <a:t>27/11/2023</a:t>
             </a:fld>
             <a:endParaRPr lang="en-GB"/>
           </a:p>
@@ -4404,7 +4428,7 @@
           <a:p>
             <a:fld id="{4C85C6B4-8F7B-4FA9-BDAA-7F02421F6AD7}" type="datetimeFigureOut">
               <a:rPr lang="en-GB" smtClean="0"/>
-              <a:t>23/11/2023</a:t>
+              <a:t>27/11/2023</a:t>
             </a:fld>
             <a:endParaRPr lang="en-GB"/>
           </a:p>
@@ -4527,7 +4551,7 @@
           <a:p>
             <a:fld id="{4C85C6B4-8F7B-4FA9-BDAA-7F02421F6AD7}" type="datetimeFigureOut">
               <a:rPr lang="en-GB" smtClean="0"/>
-              <a:t>23/11/2023</a:t>
+              <a:t>27/11/2023</a:t>
             </a:fld>
             <a:endParaRPr lang="en-GB"/>
           </a:p>
@@ -4622,7 +4646,7 @@
           <a:p>
             <a:fld id="{4C85C6B4-8F7B-4FA9-BDAA-7F02421F6AD7}" type="datetimeFigureOut">
               <a:rPr lang="en-GB" smtClean="0"/>
-              <a:t>23/11/2023</a:t>
+              <a:t>27/11/2023</a:t>
             </a:fld>
             <a:endParaRPr lang="en-GB"/>
           </a:p>
@@ -4877,7 +4901,7 @@
           <a:p>
             <a:fld id="{4C85C6B4-8F7B-4FA9-BDAA-7F02421F6AD7}" type="datetimeFigureOut">
               <a:rPr lang="en-GB" smtClean="0"/>
-              <a:t>23/11/2023</a:t>
+              <a:t>27/11/2023</a:t>
             </a:fld>
             <a:endParaRPr lang="en-GB"/>
           </a:p>
@@ -5140,7 +5164,7 @@
           <a:p>
             <a:fld id="{4C85C6B4-8F7B-4FA9-BDAA-7F02421F6AD7}" type="datetimeFigureOut">
               <a:rPr lang="en-GB" smtClean="0"/>
-              <a:t>23/11/2023</a:t>
+              <a:t>27/11/2023</a:t>
             </a:fld>
             <a:endParaRPr lang="en-GB"/>
           </a:p>
@@ -5883,7 +5907,7 @@
           <a:p>
             <a:fld id="{4C85C6B4-8F7B-4FA9-BDAA-7F02421F6AD7}" type="datetimeFigureOut">
               <a:rPr lang="en-GB" smtClean="0"/>
-              <a:t>23/11/2023</a:t>
+              <a:t>27/11/2023</a:t>
             </a:fld>
             <a:endParaRPr lang="en-GB"/>
           </a:p>
@@ -6573,6 +6597,114 @@
           <p:cNvPr id="2" name="Title 1">
             <a:extLst>
               <a:ext uri="{FF2B5EF4-FFF2-40B4-BE49-F238E27FC236}">
+                <a16:creationId xmlns:a16="http://schemas.microsoft.com/office/drawing/2014/main" id="{CB0CF19E-97A8-67EF-AE51-1BB278A9CEF6}"/>
+              </a:ext>
+            </a:extLst>
+          </p:cNvPr>
+          <p:cNvSpPr>
+            <a:spLocks noGrp="1"/>
+          </p:cNvSpPr>
+          <p:nvPr>
+            <p:ph type="title"/>
+          </p:nvPr>
+        </p:nvSpPr>
+        <p:spPr/>
+        <p:txBody>
+          <a:bodyPr/>
+          <a:lstStyle/>
+          <a:p>
+            <a:r>
+              <a:rPr lang="en-US" dirty="0"/>
+              <a:t>Distribution of Loans by Interest rate</a:t>
+            </a:r>
+            <a:endParaRPr lang="en-GB" dirty="0"/>
+          </a:p>
+        </p:txBody>
+      </p:sp>
+      <p:pic>
+        <p:nvPicPr>
+          <p:cNvPr id="3074" name="Picture 2">
+            <a:extLst>
+              <a:ext uri="{FF2B5EF4-FFF2-40B4-BE49-F238E27FC236}">
+                <a16:creationId xmlns:a16="http://schemas.microsoft.com/office/drawing/2014/main" id="{7B4DD430-E5AB-377A-A65B-9E10A757F891}"/>
+              </a:ext>
+            </a:extLst>
+          </p:cNvPr>
+          <p:cNvPicPr>
+            <a:picLocks noGrp="1" noChangeAspect="1" noChangeArrowheads="1"/>
+          </p:cNvPicPr>
+          <p:nvPr>
+            <p:ph idx="1"/>
+          </p:nvPr>
+        </p:nvPicPr>
+        <p:blipFill>
+          <a:blip r:embed="rId2">
+            <a:extLst>
+              <a:ext uri="{28A0092B-C50C-407E-A947-70E740481C1C}">
+                <a14:useLocalDpi xmlns:a14="http://schemas.microsoft.com/office/drawing/2010/main" val="0"/>
+              </a:ext>
+            </a:extLst>
+          </a:blip>
+          <a:srcRect/>
+          <a:stretch>
+            <a:fillRect/>
+          </a:stretch>
+        </p:blipFill>
+        <p:spPr bwMode="auto">
+          <a:xfrm>
+            <a:off x="1470581" y="1690688"/>
+            <a:ext cx="8135332" cy="4389601"/>
+          </a:xfrm>
+          <a:prstGeom prst="rect">
+            <a:avLst/>
+          </a:prstGeom>
+          <a:noFill/>
+          <a:extLst>
+            <a:ext uri="{909E8E84-426E-40DD-AFC4-6F175D3DCCD1}">
+              <a14:hiddenFill xmlns:a14="http://schemas.microsoft.com/office/drawing/2010/main">
+                <a:solidFill>
+                  <a:srgbClr val="FFFFFF"/>
+                </a:solidFill>
+              </a14:hiddenFill>
+            </a:ext>
+          </a:extLst>
+        </p:spPr>
+      </p:pic>
+    </p:spTree>
+    <p:extLst>
+      <p:ext uri="{BB962C8B-B14F-4D97-AF65-F5344CB8AC3E}">
+        <p14:creationId xmlns:p14="http://schemas.microsoft.com/office/powerpoint/2010/main" val="3419615912"/>
+      </p:ext>
+    </p:extLst>
+  </p:cSld>
+  <p:clrMapOvr>
+    <a:masterClrMapping/>
+  </p:clrMapOvr>
+</p:sld>
+</file>
+
+<file path=ppt/slides/slide11.xml><?xml version="1.0" encoding="utf-8"?>
+<p:sld xmlns:a="http://schemas.openxmlformats.org/drawingml/2006/main" xmlns:r="http://schemas.openxmlformats.org/officeDocument/2006/relationships" xmlns:p="http://schemas.openxmlformats.org/presentationml/2006/main">
+  <p:cSld>
+    <p:spTree>
+      <p:nvGrpSpPr>
+        <p:cNvPr id="1" name=""/>
+        <p:cNvGrpSpPr/>
+        <p:nvPr/>
+      </p:nvGrpSpPr>
+      <p:grpSpPr>
+        <a:xfrm>
+          <a:off x="0" y="0"/>
+          <a:ext cx="0" cy="0"/>
+          <a:chOff x="0" y="0"/>
+          <a:chExt cx="0" cy="0"/>
+        </a:xfrm>
+      </p:grpSpPr>
+      <p:sp>
+        <p:nvSpPr>
+          <p:cNvPr id="2" name="Title 1">
+            <a:extLst>
+              <a:ext uri="{FF2B5EF4-FFF2-40B4-BE49-F238E27FC236}">
                 <a16:creationId xmlns:a16="http://schemas.microsoft.com/office/drawing/2014/main" id="{98BB87E2-2923-C5EC-C711-B8298F415069}"/>
               </a:ext>
             </a:extLst>
@@ -6659,7 +6791,7 @@
 </p:sld>
 </file>
 
-<file path=ppt/slides/slide11.xml><?xml version="1.0" encoding="utf-8"?>
+<file path=ppt/slides/slide12.xml><?xml version="1.0" encoding="utf-8"?>
 <p:sld xmlns:a="http://schemas.openxmlformats.org/drawingml/2006/main" xmlns:r="http://schemas.openxmlformats.org/officeDocument/2006/relationships" xmlns:p="http://schemas.openxmlformats.org/presentationml/2006/main">
   <p:cSld>
     <p:spTree>
@@ -6767,7 +6899,7 @@
 </p:sld>
 </file>
 
-<file path=ppt/slides/slide12.xml><?xml version="1.0" encoding="utf-8"?>
+<file path=ppt/slides/slide13.xml><?xml version="1.0" encoding="utf-8"?>
 <p:sld xmlns:a="http://schemas.openxmlformats.org/drawingml/2006/main" xmlns:r="http://schemas.openxmlformats.org/officeDocument/2006/relationships" xmlns:p="http://schemas.openxmlformats.org/presentationml/2006/main">
   <p:cSld>
     <p:spTree>
@@ -6875,7 +7007,7 @@
 </p:sld>
 </file>
 
-<file path=ppt/slides/slide13.xml><?xml version="1.0" encoding="utf-8"?>
+<file path=ppt/slides/slide14.xml><?xml version="1.0" encoding="utf-8"?>
 <p:sld xmlns:a="http://schemas.openxmlformats.org/drawingml/2006/main" xmlns:r="http://schemas.openxmlformats.org/officeDocument/2006/relationships" xmlns:p="http://schemas.openxmlformats.org/presentationml/2006/main">
   <p:cSld>
     <p:spTree>
@@ -6983,7 +7115,7 @@
 </p:sld>
 </file>
 
-<file path=ppt/slides/slide14.xml><?xml version="1.0" encoding="utf-8"?>
+<file path=ppt/slides/slide15.xml><?xml version="1.0" encoding="utf-8"?>
 <p:sld xmlns:a="http://schemas.openxmlformats.org/drawingml/2006/main" xmlns:r="http://schemas.openxmlformats.org/officeDocument/2006/relationships" xmlns:p="http://schemas.openxmlformats.org/presentationml/2006/main">
   <p:cSld>
     <p:spTree>
@@ -7201,7 +7333,7 @@
             </a:pPr>
             <a:r>
               <a:rPr lang="en-GB" dirty="0"/>
-              <a:t>Business Problem: </a:t>
+              <a:t>Typical Business Problems: </a:t>
             </a:r>
           </a:p>
           <a:p>
@@ -7243,6 +7375,91 @@
               <a:rPr lang="en-GB" dirty="0"/>
               <a:t>Segmenting customers</a:t>
             </a:r>
+          </a:p>
+        </p:txBody>
+      </p:sp>
+      <p:cxnSp>
+        <p:nvCxnSpPr>
+          <p:cNvPr id="7" name="Straight Arrow Connector 6">
+            <a:extLst>
+              <a:ext uri="{FF2B5EF4-FFF2-40B4-BE49-F238E27FC236}">
+                <a16:creationId xmlns:a16="http://schemas.microsoft.com/office/drawing/2014/main" id="{A64FCB1F-2ED4-F764-6FA3-B2CFACC878DB}"/>
+              </a:ext>
+            </a:extLst>
+          </p:cNvPr>
+          <p:cNvCxnSpPr/>
+          <p:nvPr/>
+        </p:nvCxnSpPr>
+        <p:spPr>
+          <a:xfrm>
+            <a:off x="3695307" y="3139126"/>
+            <a:ext cx="1404594" cy="0"/>
+          </a:xfrm>
+          <a:prstGeom prst="straightConnector1">
+            <a:avLst/>
+          </a:prstGeom>
+          <a:ln>
+            <a:tailEnd type="triangle"/>
+          </a:ln>
+        </p:spPr>
+        <p:style>
+          <a:lnRef idx="1">
+            <a:schemeClr val="accent1"/>
+          </a:lnRef>
+          <a:fillRef idx="0">
+            <a:schemeClr val="accent1"/>
+          </a:fillRef>
+          <a:effectRef idx="0">
+            <a:schemeClr val="accent1"/>
+          </a:effectRef>
+          <a:fontRef idx="minor">
+            <a:schemeClr val="tx1"/>
+          </a:fontRef>
+        </p:style>
+      </p:cxnSp>
+      <p:sp>
+        <p:nvSpPr>
+          <p:cNvPr id="8" name="Rectangle 7">
+            <a:extLst>
+              <a:ext uri="{FF2B5EF4-FFF2-40B4-BE49-F238E27FC236}">
+                <a16:creationId xmlns:a16="http://schemas.microsoft.com/office/drawing/2014/main" id="{75387EC0-3B1B-DF07-AB66-51964A9F5E46}"/>
+              </a:ext>
+            </a:extLst>
+          </p:cNvPr>
+          <p:cNvSpPr/>
+          <p:nvPr/>
+        </p:nvSpPr>
+        <p:spPr>
+          <a:xfrm>
+            <a:off x="5844619" y="3139126"/>
+            <a:ext cx="1404594" cy="443056"/>
+          </a:xfrm>
+          <a:prstGeom prst="rect">
+            <a:avLst/>
+          </a:prstGeom>
+        </p:spPr>
+        <p:style>
+          <a:lnRef idx="2">
+            <a:schemeClr val="accent1">
+              <a:shade val="15000"/>
+            </a:schemeClr>
+          </a:lnRef>
+          <a:fillRef idx="1">
+            <a:schemeClr val="accent1"/>
+          </a:fillRef>
+          <a:effectRef idx="0">
+            <a:schemeClr val="accent1"/>
+          </a:effectRef>
+          <a:fontRef idx="minor">
+            <a:schemeClr val="lt1"/>
+          </a:fontRef>
+        </p:style>
+        <p:txBody>
+          <a:bodyPr rtlCol="0" anchor="ctr"/>
+          <a:lstStyle/>
+          <a:p>
+            <a:pPr algn="ctr"/>
+            <a:endParaRPr lang="en-GB"/>
           </a:p>
         </p:txBody>
       </p:sp>
@@ -7281,7 +7498,7 @@
           <p:cNvPr id="2" name="Title 1">
             <a:extLst>
               <a:ext uri="{FF2B5EF4-FFF2-40B4-BE49-F238E27FC236}">
-                <a16:creationId xmlns:a16="http://schemas.microsoft.com/office/drawing/2014/main" id="{D049A627-BB2B-B5C1-C84C-E77ECB97CD60}"/>
+                <a16:creationId xmlns:a16="http://schemas.microsoft.com/office/drawing/2014/main" id="{F9439CA7-16C6-F309-4DA5-DB4CD824AE6E}"/>
               </a:ext>
             </a:extLst>
           </p:cNvPr>
@@ -7297,11 +7514,7 @@
           <a:bodyPr/>
           <a:lstStyle/>
           <a:p>
-            <a:r>
-              <a:rPr lang="en-US" dirty="0"/>
-              <a:t>Solutions through Data Science</a:t>
-            </a:r>
-            <a:endParaRPr lang="en-GB" dirty="0"/>
+            <a:endParaRPr lang="en-GB"/>
           </a:p>
         </p:txBody>
       </p:sp>
@@ -7310,7 +7523,7 @@
           <p:cNvPr id="3" name="Content Placeholder 2">
             <a:extLst>
               <a:ext uri="{FF2B5EF4-FFF2-40B4-BE49-F238E27FC236}">
-                <a16:creationId xmlns:a16="http://schemas.microsoft.com/office/drawing/2014/main" id="{7BEB10E7-7850-A53D-99A4-FE53DC754A71}"/>
+                <a16:creationId xmlns:a16="http://schemas.microsoft.com/office/drawing/2014/main" id="{27FB3EDB-FD5C-D806-6E36-74B17EEC71CD}"/>
               </a:ext>
             </a:extLst>
           </p:cNvPr>
@@ -7326,35 +7539,6 @@
           <a:bodyPr/>
           <a:lstStyle/>
           <a:p>
-            <a:r>
-              <a:rPr lang="en-US" dirty="0"/>
-              <a:t>Identify patterns driving successful outcomes </a:t>
-            </a:r>
-          </a:p>
-          <a:p>
-            <a:pPr marL="0" indent="0">
-              <a:buNone/>
-            </a:pPr>
-            <a:endParaRPr lang="en-US" dirty="0"/>
-          </a:p>
-          <a:p>
-            <a:r>
-              <a:rPr lang="en-US" dirty="0"/>
-              <a:t>Answer questions such as whether there is a statistical significance difference successful outcomes when the term of loan is 3 years or 5 years and when the interest rate is, for instance, 13% or 15%</a:t>
-            </a:r>
-          </a:p>
-          <a:p>
-            <a:endParaRPr lang="en-US" dirty="0"/>
-          </a:p>
-          <a:p>
-            <a:r>
-              <a:rPr lang="en-US" dirty="0"/>
-              <a:t>Which features played a major role in successful outcomes and which features are </a:t>
-            </a:r>
-            <a:r>
-              <a:rPr lang="en-US" dirty="0" err="1"/>
-              <a:t>irrelavant</a:t>
-            </a:r>
             <a:endParaRPr lang="en-GB" dirty="0"/>
           </a:p>
         </p:txBody>
@@ -7362,7 +7546,7 @@
     </p:spTree>
     <p:extLst>
       <p:ext uri="{BB962C8B-B14F-4D97-AF65-F5344CB8AC3E}">
-        <p14:creationId xmlns:p14="http://schemas.microsoft.com/office/powerpoint/2010/main" val="4067673262"/>
+        <p14:creationId xmlns:p14="http://schemas.microsoft.com/office/powerpoint/2010/main" val="90752218"/>
       </p:ext>
     </p:extLst>
   </p:cSld>
@@ -7394,6 +7578,115 @@
           <p:cNvPr id="2" name="Title 1">
             <a:extLst>
               <a:ext uri="{FF2B5EF4-FFF2-40B4-BE49-F238E27FC236}">
+                <a16:creationId xmlns:a16="http://schemas.microsoft.com/office/drawing/2014/main" id="{D049A627-BB2B-B5C1-C84C-E77ECB97CD60}"/>
+              </a:ext>
+            </a:extLst>
+          </p:cNvPr>
+          <p:cNvSpPr>
+            <a:spLocks noGrp="1"/>
+          </p:cNvSpPr>
+          <p:nvPr>
+            <p:ph type="title"/>
+          </p:nvPr>
+        </p:nvSpPr>
+        <p:spPr/>
+        <p:txBody>
+          <a:bodyPr/>
+          <a:lstStyle/>
+          <a:p>
+            <a:r>
+              <a:rPr lang="en-US" dirty="0"/>
+              <a:t>Solutions through Data Science</a:t>
+            </a:r>
+            <a:endParaRPr lang="en-GB" dirty="0"/>
+          </a:p>
+        </p:txBody>
+      </p:sp>
+      <p:sp>
+        <p:nvSpPr>
+          <p:cNvPr id="3" name="Content Placeholder 2">
+            <a:extLst>
+              <a:ext uri="{FF2B5EF4-FFF2-40B4-BE49-F238E27FC236}">
+                <a16:creationId xmlns:a16="http://schemas.microsoft.com/office/drawing/2014/main" id="{7BEB10E7-7850-A53D-99A4-FE53DC754A71}"/>
+              </a:ext>
+            </a:extLst>
+          </p:cNvPr>
+          <p:cNvSpPr>
+            <a:spLocks noGrp="1"/>
+          </p:cNvSpPr>
+          <p:nvPr>
+            <p:ph idx="1"/>
+          </p:nvPr>
+        </p:nvSpPr>
+        <p:spPr/>
+        <p:txBody>
+          <a:bodyPr/>
+          <a:lstStyle/>
+          <a:p>
+            <a:r>
+              <a:rPr lang="en-US" dirty="0"/>
+              <a:t>Identify patterns driving successful outcomes </a:t>
+            </a:r>
+          </a:p>
+          <a:p>
+            <a:pPr marL="0" indent="0">
+              <a:buNone/>
+            </a:pPr>
+            <a:endParaRPr lang="en-US" dirty="0"/>
+          </a:p>
+          <a:p>
+            <a:r>
+              <a:rPr lang="en-US" dirty="0"/>
+              <a:t>Answer questions such as whether there is a statistical significance difference successful outcomes when the term of loan is 3 years or 5 years and when the interest rate is, for instance, 13% or 15%</a:t>
+            </a:r>
+          </a:p>
+          <a:p>
+            <a:endParaRPr lang="en-US" dirty="0"/>
+          </a:p>
+          <a:p>
+            <a:r>
+              <a:rPr lang="en-US" dirty="0"/>
+              <a:t>Which features played a major role in successful outcomes and which features are irrelevant</a:t>
+            </a:r>
+            <a:endParaRPr lang="en-GB" dirty="0"/>
+          </a:p>
+        </p:txBody>
+      </p:sp>
+    </p:spTree>
+    <p:extLst>
+      <p:ext uri="{BB962C8B-B14F-4D97-AF65-F5344CB8AC3E}">
+        <p14:creationId xmlns:p14="http://schemas.microsoft.com/office/powerpoint/2010/main" val="4067673262"/>
+      </p:ext>
+    </p:extLst>
+  </p:cSld>
+  <p:clrMapOvr>
+    <a:masterClrMapping/>
+  </p:clrMapOvr>
+</p:sld>
+</file>
+
+<file path=ppt/slides/slide5.xml><?xml version="1.0" encoding="utf-8"?>
+<p:sld xmlns:a="http://schemas.openxmlformats.org/drawingml/2006/main" xmlns:r="http://schemas.openxmlformats.org/officeDocument/2006/relationships" xmlns:p="http://schemas.openxmlformats.org/presentationml/2006/main">
+  <p:cSld>
+    <p:spTree>
+      <p:nvGrpSpPr>
+        <p:cNvPr id="1" name=""/>
+        <p:cNvGrpSpPr/>
+        <p:nvPr/>
+      </p:nvGrpSpPr>
+      <p:grpSpPr>
+        <a:xfrm>
+          <a:off x="0" y="0"/>
+          <a:ext cx="0" cy="0"/>
+          <a:chOff x="0" y="0"/>
+          <a:chExt cx="0" cy="0"/>
+        </a:xfrm>
+      </p:grpSpPr>
+      <p:sp>
+        <p:nvSpPr>
+          <p:cNvPr id="2" name="Title 1">
+            <a:extLst>
+              <a:ext uri="{FF2B5EF4-FFF2-40B4-BE49-F238E27FC236}">
                 <a16:creationId xmlns:a16="http://schemas.microsoft.com/office/drawing/2014/main" id="{67A65C11-8459-4EA2-008A-D0AAAB5642AB}"/>
               </a:ext>
             </a:extLst>
@@ -7477,7 +7770,7 @@
 </p:sld>
 </file>
 
-<file path=ppt/slides/slide5.xml><?xml version="1.0" encoding="utf-8"?>
+<file path=ppt/slides/slide6.xml><?xml version="1.0" encoding="utf-8"?>
 <p:sld xmlns:a="http://schemas.openxmlformats.org/drawingml/2006/main" xmlns:r="http://schemas.openxmlformats.org/officeDocument/2006/relationships" xmlns:p="http://schemas.openxmlformats.org/presentationml/2006/main">
   <p:cSld>
     <p:spTree>
@@ -7638,7 +7931,7 @@
 </p:sld>
 </file>
 
-<file path=ppt/slides/slide6.xml><?xml version="1.0" encoding="utf-8"?>
+<file path=ppt/slides/slide7.xml><?xml version="1.0" encoding="utf-8"?>
 <p:sld xmlns:a="http://schemas.openxmlformats.org/drawingml/2006/main" xmlns:r="http://schemas.openxmlformats.org/officeDocument/2006/relationships" xmlns:p="http://schemas.openxmlformats.org/presentationml/2006/main">
   <p:cSld>
     <p:spTree>
@@ -7707,7 +8000,7 @@
         </p:nvGraphicFramePr>
         <p:xfrm>
           <a:off x="677863" y="2160588"/>
-          <a:ext cx="8596312" cy="3881437"/>
+          <a:ext cx="8596312" cy="2606040"/>
         </p:xfrm>
         <a:graphic>
           <a:graphicData uri="http://schemas.openxmlformats.org/drawingml/2006/table">
@@ -8030,7 +8323,7 @@
 </p:sld>
 </file>
 
-<file path=ppt/slides/slide7.xml><?xml version="1.0" encoding="utf-8"?>
+<file path=ppt/slides/slide8.xml><?xml version="1.0" encoding="utf-8"?>
 <p:sld xmlns:a="http://schemas.openxmlformats.org/drawingml/2006/main" xmlns:r="http://schemas.openxmlformats.org/officeDocument/2006/relationships" xmlns:p="http://schemas.openxmlformats.org/presentationml/2006/main">
   <p:cSld>
     <p:spTree>
@@ -8138,7 +8431,7 @@
 </p:sld>
 </file>
 
-<file path=ppt/slides/slide8.xml><?xml version="1.0" encoding="utf-8"?>
+<file path=ppt/slides/slide9.xml><?xml version="1.0" encoding="utf-8"?>
 <p:sld xmlns:a="http://schemas.openxmlformats.org/drawingml/2006/main" xmlns:r="http://schemas.openxmlformats.org/officeDocument/2006/relationships" xmlns:p="http://schemas.openxmlformats.org/presentationml/2006/main">
   <p:cSld>
     <p:spTree>
@@ -8237,114 +8530,6 @@
     <p:extLst>
       <p:ext uri="{BB962C8B-B14F-4D97-AF65-F5344CB8AC3E}">
         <p14:creationId xmlns:p14="http://schemas.microsoft.com/office/powerpoint/2010/main" val="2792293541"/>
-      </p:ext>
-    </p:extLst>
-  </p:cSld>
-  <p:clrMapOvr>
-    <a:masterClrMapping/>
-  </p:clrMapOvr>
-</p:sld>
-</file>
-
-<file path=ppt/slides/slide9.xml><?xml version="1.0" encoding="utf-8"?>
-<p:sld xmlns:a="http://schemas.openxmlformats.org/drawingml/2006/main" xmlns:r="http://schemas.openxmlformats.org/officeDocument/2006/relationships" xmlns:p="http://schemas.openxmlformats.org/presentationml/2006/main">
-  <p:cSld>
-    <p:spTree>
-      <p:nvGrpSpPr>
-        <p:cNvPr id="1" name=""/>
-        <p:cNvGrpSpPr/>
-        <p:nvPr/>
-      </p:nvGrpSpPr>
-      <p:grpSpPr>
-        <a:xfrm>
-          <a:off x="0" y="0"/>
-          <a:ext cx="0" cy="0"/>
-          <a:chOff x="0" y="0"/>
-          <a:chExt cx="0" cy="0"/>
-        </a:xfrm>
-      </p:grpSpPr>
-      <p:sp>
-        <p:nvSpPr>
-          <p:cNvPr id="2" name="Title 1">
-            <a:extLst>
-              <a:ext uri="{FF2B5EF4-FFF2-40B4-BE49-F238E27FC236}">
-                <a16:creationId xmlns:a16="http://schemas.microsoft.com/office/drawing/2014/main" id="{CB0CF19E-97A8-67EF-AE51-1BB278A9CEF6}"/>
-              </a:ext>
-            </a:extLst>
-          </p:cNvPr>
-          <p:cNvSpPr>
-            <a:spLocks noGrp="1"/>
-          </p:cNvSpPr>
-          <p:nvPr>
-            <p:ph type="title"/>
-          </p:nvPr>
-        </p:nvSpPr>
-        <p:spPr/>
-        <p:txBody>
-          <a:bodyPr/>
-          <a:lstStyle/>
-          <a:p>
-            <a:r>
-              <a:rPr lang="en-US" dirty="0"/>
-              <a:t>Distribution of Loans by Interest rate</a:t>
-            </a:r>
-            <a:endParaRPr lang="en-GB" dirty="0"/>
-          </a:p>
-        </p:txBody>
-      </p:sp>
-      <p:pic>
-        <p:nvPicPr>
-          <p:cNvPr id="3074" name="Picture 2">
-            <a:extLst>
-              <a:ext uri="{FF2B5EF4-FFF2-40B4-BE49-F238E27FC236}">
-                <a16:creationId xmlns:a16="http://schemas.microsoft.com/office/drawing/2014/main" id="{7B4DD430-E5AB-377A-A65B-9E10A757F891}"/>
-              </a:ext>
-            </a:extLst>
-          </p:cNvPr>
-          <p:cNvPicPr>
-            <a:picLocks noGrp="1" noChangeAspect="1" noChangeArrowheads="1"/>
-          </p:cNvPicPr>
-          <p:nvPr>
-            <p:ph idx="1"/>
-          </p:nvPr>
-        </p:nvPicPr>
-        <p:blipFill>
-          <a:blip r:embed="rId2">
-            <a:extLst>
-              <a:ext uri="{28A0092B-C50C-407E-A947-70E740481C1C}">
-                <a14:useLocalDpi xmlns:a14="http://schemas.microsoft.com/office/drawing/2010/main" val="0"/>
-              </a:ext>
-            </a:extLst>
-          </a:blip>
-          <a:srcRect/>
-          <a:stretch>
-            <a:fillRect/>
-          </a:stretch>
-        </p:blipFill>
-        <p:spPr bwMode="auto">
-          <a:xfrm>
-            <a:off x="1470581" y="1690688"/>
-            <a:ext cx="8135332" cy="4389601"/>
-          </a:xfrm>
-          <a:prstGeom prst="rect">
-            <a:avLst/>
-          </a:prstGeom>
-          <a:noFill/>
-          <a:extLst>
-            <a:ext uri="{909E8E84-426E-40DD-AFC4-6F175D3DCCD1}">
-              <a14:hiddenFill xmlns:a14="http://schemas.microsoft.com/office/drawing/2010/main">
-                <a:solidFill>
-                  <a:srgbClr val="FFFFFF"/>
-                </a:solidFill>
-              </a14:hiddenFill>
-            </a:ext>
-          </a:extLst>
-        </p:spPr>
-      </p:pic>
-    </p:spTree>
-    <p:extLst>
-      <p:ext uri="{BB962C8B-B14F-4D97-AF65-F5344CB8AC3E}">
-        <p14:creationId xmlns:p14="http://schemas.microsoft.com/office/powerpoint/2010/main" val="3419615912"/>
       </p:ext>
     </p:extLst>
   </p:cSld>
